--- a/promotion/OpenNeuroscienceFlyer.pptx
+++ b/promotion/OpenNeuroscienceFlyer.pptx
@@ -7264,8 +7264,8 @@
         </p:nvSpPr>
         <p:spPr>
           <a:xfrm>
-            <a:off x="661350" y="355200"/>
-            <a:ext cx="7821300" cy="4433100"/>
+            <a:off x="661350" y="216750"/>
+            <a:ext cx="7821300" cy="4710000"/>
           </a:xfrm>
           <a:prstGeom prst="rect">
             <a:avLst/>
@@ -7360,7 +7360,7 @@
                 <a:cs typeface="Roboto"/>
                 <a:sym typeface="Roboto"/>
               </a:rPr>
-              <a:t>Copy the slide in the source language you want to translate from. English is on slide #2. Please don’t delete slides.</a:t>
+              <a:t>Copy the slide in the source language you want to translate from.English is on slide #2. Please don’t delete slides</a:t>
             </a:r>
             <a:endParaRPr b="1" sz="1800">
               <a:solidFill>
@@ -7534,7 +7534,7 @@
                 <a:cs typeface="Roboto"/>
                 <a:sym typeface="Roboto"/>
               </a:rPr>
-              <a:t>File &gt; Download &gt; PNG image. </a:t>
+              <a:t>File &gt; Download &gt; PNG image</a:t>
             </a:r>
             <a:endParaRPr b="1" sz="1800">
               <a:solidFill>
@@ -7676,7 +7676,44 @@
                 <a:cs typeface="Roboto"/>
                 <a:sym typeface="Roboto"/>
               </a:rPr>
-              <a:t>Upload this document with your edits as well.</a:t>
+              <a:t>Upload this document with your edits as well</a:t>
+            </a:r>
+            <a:endParaRPr b="1" sz="1800">
+              <a:solidFill>
+                <a:schemeClr val="dk1"/>
+              </a:solidFill>
+              <a:latin typeface="Roboto"/>
+              <a:ea typeface="Roboto"/>
+              <a:cs typeface="Roboto"/>
+              <a:sym typeface="Roboto"/>
+            </a:endParaRPr>
+          </a:p>
+          <a:p>
+            <a:pPr indent="-342900" lvl="0" marL="457200" rtl="0" algn="l">
+              <a:spcBef>
+                <a:spcPts val="0"/>
+              </a:spcBef>
+              <a:spcAft>
+                <a:spcPts val="0"/>
+              </a:spcAft>
+              <a:buClr>
+                <a:schemeClr val="dk1"/>
+              </a:buClr>
+              <a:buSzPts val="1800"/>
+              <a:buFont typeface="Roboto"/>
+              <a:buAutoNum type="arabicPeriod"/>
+            </a:pPr>
+            <a:r>
+              <a:rPr b="1" lang="en" sz="1800">
+                <a:solidFill>
+                  <a:schemeClr val="dk1"/>
+                </a:solidFill>
+                <a:latin typeface="Roboto"/>
+                <a:ea typeface="Roboto"/>
+                <a:cs typeface="Roboto"/>
+                <a:sym typeface="Roboto"/>
+              </a:rPr>
+              <a:t>Don’t forget to also translate the email template with the contact text</a:t>
             </a:r>
             <a:endParaRPr b="1" sz="1800">
               <a:solidFill>
@@ -7743,7 +7780,7 @@
         </p:blipFill>
         <p:spPr>
           <a:xfrm>
-            <a:off x="7399525" y="2689301"/>
+            <a:off x="7399525" y="2613101"/>
             <a:ext cx="1505275" cy="965225"/>
           </a:xfrm>
           <a:prstGeom prst="rect">
@@ -9776,6 +9813,285 @@
 </file>
 
 <file path=ppt/theme/theme1.xml><?xml version="1.0" encoding="utf-8"?>
+<a:theme xmlns:a="http://schemas.openxmlformats.org/drawingml/2006/main" xmlns:r="http://schemas.openxmlformats.org/officeDocument/2006/relationships" name="Marina">
+  <a:themeElements>
+    <a:clrScheme name="Marina">
+      <a:dk1>
+        <a:srgbClr val="FFFFFF"/>
+      </a:dk1>
+      <a:lt1>
+        <a:srgbClr val="00517C"/>
+      </a:lt1>
+      <a:dk2>
+        <a:srgbClr val="004065"/>
+      </a:dk2>
+      <a:lt2>
+        <a:srgbClr val="CFD8DC"/>
+      </a:lt2>
+      <a:accent1>
+        <a:srgbClr val="0277BD"/>
+      </a:accent1>
+      <a:accent2>
+        <a:srgbClr val="558B2F"/>
+      </a:accent2>
+      <a:accent3>
+        <a:srgbClr val="009688"/>
+      </a:accent3>
+      <a:accent4>
+        <a:srgbClr val="039BE5"/>
+      </a:accent4>
+      <a:accent5>
+        <a:srgbClr val="8BC34A"/>
+      </a:accent5>
+      <a:accent6>
+        <a:srgbClr val="FFEB38"/>
+      </a:accent6>
+      <a:hlink>
+        <a:srgbClr val="8BC34A"/>
+      </a:hlink>
+      <a:folHlink>
+        <a:srgbClr val="8BC34A"/>
+      </a:folHlink>
+    </a:clrScheme>
+    <a:fontScheme name="Office">
+      <a:majorFont>
+        <a:latin typeface="Arial"/>
+        <a:ea typeface=""/>
+        <a:cs typeface=""/>
+        <a:font script="Jpan" typeface="ＭＳ Ｐゴシック"/>
+        <a:font script="Hang" typeface="맑은 고딕"/>
+        <a:font script="Hans" typeface="宋体"/>
+        <a:font script="Hant" typeface="新細明體"/>
+        <a:font script="Arab" typeface="Times New Roman"/>
+        <a:font script="Hebr" typeface="Times New Roman"/>
+        <a:font script="Thai" typeface="Angsana New"/>
+        <a:font script="Ethi" typeface="Nyala"/>
+        <a:font script="Beng" typeface="Vrinda"/>
+        <a:font script="Gujr" typeface="Shruti"/>
+        <a:font script="Khmr" typeface="MoolBoran"/>
+        <a:font script="Knda" typeface="Tunga"/>
+        <a:font script="Guru" typeface="Raavi"/>
+        <a:font script="Cans" typeface="Euphemia"/>
+        <a:font script="Cher" typeface="Plantagenet Cherokee"/>
+        <a:font script="Yiii" typeface="Microsoft Yi Baiti"/>
+        <a:font script="Tibt" typeface="Microsoft Himalaya"/>
+        <a:font script="Thaa" typeface="MV Boli"/>
+        <a:font script="Deva" typeface="Mangal"/>
+        <a:font script="Telu" typeface="Gautami"/>
+        <a:font script="Taml" typeface="Latha"/>
+        <a:font script="Syrc" typeface="Estrangelo Edessa"/>
+        <a:font script="Orya" typeface="Kalinga"/>
+        <a:font script="Mlym" typeface="Kartika"/>
+        <a:font script="Laoo" typeface="DokChampa"/>
+        <a:font script="Sinh" typeface="Iskoola Pota"/>
+        <a:font script="Mong" typeface="Mongolian Baiti"/>
+        <a:font script="Viet" typeface="Times New Roman"/>
+        <a:font script="Uigh" typeface="Microsoft Uighur"/>
+        <a:font script="Geor" typeface="Sylfaen"/>
+      </a:majorFont>
+      <a:minorFont>
+        <a:latin typeface="Arial"/>
+        <a:ea typeface=""/>
+        <a:cs typeface=""/>
+        <a:font script="Jpan" typeface="ＭＳ Ｐゴシック"/>
+        <a:font script="Hang" typeface="맑은 고딕"/>
+        <a:font script="Hans" typeface="宋体"/>
+        <a:font script="Hant" typeface="新細明體"/>
+        <a:font script="Arab" typeface="Arial"/>
+        <a:font script="Hebr" typeface="Arial"/>
+        <a:font script="Thai" typeface="Cordia New"/>
+        <a:font script="Ethi" typeface="Nyala"/>
+        <a:font script="Beng" typeface="Vrinda"/>
+        <a:font script="Gujr" typeface="Shruti"/>
+        <a:font script="Khmr" typeface="DaunPenh"/>
+        <a:font script="Knda" typeface="Tunga"/>
+        <a:font script="Guru" typeface="Raavi"/>
+        <a:font script="Cans" typeface="Euphemia"/>
+        <a:font script="Cher" typeface="Plantagenet Cherokee"/>
+        <a:font script="Yiii" typeface="Microsoft Yi Baiti"/>
+        <a:font script="Tibt" typeface="Microsoft Himalaya"/>
+        <a:font script="Thaa" typeface="MV Boli"/>
+        <a:font script="Deva" typeface="Mangal"/>
+        <a:font script="Telu" typeface="Gautami"/>
+        <a:font script="Taml" typeface="Latha"/>
+        <a:font script="Syrc" typeface="Estrangelo Edessa"/>
+        <a:font script="Orya" typeface="Kalinga"/>
+        <a:font script="Mlym" typeface="Kartika"/>
+        <a:font script="Laoo" typeface="DokChampa"/>
+        <a:font script="Sinh" typeface="Iskoola Pota"/>
+        <a:font script="Mong" typeface="Mongolian Baiti"/>
+        <a:font script="Viet" typeface="Arial"/>
+        <a:font script="Uigh" typeface="Microsoft Uighur"/>
+        <a:font script="Geor" typeface="Sylfaen"/>
+      </a:minorFont>
+    </a:fontScheme>
+    <a:fmtScheme name="Office">
+      <a:fillStyleLst>
+        <a:solidFill>
+          <a:schemeClr val="phClr"/>
+        </a:solidFill>
+        <a:gradFill rotWithShape="1">
+          <a:gsLst>
+            <a:gs pos="0">
+              <a:schemeClr val="phClr">
+                <a:tint val="50000"/>
+                <a:satMod val="300000"/>
+              </a:schemeClr>
+            </a:gs>
+            <a:gs pos="35000">
+              <a:schemeClr val="phClr">
+                <a:tint val="37000"/>
+                <a:satMod val="300000"/>
+              </a:schemeClr>
+            </a:gs>
+            <a:gs pos="100000">
+              <a:schemeClr val="phClr">
+                <a:tint val="15000"/>
+                <a:satMod val="350000"/>
+              </a:schemeClr>
+            </a:gs>
+          </a:gsLst>
+          <a:lin ang="16200000" scaled="1"/>
+        </a:gradFill>
+        <a:gradFill rotWithShape="1">
+          <a:gsLst>
+            <a:gs pos="0">
+              <a:schemeClr val="phClr">
+                <a:tint val="100000"/>
+                <a:shade val="100000"/>
+                <a:satMod val="130000"/>
+              </a:schemeClr>
+            </a:gs>
+            <a:gs pos="100000">
+              <a:schemeClr val="phClr">
+                <a:tint val="50000"/>
+                <a:shade val="100000"/>
+                <a:satMod val="350000"/>
+              </a:schemeClr>
+            </a:gs>
+          </a:gsLst>
+          <a:lin ang="16200000" scaled="0"/>
+        </a:gradFill>
+      </a:fillStyleLst>
+      <a:lnStyleLst>
+        <a:ln w="9525" cap="flat" cmpd="sng" algn="ctr">
+          <a:solidFill>
+            <a:schemeClr val="phClr">
+              <a:shade val="95000"/>
+              <a:satMod val="105000"/>
+            </a:schemeClr>
+          </a:solidFill>
+          <a:prstDash val="solid"/>
+        </a:ln>
+        <a:ln w="25400" cap="flat" cmpd="sng" algn="ctr">
+          <a:solidFill>
+            <a:schemeClr val="phClr"/>
+          </a:solidFill>
+          <a:prstDash val="solid"/>
+        </a:ln>
+        <a:ln w="38100" cap="flat" cmpd="sng" algn="ctr">
+          <a:solidFill>
+            <a:schemeClr val="phClr"/>
+          </a:solidFill>
+          <a:prstDash val="solid"/>
+        </a:ln>
+      </a:lnStyleLst>
+      <a:effectStyleLst>
+        <a:effectStyle>
+          <a:effectLst>
+            <a:outerShdw blurRad="40000" dist="20000" dir="5400000" rotWithShape="0">
+              <a:srgbClr val="000000">
+                <a:alpha val="38000"/>
+              </a:srgbClr>
+            </a:outerShdw>
+          </a:effectLst>
+        </a:effectStyle>
+        <a:effectStyle>
+          <a:effectLst>
+            <a:outerShdw blurRad="40000" dist="23000" dir="5400000" rotWithShape="0">
+              <a:srgbClr val="000000">
+                <a:alpha val="35000"/>
+              </a:srgbClr>
+            </a:outerShdw>
+          </a:effectLst>
+        </a:effectStyle>
+        <a:effectStyle>
+          <a:effectLst>
+            <a:outerShdw blurRad="40000" dist="23000" dir="5400000" rotWithShape="0">
+              <a:srgbClr val="000000">
+                <a:alpha val="35000"/>
+              </a:srgbClr>
+            </a:outerShdw>
+          </a:effectLst>
+          <a:scene3d>
+            <a:camera prst="orthographicFront">
+              <a:rot lat="0" lon="0" rev="0"/>
+            </a:camera>
+            <a:lightRig rig="threePt" dir="t">
+              <a:rot lat="0" lon="0" rev="1200000"/>
+            </a:lightRig>
+          </a:scene3d>
+          <a:sp3d>
+            <a:bevelT w="63500" h="25400"/>
+          </a:sp3d>
+        </a:effectStyle>
+      </a:effectStyleLst>
+      <a:bgFillStyleLst>
+        <a:solidFill>
+          <a:schemeClr val="phClr"/>
+        </a:solidFill>
+        <a:gradFill rotWithShape="1">
+          <a:gsLst>
+            <a:gs pos="0">
+              <a:schemeClr val="phClr">
+                <a:tint val="40000"/>
+                <a:satMod val="350000"/>
+              </a:schemeClr>
+            </a:gs>
+            <a:gs pos="40000">
+              <a:schemeClr val="phClr">
+                <a:tint val="45000"/>
+                <a:shade val="99000"/>
+                <a:satMod val="350000"/>
+              </a:schemeClr>
+            </a:gs>
+            <a:gs pos="100000">
+              <a:schemeClr val="phClr">
+                <a:shade val="20000"/>
+                <a:satMod val="255000"/>
+              </a:schemeClr>
+            </a:gs>
+          </a:gsLst>
+          <a:path path="circle">
+            <a:fillToRect l="50000" t="-80000" r="50000" b="180000"/>
+          </a:path>
+        </a:gradFill>
+        <a:gradFill rotWithShape="1">
+          <a:gsLst>
+            <a:gs pos="0">
+              <a:schemeClr val="phClr">
+                <a:tint val="80000"/>
+                <a:satMod val="300000"/>
+              </a:schemeClr>
+            </a:gs>
+            <a:gs pos="100000">
+              <a:schemeClr val="phClr">
+                <a:shade val="30000"/>
+                <a:satMod val="200000"/>
+              </a:schemeClr>
+            </a:gs>
+          </a:gsLst>
+          <a:path path="circle">
+            <a:fillToRect l="50000" t="50000" r="50000" b="50000"/>
+          </a:path>
+        </a:gradFill>
+      </a:bgFillStyleLst>
+    </a:fmtScheme>
+  </a:themeElements>
+</a:theme>
+</file>
+
+<file path=ppt/theme/theme2.xml><?xml version="1.0" encoding="utf-8"?>
 <a:theme xmlns:a="http://schemas.openxmlformats.org/drawingml/2006/main" xmlns:r="http://schemas.openxmlformats.org/officeDocument/2006/relationships">
   <a:themeElements>
     <a:clrScheme name="Default">
@@ -10052,283 +10368,4 @@
     </a:fmtScheme>
   </a:themeElements>
 </a:theme>
-</file>
-
-<file path=ppt/theme/theme2.xml><?xml version="1.0" encoding="utf-8"?>
-<a:theme xmlns:a="http://schemas.openxmlformats.org/drawingml/2006/main" xmlns:r="http://schemas.openxmlformats.org/officeDocument/2006/relationships" name="Marina">
-  <a:themeElements>
-    <a:clrScheme name="Marina">
-      <a:dk1>
-        <a:srgbClr val="FFFFFF"/>
-      </a:dk1>
-      <a:lt1>
-        <a:srgbClr val="00517C"/>
-      </a:lt1>
-      <a:dk2>
-        <a:srgbClr val="004065"/>
-      </a:dk2>
-      <a:lt2>
-        <a:srgbClr val="CFD8DC"/>
-      </a:lt2>
-      <a:accent1>
-        <a:srgbClr val="0277BD"/>
-      </a:accent1>
-      <a:accent2>
-        <a:srgbClr val="558B2F"/>
-      </a:accent2>
-      <a:accent3>
-        <a:srgbClr val="009688"/>
-      </a:accent3>
-      <a:accent4>
-        <a:srgbClr val="039BE5"/>
-      </a:accent4>
-      <a:accent5>
-        <a:srgbClr val="8BC34A"/>
-      </a:accent5>
-      <a:accent6>
-        <a:srgbClr val="FFEB38"/>
-      </a:accent6>
-      <a:hlink>
-        <a:srgbClr val="8BC34A"/>
-      </a:hlink>
-      <a:folHlink>
-        <a:srgbClr val="8BC34A"/>
-      </a:folHlink>
-    </a:clrScheme>
-    <a:fontScheme name="Office">
-      <a:majorFont>
-        <a:latin typeface="Arial"/>
-        <a:ea typeface=""/>
-        <a:cs typeface=""/>
-        <a:font script="Jpan" typeface="ＭＳ Ｐゴシック"/>
-        <a:font script="Hang" typeface="맑은 고딕"/>
-        <a:font script="Hans" typeface="宋体"/>
-        <a:font script="Hant" typeface="新細明體"/>
-        <a:font script="Arab" typeface="Times New Roman"/>
-        <a:font script="Hebr" typeface="Times New Roman"/>
-        <a:font script="Thai" typeface="Angsana New"/>
-        <a:font script="Ethi" typeface="Nyala"/>
-        <a:font script="Beng" typeface="Vrinda"/>
-        <a:font script="Gujr" typeface="Shruti"/>
-        <a:font script="Khmr" typeface="MoolBoran"/>
-        <a:font script="Knda" typeface="Tunga"/>
-        <a:font script="Guru" typeface="Raavi"/>
-        <a:font script="Cans" typeface="Euphemia"/>
-        <a:font script="Cher" typeface="Plantagenet Cherokee"/>
-        <a:font script="Yiii" typeface="Microsoft Yi Baiti"/>
-        <a:font script="Tibt" typeface="Microsoft Himalaya"/>
-        <a:font script="Thaa" typeface="MV Boli"/>
-        <a:font script="Deva" typeface="Mangal"/>
-        <a:font script="Telu" typeface="Gautami"/>
-        <a:font script="Taml" typeface="Latha"/>
-        <a:font script="Syrc" typeface="Estrangelo Edessa"/>
-        <a:font script="Orya" typeface="Kalinga"/>
-        <a:font script="Mlym" typeface="Kartika"/>
-        <a:font script="Laoo" typeface="DokChampa"/>
-        <a:font script="Sinh" typeface="Iskoola Pota"/>
-        <a:font script="Mong" typeface="Mongolian Baiti"/>
-        <a:font script="Viet" typeface="Times New Roman"/>
-        <a:font script="Uigh" typeface="Microsoft Uighur"/>
-        <a:font script="Geor" typeface="Sylfaen"/>
-      </a:majorFont>
-      <a:minorFont>
-        <a:latin typeface="Arial"/>
-        <a:ea typeface=""/>
-        <a:cs typeface=""/>
-        <a:font script="Jpan" typeface="ＭＳ Ｐゴシック"/>
-        <a:font script="Hang" typeface="맑은 고딕"/>
-        <a:font script="Hans" typeface="宋体"/>
-        <a:font script="Hant" typeface="新細明體"/>
-        <a:font script="Arab" typeface="Arial"/>
-        <a:font script="Hebr" typeface="Arial"/>
-        <a:font script="Thai" typeface="Cordia New"/>
-        <a:font script="Ethi" typeface="Nyala"/>
-        <a:font script="Beng" typeface="Vrinda"/>
-        <a:font script="Gujr" typeface="Shruti"/>
-        <a:font script="Khmr" typeface="DaunPenh"/>
-        <a:font script="Knda" typeface="Tunga"/>
-        <a:font script="Guru" typeface="Raavi"/>
-        <a:font script="Cans" typeface="Euphemia"/>
-        <a:font script="Cher" typeface="Plantagenet Cherokee"/>
-        <a:font script="Yiii" typeface="Microsoft Yi Baiti"/>
-        <a:font script="Tibt" typeface="Microsoft Himalaya"/>
-        <a:font script="Thaa" typeface="MV Boli"/>
-        <a:font script="Deva" typeface="Mangal"/>
-        <a:font script="Telu" typeface="Gautami"/>
-        <a:font script="Taml" typeface="Latha"/>
-        <a:font script="Syrc" typeface="Estrangelo Edessa"/>
-        <a:font script="Orya" typeface="Kalinga"/>
-        <a:font script="Mlym" typeface="Kartika"/>
-        <a:font script="Laoo" typeface="DokChampa"/>
-        <a:font script="Sinh" typeface="Iskoola Pota"/>
-        <a:font script="Mong" typeface="Mongolian Baiti"/>
-        <a:font script="Viet" typeface="Arial"/>
-        <a:font script="Uigh" typeface="Microsoft Uighur"/>
-        <a:font script="Geor" typeface="Sylfaen"/>
-      </a:minorFont>
-    </a:fontScheme>
-    <a:fmtScheme name="Office">
-      <a:fillStyleLst>
-        <a:solidFill>
-          <a:schemeClr val="phClr"/>
-        </a:solidFill>
-        <a:gradFill rotWithShape="1">
-          <a:gsLst>
-            <a:gs pos="0">
-              <a:schemeClr val="phClr">
-                <a:tint val="50000"/>
-                <a:satMod val="300000"/>
-              </a:schemeClr>
-            </a:gs>
-            <a:gs pos="35000">
-              <a:schemeClr val="phClr">
-                <a:tint val="37000"/>
-                <a:satMod val="300000"/>
-              </a:schemeClr>
-            </a:gs>
-            <a:gs pos="100000">
-              <a:schemeClr val="phClr">
-                <a:tint val="15000"/>
-                <a:satMod val="350000"/>
-              </a:schemeClr>
-            </a:gs>
-          </a:gsLst>
-          <a:lin ang="16200000" scaled="1"/>
-        </a:gradFill>
-        <a:gradFill rotWithShape="1">
-          <a:gsLst>
-            <a:gs pos="0">
-              <a:schemeClr val="phClr">
-                <a:tint val="100000"/>
-                <a:shade val="100000"/>
-                <a:satMod val="130000"/>
-              </a:schemeClr>
-            </a:gs>
-            <a:gs pos="100000">
-              <a:schemeClr val="phClr">
-                <a:tint val="50000"/>
-                <a:shade val="100000"/>
-                <a:satMod val="350000"/>
-              </a:schemeClr>
-            </a:gs>
-          </a:gsLst>
-          <a:lin ang="16200000" scaled="0"/>
-        </a:gradFill>
-      </a:fillStyleLst>
-      <a:lnStyleLst>
-        <a:ln w="9525" cap="flat" cmpd="sng" algn="ctr">
-          <a:solidFill>
-            <a:schemeClr val="phClr">
-              <a:shade val="95000"/>
-              <a:satMod val="105000"/>
-            </a:schemeClr>
-          </a:solidFill>
-          <a:prstDash val="solid"/>
-        </a:ln>
-        <a:ln w="25400" cap="flat" cmpd="sng" algn="ctr">
-          <a:solidFill>
-            <a:schemeClr val="phClr"/>
-          </a:solidFill>
-          <a:prstDash val="solid"/>
-        </a:ln>
-        <a:ln w="38100" cap="flat" cmpd="sng" algn="ctr">
-          <a:solidFill>
-            <a:schemeClr val="phClr"/>
-          </a:solidFill>
-          <a:prstDash val="solid"/>
-        </a:ln>
-      </a:lnStyleLst>
-      <a:effectStyleLst>
-        <a:effectStyle>
-          <a:effectLst>
-            <a:outerShdw blurRad="40000" dist="20000" dir="5400000" rotWithShape="0">
-              <a:srgbClr val="000000">
-                <a:alpha val="38000"/>
-              </a:srgbClr>
-            </a:outerShdw>
-          </a:effectLst>
-        </a:effectStyle>
-        <a:effectStyle>
-          <a:effectLst>
-            <a:outerShdw blurRad="40000" dist="23000" dir="5400000" rotWithShape="0">
-              <a:srgbClr val="000000">
-                <a:alpha val="35000"/>
-              </a:srgbClr>
-            </a:outerShdw>
-          </a:effectLst>
-        </a:effectStyle>
-        <a:effectStyle>
-          <a:effectLst>
-            <a:outerShdw blurRad="40000" dist="23000" dir="5400000" rotWithShape="0">
-              <a:srgbClr val="000000">
-                <a:alpha val="35000"/>
-              </a:srgbClr>
-            </a:outerShdw>
-          </a:effectLst>
-          <a:scene3d>
-            <a:camera prst="orthographicFront">
-              <a:rot lat="0" lon="0" rev="0"/>
-            </a:camera>
-            <a:lightRig rig="threePt" dir="t">
-              <a:rot lat="0" lon="0" rev="1200000"/>
-            </a:lightRig>
-          </a:scene3d>
-          <a:sp3d>
-            <a:bevelT w="63500" h="25400"/>
-          </a:sp3d>
-        </a:effectStyle>
-      </a:effectStyleLst>
-      <a:bgFillStyleLst>
-        <a:solidFill>
-          <a:schemeClr val="phClr"/>
-        </a:solidFill>
-        <a:gradFill rotWithShape="1">
-          <a:gsLst>
-            <a:gs pos="0">
-              <a:schemeClr val="phClr">
-                <a:tint val="40000"/>
-                <a:satMod val="350000"/>
-              </a:schemeClr>
-            </a:gs>
-            <a:gs pos="40000">
-              <a:schemeClr val="phClr">
-                <a:tint val="45000"/>
-                <a:shade val="99000"/>
-                <a:satMod val="350000"/>
-              </a:schemeClr>
-            </a:gs>
-            <a:gs pos="100000">
-              <a:schemeClr val="phClr">
-                <a:shade val="20000"/>
-                <a:satMod val="255000"/>
-              </a:schemeClr>
-            </a:gs>
-          </a:gsLst>
-          <a:path path="circle">
-            <a:fillToRect l="50000" t="-80000" r="50000" b="180000"/>
-          </a:path>
-        </a:gradFill>
-        <a:gradFill rotWithShape="1">
-          <a:gsLst>
-            <a:gs pos="0">
-              <a:schemeClr val="phClr">
-                <a:tint val="80000"/>
-                <a:satMod val="300000"/>
-              </a:schemeClr>
-            </a:gs>
-            <a:gs pos="100000">
-              <a:schemeClr val="phClr">
-                <a:shade val="30000"/>
-                <a:satMod val="200000"/>
-              </a:schemeClr>
-            </a:gs>
-          </a:gsLst>
-          <a:path path="circle">
-            <a:fillToRect l="50000" t="50000" r="50000" b="50000"/>
-          </a:path>
-        </a:gradFill>
-      </a:bgFillStyleLst>
-    </a:fmtScheme>
-  </a:themeElements>
-</a:theme>
 </file>
--- a/promotion/OpenNeuroscienceFlyer.pptx
+++ b/promotion/OpenNeuroscienceFlyer.pptx
@@ -1,26 +1,453 @@
 
 <file path=ppt/presentation.xml><?xml version="1.0" encoding="utf-8"?>
-<p:presentation xmlns:a="http://schemas.openxmlformats.org/drawingml/2006/main" xmlns:p="http://schemas.openxmlformats.org/presentationml/2006/main" xmlns:r="http://schemas.openxmlformats.org/officeDocument/2006/relationships" xmlns:p14="http://schemas.microsoft.com/office/powerpoint/2010/main" xmlns:p15="http://schemas.microsoft.com/office/powerpoint/2012/main" xmlns:mc="http://schemas.openxmlformats.org/markup-compatibility/2006">
+<p:presentation xmlns:a="http://schemas.openxmlformats.org/drawingml/2006/main" xmlns:r="http://schemas.openxmlformats.org/officeDocument/2006/relationships" xmlns:p="http://schemas.openxmlformats.org/presentationml/2006/main">
   <p:sldMasterIdLst>
-    <p:sldMasterId id="2147483648" r:id="rId2"/>
+    <p:sldMasterId id="2147483648" r:id="rId1"/>
   </p:sldMasterIdLst>
   <p:notesMasterIdLst>
-    <p:notesMasterId r:id="rId3"/>
+    <p:notesMasterId r:id="rId7"/>
   </p:notesMasterIdLst>
   <p:sldIdLst>
-    <p:sldId id="256" r:id="rId4"/>
-    <p:sldId id="257" r:id="rId5"/>
-    <p:sldId id="258" r:id="rId6"/>
-    <p:sldId id="259" r:id="rId7"/>
-    <p:sldId id="260" r:id="rId8"/>
+    <p:sldId id="256" r:id="rId2"/>
+    <p:sldId id="257" r:id="rId3"/>
+    <p:sldId id="258" r:id="rId4"/>
+    <p:sldId id="259" r:id="rId5"/>
+    <p:sldId id="260" r:id="rId6"/>
   </p:sldIdLst>
-  <p:sldSz cx="9144000" cy="5143500"/>
+  <p:sldSz cx="9144000" cy="5143500" type="screen16x9"/>
   <p:notesSz cx="6858000" cy="9144000"/>
+  <p:defaultTextStyle>
+    <a:defPPr>
+      <a:defRPr lang="en-US"/>
+    </a:defPPr>
+    <a:lvl1pPr marL="0" algn="l" defTabSz="914400" rtl="0" eaLnBrk="1" latinLnBrk="0" hangingPunct="1">
+      <a:defRPr sz="1800" kern="1200">
+        <a:solidFill>
+          <a:schemeClr val="tx1"/>
+        </a:solidFill>
+        <a:latin typeface="+mn-lt"/>
+        <a:ea typeface="+mn-ea"/>
+        <a:cs typeface="+mn-cs"/>
+      </a:defRPr>
+    </a:lvl1pPr>
+    <a:lvl2pPr marL="457200" algn="l" defTabSz="914400" rtl="0" eaLnBrk="1" latinLnBrk="0" hangingPunct="1">
+      <a:defRPr sz="1800" kern="1200">
+        <a:solidFill>
+          <a:schemeClr val="tx1"/>
+        </a:solidFill>
+        <a:latin typeface="+mn-lt"/>
+        <a:ea typeface="+mn-ea"/>
+        <a:cs typeface="+mn-cs"/>
+      </a:defRPr>
+    </a:lvl2pPr>
+    <a:lvl3pPr marL="914400" algn="l" defTabSz="914400" rtl="0" eaLnBrk="1" latinLnBrk="0" hangingPunct="1">
+      <a:defRPr sz="1800" kern="1200">
+        <a:solidFill>
+          <a:schemeClr val="tx1"/>
+        </a:solidFill>
+        <a:latin typeface="+mn-lt"/>
+        <a:ea typeface="+mn-ea"/>
+        <a:cs typeface="+mn-cs"/>
+      </a:defRPr>
+    </a:lvl3pPr>
+    <a:lvl4pPr marL="1371600" algn="l" defTabSz="914400" rtl="0" eaLnBrk="1" latinLnBrk="0" hangingPunct="1">
+      <a:defRPr sz="1800" kern="1200">
+        <a:solidFill>
+          <a:schemeClr val="tx1"/>
+        </a:solidFill>
+        <a:latin typeface="+mn-lt"/>
+        <a:ea typeface="+mn-ea"/>
+        <a:cs typeface="+mn-cs"/>
+      </a:defRPr>
+    </a:lvl4pPr>
+    <a:lvl5pPr marL="1828800" algn="l" defTabSz="914400" rtl="0" eaLnBrk="1" latinLnBrk="0" hangingPunct="1">
+      <a:defRPr sz="1800" kern="1200">
+        <a:solidFill>
+          <a:schemeClr val="tx1"/>
+        </a:solidFill>
+        <a:latin typeface="+mn-lt"/>
+        <a:ea typeface="+mn-ea"/>
+        <a:cs typeface="+mn-cs"/>
+      </a:defRPr>
+    </a:lvl5pPr>
+    <a:lvl6pPr marL="2286000" algn="l" defTabSz="914400" rtl="0" eaLnBrk="1" latinLnBrk="0" hangingPunct="1">
+      <a:defRPr sz="1800" kern="1200">
+        <a:solidFill>
+          <a:schemeClr val="tx1"/>
+        </a:solidFill>
+        <a:latin typeface="+mn-lt"/>
+        <a:ea typeface="+mn-ea"/>
+        <a:cs typeface="+mn-cs"/>
+      </a:defRPr>
+    </a:lvl6pPr>
+    <a:lvl7pPr marL="2743200" algn="l" defTabSz="914400" rtl="0" eaLnBrk="1" latinLnBrk="0" hangingPunct="1">
+      <a:defRPr sz="1800" kern="1200">
+        <a:solidFill>
+          <a:schemeClr val="tx1"/>
+        </a:solidFill>
+        <a:latin typeface="+mn-lt"/>
+        <a:ea typeface="+mn-ea"/>
+        <a:cs typeface="+mn-cs"/>
+      </a:defRPr>
+    </a:lvl7pPr>
+    <a:lvl8pPr marL="3200400" algn="l" defTabSz="914400" rtl="0" eaLnBrk="1" latinLnBrk="0" hangingPunct="1">
+      <a:defRPr sz="1800" kern="1200">
+        <a:solidFill>
+          <a:schemeClr val="tx1"/>
+        </a:solidFill>
+        <a:latin typeface="+mn-lt"/>
+        <a:ea typeface="+mn-ea"/>
+        <a:cs typeface="+mn-cs"/>
+      </a:defRPr>
+    </a:lvl8pPr>
+    <a:lvl9pPr marL="3657600" algn="l" defTabSz="914400" rtl="0" eaLnBrk="1" latinLnBrk="0" hangingPunct="1">
+      <a:defRPr sz="1800" kern="1200">
+        <a:solidFill>
+          <a:schemeClr val="tx1"/>
+        </a:solidFill>
+        <a:latin typeface="+mn-lt"/>
+        <a:ea typeface="+mn-ea"/>
+        <a:cs typeface="+mn-cs"/>
+      </a:defRPr>
+    </a:lvl9pPr>
+  </p:defaultTextStyle>
 </p:presentation>
 </file>
 
 <file path=ppt/notesMasters/notesMaster1.xml><?xml version="1.0" encoding="utf-8"?>
-<p:notesMaster xmlns:a="http://schemas.openxmlformats.org/drawingml/2006/main" xmlns:p="http://schemas.openxmlformats.org/presentationml/2006/main" xmlns:r="http://schemas.openxmlformats.org/officeDocument/2006/relationships" xmlns:p14="http://schemas.microsoft.com/office/powerpoint/2010/main" xmlns:p15="http://schemas.microsoft.com/office/powerpoint/2012/main" xmlns:mc="http://schemas.openxmlformats.org/markup-compatibility/2006">
+<p:notesMaster xmlns:a="http://schemas.openxmlformats.org/drawingml/2006/main" xmlns:r="http://schemas.openxmlformats.org/officeDocument/2006/relationships" xmlns:p="http://schemas.openxmlformats.org/presentationml/2006/main">
+  <p:cSld>
+    <p:bg>
+      <p:bgRef idx="1001">
+        <a:schemeClr val="bg1"/>
+      </p:bgRef>
+    </p:bg>
+    <p:spTree>
+      <p:nvGrpSpPr>
+        <p:cNvPr id="1" name=""/>
+        <p:cNvGrpSpPr/>
+        <p:nvPr/>
+      </p:nvGrpSpPr>
+      <p:grpSpPr>
+        <a:xfrm>
+          <a:off x="0" y="0"/>
+          <a:ext cx="0" cy="0"/>
+          <a:chOff x="0" y="0"/>
+          <a:chExt cx="0" cy="0"/>
+        </a:xfrm>
+      </p:grpSpPr>
+      <p:sp>
+        <p:nvSpPr>
+          <p:cNvPr id="39" name="PlaceHolder 1"/>
+          <p:cNvSpPr>
+            <a:spLocks noGrp="1" noRot="1" noChangeAspect="1"/>
+          </p:cNvSpPr>
+          <p:nvPr>
+            <p:ph type="sldImg"/>
+          </p:nvPr>
+        </p:nvSpPr>
+        <p:spPr>
+          <a:xfrm>
+            <a:off x="216000" y="812520"/>
+            <a:ext cx="7127280" cy="4008960"/>
+          </a:xfrm>
+          <a:prstGeom prst="rect">
+            <a:avLst/>
+          </a:prstGeom>
+        </p:spPr>
+        <p:txBody>
+          <a:bodyPr lIns="0" tIns="0" rIns="0" bIns="0" anchor="ctr">
+            <a:noAutofit/>
+          </a:bodyPr>
+          <a:lstStyle/>
+          <a:p>
+            <a:r>
+              <a:rPr lang="en-GB" sz="1400" b="0" strike="noStrike" spc="-1">
+                <a:solidFill>
+                  <a:srgbClr val="000000"/>
+                </a:solidFill>
+                <a:latin typeface="Arial"/>
+              </a:rPr>
+              <a:t>Click to move the slide</a:t>
+            </a:r>
+          </a:p>
+        </p:txBody>
+      </p:sp>
+      <p:sp>
+        <p:nvSpPr>
+          <p:cNvPr id="40" name="PlaceHolder 2"/>
+          <p:cNvSpPr>
+            <a:spLocks noGrp="1"/>
+          </p:cNvSpPr>
+          <p:nvPr>
+            <p:ph type="body"/>
+          </p:nvPr>
+        </p:nvSpPr>
+        <p:spPr>
+          <a:xfrm>
+            <a:off x="756000" y="5078520"/>
+            <a:ext cx="6047640" cy="4811040"/>
+          </a:xfrm>
+          <a:prstGeom prst="rect">
+            <a:avLst/>
+          </a:prstGeom>
+        </p:spPr>
+        <p:txBody>
+          <a:bodyPr lIns="0" tIns="0" rIns="0" bIns="0">
+            <a:noAutofit/>
+          </a:bodyPr>
+          <a:lstStyle/>
+          <a:p>
+            <a:r>
+              <a:rPr lang="en-GB" sz="2000" b="0" strike="noStrike" spc="-1">
+                <a:latin typeface="Arial"/>
+              </a:rPr>
+              <a:t>Click to edit the notes format</a:t>
+            </a:r>
+          </a:p>
+        </p:txBody>
+      </p:sp>
+      <p:sp>
+        <p:nvSpPr>
+          <p:cNvPr id="41" name="PlaceHolder 3"/>
+          <p:cNvSpPr>
+            <a:spLocks noGrp="1"/>
+          </p:cNvSpPr>
+          <p:nvPr>
+            <p:ph type="hdr"/>
+          </p:nvPr>
+        </p:nvSpPr>
+        <p:spPr>
+          <a:xfrm>
+            <a:off x="0" y="0"/>
+            <a:ext cx="3280680" cy="534240"/>
+          </a:xfrm>
+          <a:prstGeom prst="rect">
+            <a:avLst/>
+          </a:prstGeom>
+        </p:spPr>
+        <p:txBody>
+          <a:bodyPr lIns="0" tIns="0" rIns="0" bIns="0">
+            <a:noAutofit/>
+          </a:bodyPr>
+          <a:lstStyle/>
+          <a:p>
+            <a:r>
+              <a:rPr lang="en-GB" sz="1400" b="0" strike="noStrike" spc="-1">
+                <a:latin typeface="Times New Roman"/>
+              </a:rPr>
+              <a:t> </a:t>
+            </a:r>
+          </a:p>
+        </p:txBody>
+      </p:sp>
+      <p:sp>
+        <p:nvSpPr>
+          <p:cNvPr id="42" name="PlaceHolder 4"/>
+          <p:cNvSpPr>
+            <a:spLocks noGrp="1"/>
+          </p:cNvSpPr>
+          <p:nvPr>
+            <p:ph type="dt"/>
+          </p:nvPr>
+        </p:nvSpPr>
+        <p:spPr>
+          <a:xfrm>
+            <a:off x="4278960" y="0"/>
+            <a:ext cx="3280680" cy="534240"/>
+          </a:xfrm>
+          <a:prstGeom prst="rect">
+            <a:avLst/>
+          </a:prstGeom>
+        </p:spPr>
+        <p:txBody>
+          <a:bodyPr lIns="0" tIns="0" rIns="0" bIns="0">
+            <a:noAutofit/>
+          </a:bodyPr>
+          <a:lstStyle/>
+          <a:p>
+            <a:pPr algn="r"/>
+            <a:r>
+              <a:rPr lang="en-GB" sz="1400" b="0" strike="noStrike" spc="-1">
+                <a:latin typeface="Times New Roman"/>
+              </a:rPr>
+              <a:t> </a:t>
+            </a:r>
+          </a:p>
+        </p:txBody>
+      </p:sp>
+      <p:sp>
+        <p:nvSpPr>
+          <p:cNvPr id="43" name="PlaceHolder 5"/>
+          <p:cNvSpPr>
+            <a:spLocks noGrp="1"/>
+          </p:cNvSpPr>
+          <p:nvPr>
+            <p:ph type="ftr"/>
+          </p:nvPr>
+        </p:nvSpPr>
+        <p:spPr>
+          <a:xfrm>
+            <a:off x="0" y="10157400"/>
+            <a:ext cx="3280680" cy="534240"/>
+          </a:xfrm>
+          <a:prstGeom prst="rect">
+            <a:avLst/>
+          </a:prstGeom>
+        </p:spPr>
+        <p:txBody>
+          <a:bodyPr lIns="0" tIns="0" rIns="0" bIns="0" anchor="b">
+            <a:noAutofit/>
+          </a:bodyPr>
+          <a:lstStyle/>
+          <a:p>
+            <a:r>
+              <a:rPr lang="en-GB" sz="1400" b="0" strike="noStrike" spc="-1">
+                <a:latin typeface="Times New Roman"/>
+              </a:rPr>
+              <a:t> </a:t>
+            </a:r>
+          </a:p>
+        </p:txBody>
+      </p:sp>
+      <p:sp>
+        <p:nvSpPr>
+          <p:cNvPr id="44" name="PlaceHolder 6"/>
+          <p:cNvSpPr>
+            <a:spLocks noGrp="1"/>
+          </p:cNvSpPr>
+          <p:nvPr>
+            <p:ph type="sldNum"/>
+          </p:nvPr>
+        </p:nvSpPr>
+        <p:spPr>
+          <a:xfrm>
+            <a:off x="4278960" y="10157400"/>
+            <a:ext cx="3280680" cy="534240"/>
+          </a:xfrm>
+          <a:prstGeom prst="rect">
+            <a:avLst/>
+          </a:prstGeom>
+        </p:spPr>
+        <p:txBody>
+          <a:bodyPr lIns="0" tIns="0" rIns="0" bIns="0" anchor="b">
+            <a:noAutofit/>
+          </a:bodyPr>
+          <a:lstStyle/>
+          <a:p>
+            <a:pPr algn="r"/>
+            <a:fld id="{B8ABAE2B-9115-462A-A0CB-ACC6379B7E0F}" type="slidenum">
+              <a:rPr lang="en-GB" sz="1400" b="0" strike="noStrike" spc="-1">
+                <a:latin typeface="Times New Roman"/>
+              </a:rPr>
+              <a:t>‹#›</a:t>
+            </a:fld>
+            <a:endParaRPr lang="en-GB" sz="1400" b="0" strike="noStrike" spc="-1">
+              <a:latin typeface="Times New Roman"/>
+            </a:endParaRPr>
+          </a:p>
+        </p:txBody>
+      </p:sp>
+    </p:spTree>
+  </p:cSld>
+  <p:clrMap bg1="lt1" tx1="dk1" bg2="lt2" tx2="dk2" accent1="accent1" accent2="accent2" accent3="accent3" accent4="accent4" accent5="accent5" accent6="accent6" hlink="hlink" folHlink="folHlink"/>
+  <p:notesStyle>
+    <a:lvl1pPr marL="0" algn="l" defTabSz="914400" rtl="0" eaLnBrk="1" latinLnBrk="0" hangingPunct="1">
+      <a:defRPr sz="1200" kern="1200">
+        <a:solidFill>
+          <a:schemeClr val="tx1"/>
+        </a:solidFill>
+        <a:latin typeface="+mn-lt"/>
+        <a:ea typeface="+mn-ea"/>
+        <a:cs typeface="+mn-cs"/>
+      </a:defRPr>
+    </a:lvl1pPr>
+    <a:lvl2pPr marL="457200" algn="l" defTabSz="914400" rtl="0" eaLnBrk="1" latinLnBrk="0" hangingPunct="1">
+      <a:defRPr sz="1200" kern="1200">
+        <a:solidFill>
+          <a:schemeClr val="tx1"/>
+        </a:solidFill>
+        <a:latin typeface="+mn-lt"/>
+        <a:ea typeface="+mn-ea"/>
+        <a:cs typeface="+mn-cs"/>
+      </a:defRPr>
+    </a:lvl2pPr>
+    <a:lvl3pPr marL="914400" algn="l" defTabSz="914400" rtl="0" eaLnBrk="1" latinLnBrk="0" hangingPunct="1">
+      <a:defRPr sz="1200" kern="1200">
+        <a:solidFill>
+          <a:schemeClr val="tx1"/>
+        </a:solidFill>
+        <a:latin typeface="+mn-lt"/>
+        <a:ea typeface="+mn-ea"/>
+        <a:cs typeface="+mn-cs"/>
+      </a:defRPr>
+    </a:lvl3pPr>
+    <a:lvl4pPr marL="1371600" algn="l" defTabSz="914400" rtl="0" eaLnBrk="1" latinLnBrk="0" hangingPunct="1">
+      <a:defRPr sz="1200" kern="1200">
+        <a:solidFill>
+          <a:schemeClr val="tx1"/>
+        </a:solidFill>
+        <a:latin typeface="+mn-lt"/>
+        <a:ea typeface="+mn-ea"/>
+        <a:cs typeface="+mn-cs"/>
+      </a:defRPr>
+    </a:lvl4pPr>
+    <a:lvl5pPr marL="1828800" algn="l" defTabSz="914400" rtl="0" eaLnBrk="1" latinLnBrk="0" hangingPunct="1">
+      <a:defRPr sz="1200" kern="1200">
+        <a:solidFill>
+          <a:schemeClr val="tx1"/>
+        </a:solidFill>
+        <a:latin typeface="+mn-lt"/>
+        <a:ea typeface="+mn-ea"/>
+        <a:cs typeface="+mn-cs"/>
+      </a:defRPr>
+    </a:lvl5pPr>
+    <a:lvl6pPr marL="2286000" algn="l" defTabSz="914400" rtl="0" eaLnBrk="1" latinLnBrk="0" hangingPunct="1">
+      <a:defRPr sz="1200" kern="1200">
+        <a:solidFill>
+          <a:schemeClr val="tx1"/>
+        </a:solidFill>
+        <a:latin typeface="+mn-lt"/>
+        <a:ea typeface="+mn-ea"/>
+        <a:cs typeface="+mn-cs"/>
+      </a:defRPr>
+    </a:lvl6pPr>
+    <a:lvl7pPr marL="2743200" algn="l" defTabSz="914400" rtl="0" eaLnBrk="1" latinLnBrk="0" hangingPunct="1">
+      <a:defRPr sz="1200" kern="1200">
+        <a:solidFill>
+          <a:schemeClr val="tx1"/>
+        </a:solidFill>
+        <a:latin typeface="+mn-lt"/>
+        <a:ea typeface="+mn-ea"/>
+        <a:cs typeface="+mn-cs"/>
+      </a:defRPr>
+    </a:lvl7pPr>
+    <a:lvl8pPr marL="3200400" algn="l" defTabSz="914400" rtl="0" eaLnBrk="1" latinLnBrk="0" hangingPunct="1">
+      <a:defRPr sz="1200" kern="1200">
+        <a:solidFill>
+          <a:schemeClr val="tx1"/>
+        </a:solidFill>
+        <a:latin typeface="+mn-lt"/>
+        <a:ea typeface="+mn-ea"/>
+        <a:cs typeface="+mn-cs"/>
+      </a:defRPr>
+    </a:lvl8pPr>
+    <a:lvl9pPr marL="3657600" algn="l" defTabSz="914400" rtl="0" eaLnBrk="1" latinLnBrk="0" hangingPunct="1">
+      <a:defRPr sz="1200" kern="1200">
+        <a:solidFill>
+          <a:schemeClr val="tx1"/>
+        </a:solidFill>
+        <a:latin typeface="+mn-lt"/>
+        <a:ea typeface="+mn-ea"/>
+        <a:cs typeface="+mn-cs"/>
+      </a:defRPr>
+    </a:lvl9pPr>
+  </p:notesStyle>
+</p:notesMaster>
+</file>
+
+<file path=ppt/notesSlides/notesSlide1.xml><?xml version="1.0" encoding="utf-8"?>
+<p:notes xmlns:a="http://schemas.openxmlformats.org/drawingml/2006/main" xmlns:r="http://schemas.openxmlformats.org/officeDocument/2006/relationships" xmlns:p="http://schemas.openxmlformats.org/presentationml/2006/main">
   <p:cSld>
     <p:spTree>
       <p:nvGrpSpPr>
@@ -38,9 +465,9 @@
       </p:grpSpPr>
       <p:sp>
         <p:nvSpPr>
-          <p:cNvPr id="39" name="PlaceHolder 1"/>
+          <p:cNvPr id="83" name="PlaceHolder 1"/>
           <p:cNvSpPr>
-            <a:spLocks noGrp="1"/>
+            <a:spLocks noGrp="1" noRot="1" noChangeAspect="1"/>
           </p:cNvSpPr>
           <p:nvPr>
             <p:ph type="sldImg"/>
@@ -48,39 +475,17 @@
         </p:nvSpPr>
         <p:spPr>
           <a:xfrm>
-            <a:off x="216000" y="812520"/>
-            <a:ext cx="7127280" cy="4008960"/>
-          </a:xfrm>
-          <a:prstGeom prst="rect">
-            <a:avLst/>
-          </a:prstGeom>
-        </p:spPr>
-        <p:txBody>
-          <a:bodyPr lIns="0" rIns="0" tIns="0" bIns="0" anchor="ctr">
-            <a:noAutofit/>
-          </a:bodyPr>
-          <a:p>
-            <a:r>
-              <a:rPr b="0" lang="en-GB" sz="1400" spc="-1" strike="noStrike">
-                <a:solidFill>
-                  <a:srgbClr val="000000"/>
-                </a:solidFill>
-                <a:latin typeface="Arial"/>
-              </a:rPr>
-              <a:t>Click to move the slide</a:t>
-            </a:r>
-            <a:endParaRPr b="0" lang="en-GB" sz="1400" spc="-1" strike="noStrike">
-              <a:solidFill>
-                <a:srgbClr val="000000"/>
-              </a:solidFill>
-              <a:latin typeface="Arial"/>
-            </a:endParaRPr>
-          </a:p>
-        </p:txBody>
-      </p:sp>
-      <p:sp>
-        <p:nvSpPr>
-          <p:cNvPr id="40" name="PlaceHolder 2"/>
+            <a:off x="381240" y="685800"/>
+            <a:ext cx="6095880" cy="3428640"/>
+          </a:xfrm>
+          <a:prstGeom prst="rect">
+            <a:avLst/>
+          </a:prstGeom>
+        </p:spPr>
+      </p:sp>
+      <p:sp>
+        <p:nvSpPr>
+          <p:cNvPr id="84" name="PlaceHolder 2"/>
           <p:cNvSpPr>
             <a:spLocks noGrp="1"/>
           </p:cNvSpPr>
@@ -90,184 +495,43 @@
         </p:nvSpPr>
         <p:spPr>
           <a:xfrm>
-            <a:off x="756000" y="5078520"/>
-            <a:ext cx="6047640" cy="4811040"/>
-          </a:xfrm>
-          <a:prstGeom prst="rect">
-            <a:avLst/>
-          </a:prstGeom>
-        </p:spPr>
-        <p:txBody>
-          <a:bodyPr lIns="0" rIns="0" tIns="0" bIns="0">
+            <a:off x="685800" y="4343400"/>
+            <a:ext cx="5486040" cy="4114440"/>
+          </a:xfrm>
+          <a:prstGeom prst="rect">
+            <a:avLst/>
+          </a:prstGeom>
+        </p:spPr>
+        <p:txBody>
+          <a:bodyPr tIns="91440" bIns="91440">
             <a:noAutofit/>
           </a:bodyPr>
-          <a:p>
-            <a:r>
-              <a:rPr b="0" lang="en-GB" sz="2000" spc="-1" strike="noStrike">
+          <a:lstStyle/>
+          <a:p>
+            <a:pPr>
+              <a:lnSpc>
+                <a:spcPct val="100000"/>
+              </a:lnSpc>
+            </a:pPr>
+            <a:r>
+              <a:rPr lang="en-GB" sz="1100" b="0" strike="noStrike" spc="-1">
                 <a:latin typeface="Arial"/>
               </a:rPr>
-              <a:t>Click to edit the notes format</a:t>
-            </a:r>
-            <a:endParaRPr b="0" lang="en-GB" sz="2000" spc="-1" strike="noStrike">
-              <a:latin typeface="Arial"/>
-            </a:endParaRPr>
-          </a:p>
-        </p:txBody>
-      </p:sp>
-      <p:sp>
-        <p:nvSpPr>
-          <p:cNvPr id="41" name="PlaceHolder 3"/>
-          <p:cNvSpPr>
-            <a:spLocks noGrp="1"/>
-          </p:cNvSpPr>
-          <p:nvPr>
-            <p:ph type="hdr"/>
-          </p:nvPr>
-        </p:nvSpPr>
-        <p:spPr>
-          <a:xfrm>
-            <a:off x="0" y="0"/>
-            <a:ext cx="3280680" cy="534240"/>
-          </a:xfrm>
-          <a:prstGeom prst="rect">
-            <a:avLst/>
-          </a:prstGeom>
-        </p:spPr>
-        <p:txBody>
-          <a:bodyPr lIns="0" rIns="0" tIns="0" bIns="0">
-            <a:noAutofit/>
-          </a:bodyPr>
-          <a:p>
-            <a:r>
-              <a:rPr b="0" lang="en-GB" sz="1400" spc="-1" strike="noStrike">
-                <a:latin typeface="Times New Roman"/>
-              </a:rPr>
-              <a:t> </a:t>
-            </a:r>
-            <a:endParaRPr b="0" lang="en-GB" sz="1400" spc="-1" strike="noStrike">
-              <a:latin typeface="Times New Roman"/>
-            </a:endParaRPr>
-          </a:p>
-        </p:txBody>
-      </p:sp>
-      <p:sp>
-        <p:nvSpPr>
-          <p:cNvPr id="42" name="PlaceHolder 4"/>
-          <p:cNvSpPr>
-            <a:spLocks noGrp="1"/>
-          </p:cNvSpPr>
-          <p:nvPr>
-            <p:ph type="dt"/>
-          </p:nvPr>
-        </p:nvSpPr>
-        <p:spPr>
-          <a:xfrm>
-            <a:off x="4278960" y="0"/>
-            <a:ext cx="3280680" cy="534240"/>
-          </a:xfrm>
-          <a:prstGeom prst="rect">
-            <a:avLst/>
-          </a:prstGeom>
-        </p:spPr>
-        <p:txBody>
-          <a:bodyPr lIns="0" rIns="0" tIns="0" bIns="0">
-            <a:noAutofit/>
-          </a:bodyPr>
-          <a:p>
-            <a:pPr algn="r"/>
-            <a:r>
-              <a:rPr b="0" lang="en-GB" sz="1400" spc="-1" strike="noStrike">
-                <a:latin typeface="Times New Roman"/>
-              </a:rPr>
-              <a:t> </a:t>
-            </a:r>
-            <a:endParaRPr b="0" lang="en-GB" sz="1400" spc="-1" strike="noStrike">
-              <a:latin typeface="Times New Roman"/>
-            </a:endParaRPr>
-          </a:p>
-        </p:txBody>
-      </p:sp>
-      <p:sp>
-        <p:nvSpPr>
-          <p:cNvPr id="43" name="PlaceHolder 5"/>
-          <p:cNvSpPr>
-            <a:spLocks noGrp="1"/>
-          </p:cNvSpPr>
-          <p:nvPr>
-            <p:ph type="ftr"/>
-          </p:nvPr>
-        </p:nvSpPr>
-        <p:spPr>
-          <a:xfrm>
-            <a:off x="0" y="10157400"/>
-            <a:ext cx="3280680" cy="534240"/>
-          </a:xfrm>
-          <a:prstGeom prst="rect">
-            <a:avLst/>
-          </a:prstGeom>
-        </p:spPr>
-        <p:txBody>
-          <a:bodyPr lIns="0" rIns="0" tIns="0" bIns="0" anchor="b">
-            <a:noAutofit/>
-          </a:bodyPr>
-          <a:p>
-            <a:r>
-              <a:rPr b="0" lang="en-GB" sz="1400" spc="-1" strike="noStrike">
-                <a:latin typeface="Times New Roman"/>
-              </a:rPr>
-              <a:t> </a:t>
-            </a:r>
-            <a:endParaRPr b="0" lang="en-GB" sz="1400" spc="-1" strike="noStrike">
-              <a:latin typeface="Times New Roman"/>
-            </a:endParaRPr>
-          </a:p>
-        </p:txBody>
-      </p:sp>
-      <p:sp>
-        <p:nvSpPr>
-          <p:cNvPr id="44" name="PlaceHolder 6"/>
-          <p:cNvSpPr>
-            <a:spLocks noGrp="1"/>
-          </p:cNvSpPr>
-          <p:nvPr>
-            <p:ph type="sldNum"/>
-          </p:nvPr>
-        </p:nvSpPr>
-        <p:spPr>
-          <a:xfrm>
-            <a:off x="4278960" y="10157400"/>
-            <a:ext cx="3280680" cy="534240"/>
-          </a:xfrm>
-          <a:prstGeom prst="rect">
-            <a:avLst/>
-          </a:prstGeom>
-        </p:spPr>
-        <p:txBody>
-          <a:bodyPr lIns="0" rIns="0" tIns="0" bIns="0" anchor="b">
-            <a:noAutofit/>
-          </a:bodyPr>
-          <a:p>
-            <a:pPr algn="r"/>
-            <a:fld id="{B8ABAE2B-9115-462A-A0CB-ACC6379B7E0F}" type="slidenum">
-              <a:rPr b="0" lang="en-GB" sz="1400" spc="-1" strike="noStrike">
-                <a:latin typeface="Times New Roman"/>
-              </a:rPr>
-              <a:t>1</a:t>
-            </a:fld>
-            <a:endParaRPr b="0" lang="en-GB" sz="1400" spc="-1" strike="noStrike">
-              <a:latin typeface="Times New Roman"/>
-            </a:endParaRPr>
+              <a:t>EN</a:t>
+            </a:r>
           </a:p>
         </p:txBody>
       </p:sp>
     </p:spTree>
   </p:cSld>
-  <p:clrMap bg1="lt1" bg2="lt2" tx1="dk1" tx2="dk2" accent1="accent1" accent2="accent2" accent3="accent3" accent4="accent4" accent5="accent5" accent6="accent6" hlink="hlink" folHlink="folHlink"/>
-</p:notesMaster>
+  <p:clrMapOvr>
+    <a:masterClrMapping/>
+  </p:clrMapOvr>
+</p:notes>
 </file>
 
 <file path=ppt/notesSlides/notesSlide2.xml><?xml version="1.0" encoding="utf-8"?>
-<p:notes xmlns:a="http://schemas.openxmlformats.org/drawingml/2006/main" xmlns:p="http://schemas.openxmlformats.org/presentationml/2006/main" xmlns:r="http://schemas.openxmlformats.org/officeDocument/2006/relationships" xmlns:p14="http://schemas.microsoft.com/office/powerpoint/2010/main" xmlns:p15="http://schemas.microsoft.com/office/powerpoint/2012/main" xmlns:mc="http://schemas.openxmlformats.org/markup-compatibility/2006">
+<p:notes xmlns:a="http://schemas.openxmlformats.org/drawingml/2006/main" xmlns:r="http://schemas.openxmlformats.org/officeDocument/2006/relationships" xmlns:p="http://schemas.openxmlformats.org/presentationml/2006/main">
   <p:cSld>
     <p:spTree>
       <p:nvGrpSpPr>
@@ -285,9 +549,9 @@
       </p:grpSpPr>
       <p:sp>
         <p:nvSpPr>
-          <p:cNvPr id="83" name="PlaceHolder 1"/>
+          <p:cNvPr id="85" name="PlaceHolder 1"/>
           <p:cNvSpPr>
-            <a:spLocks noGrp="1"/>
+            <a:spLocks noGrp="1" noRot="1" noChangeAspect="1"/>
           </p:cNvSpPr>
           <p:nvPr>
             <p:ph type="sldImg"/>
@@ -305,7 +569,7 @@
       </p:sp>
       <p:sp>
         <p:nvSpPr>
-          <p:cNvPr id="84" name="PlaceHolder 2"/>
+          <p:cNvPr id="86" name="PlaceHolder 2"/>
           <p:cNvSpPr>
             <a:spLocks noGrp="1"/>
           </p:cNvSpPr>
@@ -326,6 +590,7 @@
           <a:bodyPr tIns="91440" bIns="91440">
             <a:noAutofit/>
           </a:bodyPr>
+          <a:lstStyle/>
           <a:p>
             <a:pPr>
               <a:lnSpc>
@@ -333,24 +598,24 @@
               </a:lnSpc>
             </a:pPr>
             <a:r>
-              <a:rPr b="0" lang="en-GB" sz="1100" spc="-1" strike="noStrike">
+              <a:rPr lang="en-GB" sz="1100" b="0" strike="noStrike" spc="-1">
                 <a:latin typeface="Arial"/>
               </a:rPr>
-              <a:t>EN</a:t>
-            </a:r>
-            <a:endParaRPr b="0" lang="en-GB" sz="1100" spc="-1" strike="noStrike">
-              <a:latin typeface="Arial"/>
-            </a:endParaRPr>
+              <a:t>ES</a:t>
+            </a:r>
           </a:p>
         </p:txBody>
       </p:sp>
     </p:spTree>
   </p:cSld>
+  <p:clrMapOvr>
+    <a:masterClrMapping/>
+  </p:clrMapOvr>
 </p:notes>
 </file>
 
 <file path=ppt/notesSlides/notesSlide3.xml><?xml version="1.0" encoding="utf-8"?>
-<p:notes xmlns:a="http://schemas.openxmlformats.org/drawingml/2006/main" xmlns:p="http://schemas.openxmlformats.org/presentationml/2006/main" xmlns:r="http://schemas.openxmlformats.org/officeDocument/2006/relationships" xmlns:p14="http://schemas.microsoft.com/office/powerpoint/2010/main" xmlns:p15="http://schemas.microsoft.com/office/powerpoint/2012/main" xmlns:mc="http://schemas.openxmlformats.org/markup-compatibility/2006">
+<p:notes xmlns:a="http://schemas.openxmlformats.org/drawingml/2006/main" xmlns:r="http://schemas.openxmlformats.org/officeDocument/2006/relationships" xmlns:p="http://schemas.openxmlformats.org/presentationml/2006/main">
   <p:cSld>
     <p:spTree>
       <p:nvGrpSpPr>
@@ -368,9 +633,9 @@
       </p:grpSpPr>
       <p:sp>
         <p:nvSpPr>
-          <p:cNvPr id="85" name="PlaceHolder 1"/>
+          <p:cNvPr id="87" name="PlaceHolder 1"/>
           <p:cNvSpPr>
-            <a:spLocks noGrp="1"/>
+            <a:spLocks noGrp="1" noRot="1" noChangeAspect="1"/>
           </p:cNvSpPr>
           <p:nvPr>
             <p:ph type="sldImg"/>
@@ -388,7 +653,7 @@
       </p:sp>
       <p:sp>
         <p:nvSpPr>
-          <p:cNvPr id="86" name="PlaceHolder 2"/>
+          <p:cNvPr id="88" name="PlaceHolder 2"/>
           <p:cNvSpPr>
             <a:spLocks noGrp="1"/>
           </p:cNvSpPr>
@@ -409,6 +674,7 @@
           <a:bodyPr tIns="91440" bIns="91440">
             <a:noAutofit/>
           </a:bodyPr>
+          <a:lstStyle/>
           <a:p>
             <a:pPr>
               <a:lnSpc>
@@ -416,24 +682,24 @@
               </a:lnSpc>
             </a:pPr>
             <a:r>
-              <a:rPr b="0" lang="en-GB" sz="1100" spc="-1" strike="noStrike">
+              <a:rPr lang="en-GB" sz="1100" b="0" strike="noStrike" spc="-1">
                 <a:latin typeface="Arial"/>
               </a:rPr>
-              <a:t>ES</a:t>
-            </a:r>
-            <a:endParaRPr b="0" lang="en-GB" sz="1100" spc="-1" strike="noStrike">
-              <a:latin typeface="Arial"/>
-            </a:endParaRPr>
+              <a:t>ES-Arg</a:t>
+            </a:r>
           </a:p>
         </p:txBody>
       </p:sp>
     </p:spTree>
   </p:cSld>
+  <p:clrMapOvr>
+    <a:masterClrMapping/>
+  </p:clrMapOvr>
 </p:notes>
 </file>
 
 <file path=ppt/notesSlides/notesSlide4.xml><?xml version="1.0" encoding="utf-8"?>
-<p:notes xmlns:a="http://schemas.openxmlformats.org/drawingml/2006/main" xmlns:p="http://schemas.openxmlformats.org/presentationml/2006/main" xmlns:r="http://schemas.openxmlformats.org/officeDocument/2006/relationships" xmlns:p14="http://schemas.microsoft.com/office/powerpoint/2010/main" xmlns:p15="http://schemas.microsoft.com/office/powerpoint/2012/main" xmlns:mc="http://schemas.openxmlformats.org/markup-compatibility/2006">
+<p:notes xmlns:a="http://schemas.openxmlformats.org/drawingml/2006/main" xmlns:r="http://schemas.openxmlformats.org/officeDocument/2006/relationships" xmlns:p="http://schemas.openxmlformats.org/presentationml/2006/main">
   <p:cSld>
     <p:spTree>
       <p:nvGrpSpPr>
@@ -451,9 +717,9 @@
       </p:grpSpPr>
       <p:sp>
         <p:nvSpPr>
-          <p:cNvPr id="87" name="PlaceHolder 1"/>
+          <p:cNvPr id="89" name="PlaceHolder 1"/>
           <p:cNvSpPr>
-            <a:spLocks noGrp="1"/>
+            <a:spLocks noGrp="1" noRot="1" noChangeAspect="1"/>
           </p:cNvSpPr>
           <p:nvPr>
             <p:ph type="sldImg"/>
@@ -461,91 +727,8 @@
         </p:nvSpPr>
         <p:spPr>
           <a:xfrm>
-            <a:off x="381240" y="685800"/>
-            <a:ext cx="6095880" cy="3428640"/>
-          </a:xfrm>
-          <a:prstGeom prst="rect">
-            <a:avLst/>
-          </a:prstGeom>
-        </p:spPr>
-      </p:sp>
-      <p:sp>
-        <p:nvSpPr>
-          <p:cNvPr id="88" name="PlaceHolder 2"/>
-          <p:cNvSpPr>
-            <a:spLocks noGrp="1"/>
-          </p:cNvSpPr>
-          <p:nvPr>
-            <p:ph type="body"/>
-          </p:nvPr>
-        </p:nvSpPr>
-        <p:spPr>
-          <a:xfrm>
-            <a:off x="685800" y="4343400"/>
-            <a:ext cx="5486040" cy="4114440"/>
-          </a:xfrm>
-          <a:prstGeom prst="rect">
-            <a:avLst/>
-          </a:prstGeom>
-        </p:spPr>
-        <p:txBody>
-          <a:bodyPr tIns="91440" bIns="91440">
-            <a:noAutofit/>
-          </a:bodyPr>
-          <a:p>
-            <a:pPr>
-              <a:lnSpc>
-                <a:spcPct val="100000"/>
-              </a:lnSpc>
-            </a:pPr>
-            <a:r>
-              <a:rPr b="0" lang="en-GB" sz="1100" spc="-1" strike="noStrike">
-                <a:latin typeface="Arial"/>
-              </a:rPr>
-              <a:t>ES-Arg</a:t>
-            </a:r>
-            <a:endParaRPr b="0" lang="en-GB" sz="1100" spc="-1" strike="noStrike">
-              <a:latin typeface="Arial"/>
-            </a:endParaRPr>
-          </a:p>
-        </p:txBody>
-      </p:sp>
-    </p:spTree>
-  </p:cSld>
-</p:notes>
-</file>
-
-<file path=ppt/notesSlides/notesSlide5.xml><?xml version="1.0" encoding="utf-8"?>
-<p:notes xmlns:a="http://schemas.openxmlformats.org/drawingml/2006/main" xmlns:p="http://schemas.openxmlformats.org/presentationml/2006/main" xmlns:r="http://schemas.openxmlformats.org/officeDocument/2006/relationships" xmlns:p14="http://schemas.microsoft.com/office/powerpoint/2010/main" xmlns:p15="http://schemas.microsoft.com/office/powerpoint/2012/main" xmlns:mc="http://schemas.openxmlformats.org/markup-compatibility/2006">
-  <p:cSld>
-    <p:spTree>
-      <p:nvGrpSpPr>
-        <p:cNvPr id="1" name=""/>
-        <p:cNvGrpSpPr/>
-        <p:nvPr/>
-      </p:nvGrpSpPr>
-      <p:grpSpPr>
-        <a:xfrm>
-          <a:off x="0" y="0"/>
-          <a:ext cx="0" cy="0"/>
-          <a:chOff x="0" y="0"/>
-          <a:chExt cx="0" cy="0"/>
-        </a:xfrm>
-      </p:grpSpPr>
-      <p:sp>
-        <p:nvSpPr>
-          <p:cNvPr id="89" name="PlaceHolder 1"/>
-          <p:cNvSpPr>
-            <a:spLocks noGrp="1"/>
-          </p:cNvSpPr>
-          <p:nvPr>
-            <p:ph type="sldImg"/>
-          </p:nvPr>
-        </p:nvSpPr>
-        <p:spPr>
-          <a:xfrm>
-            <a:off x="381240" y="685800"/>
-            <a:ext cx="6095880" cy="3428640"/>
+            <a:off x="381000" y="685800"/>
+            <a:ext cx="6096000" cy="3429000"/>
           </a:xfrm>
           <a:prstGeom prst="rect">
             <a:avLst/>
@@ -575,6 +758,7 @@
           <a:bodyPr tIns="91440" bIns="91440">
             <a:noAutofit/>
           </a:bodyPr>
+          <a:lstStyle/>
           <a:p>
             <a:pPr>
               <a:lnSpc>
@@ -582,24 +766,24 @@
               </a:lnSpc>
             </a:pPr>
             <a:r>
-              <a:rPr b="0" lang="en-GB" sz="1100" spc="-1" strike="noStrike">
+              <a:rPr lang="en-GB" sz="1100" b="0" strike="noStrike" spc="-1">
                 <a:latin typeface="Arial"/>
               </a:rPr>
               <a:t>EN</a:t>
             </a:r>
-            <a:endParaRPr b="0" lang="en-GB" sz="1100" spc="-1" strike="noStrike">
-              <a:latin typeface="Arial"/>
-            </a:endParaRPr>
           </a:p>
         </p:txBody>
       </p:sp>
     </p:spTree>
   </p:cSld>
+  <p:clrMapOvr>
+    <a:masterClrMapping/>
+  </p:clrMapOvr>
 </p:notes>
 </file>
 
 <file path=ppt/slideLayouts/slideLayout1.xml><?xml version="1.0" encoding="utf-8"?>
-<p:sldLayout xmlns:a="http://schemas.openxmlformats.org/drawingml/2006/main" xmlns:p="http://schemas.openxmlformats.org/presentationml/2006/main" xmlns:r="http://schemas.openxmlformats.org/officeDocument/2006/relationships" xmlns:p14="http://schemas.microsoft.com/office/powerpoint/2010/main" xmlns:p15="http://schemas.microsoft.com/office/powerpoint/2012/main" xmlns:mc="http://schemas.openxmlformats.org/markup-compatibility/2006" type="blank" preserve="1">
+<p:sldLayout xmlns:a="http://schemas.openxmlformats.org/drawingml/2006/main" xmlns:r="http://schemas.openxmlformats.org/officeDocument/2006/relationships" xmlns:p="http://schemas.openxmlformats.org/presentationml/2006/main" type="blank" preserve="1">
   <p:cSld name="Blank Slide">
     <p:spTree>
       <p:nvGrpSpPr>
@@ -617,11 +801,14 @@
       </p:grpSpPr>
     </p:spTree>
   </p:cSld>
+  <p:clrMapOvr>
+    <a:masterClrMapping/>
+  </p:clrMapOvr>
 </p:sldLayout>
 </file>
 
 <file path=ppt/slideLayouts/slideLayout10.xml><?xml version="1.0" encoding="utf-8"?>
-<p:sldLayout xmlns:a="http://schemas.openxmlformats.org/drawingml/2006/main" xmlns:p="http://schemas.openxmlformats.org/presentationml/2006/main" xmlns:r="http://schemas.openxmlformats.org/officeDocument/2006/relationships" xmlns:p14="http://schemas.microsoft.com/office/powerpoint/2010/main" xmlns:p15="http://schemas.microsoft.com/office/powerpoint/2012/main" xmlns:mc="http://schemas.openxmlformats.org/markup-compatibility/2006" type="objOverTx" preserve="1">
+<p:sldLayout xmlns:a="http://schemas.openxmlformats.org/drawingml/2006/main" xmlns:r="http://schemas.openxmlformats.org/officeDocument/2006/relationships" xmlns:p="http://schemas.openxmlformats.org/presentationml/2006/main" type="objOverTx" preserve="1">
   <p:cSld name="Title, Content over Content">
     <p:spTree>
       <p:nvGrpSpPr>
@@ -657,11 +844,12 @@
           </a:prstGeom>
         </p:spPr>
         <p:txBody>
-          <a:bodyPr lIns="0" rIns="0" tIns="0" bIns="0" anchor="ctr">
+          <a:bodyPr lIns="0" tIns="0" rIns="0" bIns="0" anchor="ctr">
             <a:spAutoFit/>
           </a:bodyPr>
-          <a:p>
-            <a:endParaRPr b="0" lang="en-GB" sz="1400" spc="-1" strike="noStrike">
+          <a:lstStyle/>
+          <a:p>
+            <a:endParaRPr lang="en-GB" sz="1400" b="0" strike="noStrike" spc="-1">
               <a:solidFill>
                 <a:srgbClr val="000000"/>
               </a:solidFill>
@@ -690,11 +878,12 @@
           </a:prstGeom>
         </p:spPr>
         <p:txBody>
-          <a:bodyPr lIns="0" rIns="0" tIns="0" bIns="0">
+          <a:bodyPr lIns="0" tIns="0" rIns="0" bIns="0">
             <a:normAutofit/>
           </a:bodyPr>
-          <a:p>
-            <a:endParaRPr b="0" lang="en-GB" sz="1400" spc="-1" strike="noStrike">
+          <a:lstStyle/>
+          <a:p>
+            <a:endParaRPr lang="en-GB" sz="1400" b="0" strike="noStrike" spc="-1">
               <a:solidFill>
                 <a:srgbClr val="000000"/>
               </a:solidFill>
@@ -723,11 +912,12 @@
           </a:prstGeom>
         </p:spPr>
         <p:txBody>
-          <a:bodyPr lIns="0" rIns="0" tIns="0" bIns="0">
+          <a:bodyPr lIns="0" tIns="0" rIns="0" bIns="0">
             <a:normAutofit/>
           </a:bodyPr>
-          <a:p>
-            <a:endParaRPr b="0" lang="en-GB" sz="1400" spc="-1" strike="noStrike">
+          <a:lstStyle/>
+          <a:p>
+            <a:endParaRPr lang="en-GB" sz="1400" b="0" strike="noStrike" spc="-1">
               <a:solidFill>
                 <a:srgbClr val="000000"/>
               </a:solidFill>
@@ -738,11 +928,14 @@
       </p:sp>
     </p:spTree>
   </p:cSld>
+  <p:clrMapOvr>
+    <a:masterClrMapping/>
+  </p:clrMapOvr>
 </p:sldLayout>
 </file>
 
 <file path=ppt/slideLayouts/slideLayout11.xml><?xml version="1.0" encoding="utf-8"?>
-<p:sldLayout xmlns:a="http://schemas.openxmlformats.org/drawingml/2006/main" xmlns:p="http://schemas.openxmlformats.org/presentationml/2006/main" xmlns:r="http://schemas.openxmlformats.org/officeDocument/2006/relationships" xmlns:p14="http://schemas.microsoft.com/office/powerpoint/2010/main" xmlns:p15="http://schemas.microsoft.com/office/powerpoint/2012/main" xmlns:mc="http://schemas.openxmlformats.org/markup-compatibility/2006" type="fourObj" preserve="1">
+<p:sldLayout xmlns:a="http://schemas.openxmlformats.org/drawingml/2006/main" xmlns:r="http://schemas.openxmlformats.org/officeDocument/2006/relationships" xmlns:p="http://schemas.openxmlformats.org/presentationml/2006/main" type="fourObj" preserve="1">
   <p:cSld name="Title, 4 Content">
     <p:spTree>
       <p:nvGrpSpPr>
@@ -778,11 +971,12 @@
           </a:prstGeom>
         </p:spPr>
         <p:txBody>
-          <a:bodyPr lIns="0" rIns="0" tIns="0" bIns="0" anchor="ctr">
+          <a:bodyPr lIns="0" tIns="0" rIns="0" bIns="0" anchor="ctr">
             <a:spAutoFit/>
           </a:bodyPr>
-          <a:p>
-            <a:endParaRPr b="0" lang="en-GB" sz="1400" spc="-1" strike="noStrike">
+          <a:lstStyle/>
+          <a:p>
+            <a:endParaRPr lang="en-GB" sz="1400" b="0" strike="noStrike" spc="-1">
               <a:solidFill>
                 <a:srgbClr val="000000"/>
               </a:solidFill>
@@ -811,11 +1005,12 @@
           </a:prstGeom>
         </p:spPr>
         <p:txBody>
-          <a:bodyPr lIns="0" rIns="0" tIns="0" bIns="0">
+          <a:bodyPr lIns="0" tIns="0" rIns="0" bIns="0">
             <a:normAutofit/>
           </a:bodyPr>
-          <a:p>
-            <a:endParaRPr b="0" lang="en-GB" sz="1400" spc="-1" strike="noStrike">
+          <a:lstStyle/>
+          <a:p>
+            <a:endParaRPr lang="en-GB" sz="1400" b="0" strike="noStrike" spc="-1">
               <a:solidFill>
                 <a:srgbClr val="000000"/>
               </a:solidFill>
@@ -844,11 +1039,12 @@
           </a:prstGeom>
         </p:spPr>
         <p:txBody>
-          <a:bodyPr lIns="0" rIns="0" tIns="0" bIns="0">
+          <a:bodyPr lIns="0" tIns="0" rIns="0" bIns="0">
             <a:normAutofit/>
           </a:bodyPr>
-          <a:p>
-            <a:endParaRPr b="0" lang="en-GB" sz="1400" spc="-1" strike="noStrike">
+          <a:lstStyle/>
+          <a:p>
+            <a:endParaRPr lang="en-GB" sz="1400" b="0" strike="noStrike" spc="-1">
               <a:solidFill>
                 <a:srgbClr val="000000"/>
               </a:solidFill>
@@ -877,11 +1073,12 @@
           </a:prstGeom>
         </p:spPr>
         <p:txBody>
-          <a:bodyPr lIns="0" rIns="0" tIns="0" bIns="0">
+          <a:bodyPr lIns="0" tIns="0" rIns="0" bIns="0">
             <a:normAutofit/>
           </a:bodyPr>
-          <a:p>
-            <a:endParaRPr b="0" lang="en-GB" sz="1400" spc="-1" strike="noStrike">
+          <a:lstStyle/>
+          <a:p>
+            <a:endParaRPr lang="en-GB" sz="1400" b="0" strike="noStrike" spc="-1">
               <a:solidFill>
                 <a:srgbClr val="000000"/>
               </a:solidFill>
@@ -910,11 +1107,12 @@
           </a:prstGeom>
         </p:spPr>
         <p:txBody>
-          <a:bodyPr lIns="0" rIns="0" tIns="0" bIns="0">
+          <a:bodyPr lIns="0" tIns="0" rIns="0" bIns="0">
             <a:normAutofit/>
           </a:bodyPr>
-          <a:p>
-            <a:endParaRPr b="0" lang="en-GB" sz="1400" spc="-1" strike="noStrike">
+          <a:lstStyle/>
+          <a:p>
+            <a:endParaRPr lang="en-GB" sz="1400" b="0" strike="noStrike" spc="-1">
               <a:solidFill>
                 <a:srgbClr val="000000"/>
               </a:solidFill>
@@ -925,11 +1123,14 @@
       </p:sp>
     </p:spTree>
   </p:cSld>
+  <p:clrMapOvr>
+    <a:masterClrMapping/>
+  </p:clrMapOvr>
 </p:sldLayout>
 </file>
 
 <file path=ppt/slideLayouts/slideLayout12.xml><?xml version="1.0" encoding="utf-8"?>
-<p:sldLayout xmlns:a="http://schemas.openxmlformats.org/drawingml/2006/main" xmlns:p="http://schemas.openxmlformats.org/presentationml/2006/main" xmlns:r="http://schemas.openxmlformats.org/officeDocument/2006/relationships" xmlns:p14="http://schemas.microsoft.com/office/powerpoint/2010/main" xmlns:p15="http://schemas.microsoft.com/office/powerpoint/2012/main" xmlns:mc="http://schemas.openxmlformats.org/markup-compatibility/2006" type="blank" preserve="1">
+<p:sldLayout xmlns:a="http://schemas.openxmlformats.org/drawingml/2006/main" xmlns:r="http://schemas.openxmlformats.org/officeDocument/2006/relationships" xmlns:p="http://schemas.openxmlformats.org/presentationml/2006/main" type="blank" preserve="1">
   <p:cSld name="Title, 6 Content">
     <p:spTree>
       <p:nvGrpSpPr>
@@ -965,11 +1166,12 @@
           </a:prstGeom>
         </p:spPr>
         <p:txBody>
-          <a:bodyPr lIns="0" rIns="0" tIns="0" bIns="0" anchor="ctr">
+          <a:bodyPr lIns="0" tIns="0" rIns="0" bIns="0" anchor="ctr">
             <a:spAutoFit/>
           </a:bodyPr>
-          <a:p>
-            <a:endParaRPr b="0" lang="en-GB" sz="1400" spc="-1" strike="noStrike">
+          <a:lstStyle/>
+          <a:p>
+            <a:endParaRPr lang="en-GB" sz="1400" b="0" strike="noStrike" spc="-1">
               <a:solidFill>
                 <a:srgbClr val="000000"/>
               </a:solidFill>
@@ -998,11 +1200,12 @@
           </a:prstGeom>
         </p:spPr>
         <p:txBody>
-          <a:bodyPr lIns="0" rIns="0" tIns="0" bIns="0">
+          <a:bodyPr lIns="0" tIns="0" rIns="0" bIns="0">
             <a:normAutofit/>
           </a:bodyPr>
-          <a:p>
-            <a:endParaRPr b="0" lang="en-GB" sz="1400" spc="-1" strike="noStrike">
+          <a:lstStyle/>
+          <a:p>
+            <a:endParaRPr lang="en-GB" sz="1400" b="0" strike="noStrike" spc="-1">
               <a:solidFill>
                 <a:srgbClr val="000000"/>
               </a:solidFill>
@@ -1031,11 +1234,12 @@
           </a:prstGeom>
         </p:spPr>
         <p:txBody>
-          <a:bodyPr lIns="0" rIns="0" tIns="0" bIns="0">
+          <a:bodyPr lIns="0" tIns="0" rIns="0" bIns="0">
             <a:normAutofit/>
           </a:bodyPr>
-          <a:p>
-            <a:endParaRPr b="0" lang="en-GB" sz="1400" spc="-1" strike="noStrike">
+          <a:lstStyle/>
+          <a:p>
+            <a:endParaRPr lang="en-GB" sz="1400" b="0" strike="noStrike" spc="-1">
               <a:solidFill>
                 <a:srgbClr val="000000"/>
               </a:solidFill>
@@ -1064,11 +1268,12 @@
           </a:prstGeom>
         </p:spPr>
         <p:txBody>
-          <a:bodyPr lIns="0" rIns="0" tIns="0" bIns="0">
+          <a:bodyPr lIns="0" tIns="0" rIns="0" bIns="0">
             <a:normAutofit/>
           </a:bodyPr>
-          <a:p>
-            <a:endParaRPr b="0" lang="en-GB" sz="1400" spc="-1" strike="noStrike">
+          <a:lstStyle/>
+          <a:p>
+            <a:endParaRPr lang="en-GB" sz="1400" b="0" strike="noStrike" spc="-1">
               <a:solidFill>
                 <a:srgbClr val="000000"/>
               </a:solidFill>
@@ -1097,11 +1302,12 @@
           </a:prstGeom>
         </p:spPr>
         <p:txBody>
-          <a:bodyPr lIns="0" rIns="0" tIns="0" bIns="0">
+          <a:bodyPr lIns="0" tIns="0" rIns="0" bIns="0">
             <a:normAutofit/>
           </a:bodyPr>
-          <a:p>
-            <a:endParaRPr b="0" lang="en-GB" sz="1400" spc="-1" strike="noStrike">
+          <a:lstStyle/>
+          <a:p>
+            <a:endParaRPr lang="en-GB" sz="1400" b="0" strike="noStrike" spc="-1">
               <a:solidFill>
                 <a:srgbClr val="000000"/>
               </a:solidFill>
@@ -1130,11 +1336,12 @@
           </a:prstGeom>
         </p:spPr>
         <p:txBody>
-          <a:bodyPr lIns="0" rIns="0" tIns="0" bIns="0">
+          <a:bodyPr lIns="0" tIns="0" rIns="0" bIns="0">
             <a:normAutofit/>
           </a:bodyPr>
-          <a:p>
-            <a:endParaRPr b="0" lang="en-GB" sz="1400" spc="-1" strike="noStrike">
+          <a:lstStyle/>
+          <a:p>
+            <a:endParaRPr lang="en-GB" sz="1400" b="0" strike="noStrike" spc="-1">
               <a:solidFill>
                 <a:srgbClr val="000000"/>
               </a:solidFill>
@@ -1163,11 +1370,12 @@
           </a:prstGeom>
         </p:spPr>
         <p:txBody>
-          <a:bodyPr lIns="0" rIns="0" tIns="0" bIns="0">
+          <a:bodyPr lIns="0" tIns="0" rIns="0" bIns="0">
             <a:normAutofit/>
           </a:bodyPr>
-          <a:p>
-            <a:endParaRPr b="0" lang="en-GB" sz="1400" spc="-1" strike="noStrike">
+          <a:lstStyle/>
+          <a:p>
+            <a:endParaRPr lang="en-GB" sz="1400" b="0" strike="noStrike" spc="-1">
               <a:solidFill>
                 <a:srgbClr val="000000"/>
               </a:solidFill>
@@ -1178,11 +1386,14 @@
       </p:sp>
     </p:spTree>
   </p:cSld>
+  <p:clrMapOvr>
+    <a:masterClrMapping/>
+  </p:clrMapOvr>
 </p:sldLayout>
 </file>
 
 <file path=ppt/slideLayouts/slideLayout2.xml><?xml version="1.0" encoding="utf-8"?>
-<p:sldLayout xmlns:a="http://schemas.openxmlformats.org/drawingml/2006/main" xmlns:p="http://schemas.openxmlformats.org/presentationml/2006/main" xmlns:r="http://schemas.openxmlformats.org/officeDocument/2006/relationships" xmlns:p14="http://schemas.microsoft.com/office/powerpoint/2010/main" xmlns:p15="http://schemas.microsoft.com/office/powerpoint/2012/main" xmlns:mc="http://schemas.openxmlformats.org/markup-compatibility/2006" type="tx" preserve="1">
+<p:sldLayout xmlns:a="http://schemas.openxmlformats.org/drawingml/2006/main" xmlns:r="http://schemas.openxmlformats.org/officeDocument/2006/relationships" xmlns:p="http://schemas.openxmlformats.org/presentationml/2006/main" type="tx" preserve="1">
   <p:cSld name="Title Slide">
     <p:spTree>
       <p:nvGrpSpPr>
@@ -1218,11 +1429,12 @@
           </a:prstGeom>
         </p:spPr>
         <p:txBody>
-          <a:bodyPr lIns="0" rIns="0" tIns="0" bIns="0" anchor="ctr">
+          <a:bodyPr lIns="0" tIns="0" rIns="0" bIns="0" anchor="ctr">
             <a:spAutoFit/>
           </a:bodyPr>
-          <a:p>
-            <a:endParaRPr b="0" lang="en-GB" sz="1400" spc="-1" strike="noStrike">
+          <a:lstStyle/>
+          <a:p>
+            <a:endParaRPr lang="en-GB" sz="1400" b="0" strike="noStrike" spc="-1">
               <a:solidFill>
                 <a:srgbClr val="000000"/>
               </a:solidFill>
@@ -1251,12 +1463,13 @@
           </a:prstGeom>
         </p:spPr>
         <p:txBody>
-          <a:bodyPr lIns="0" rIns="0" tIns="0" bIns="0" anchor="ctr">
+          <a:bodyPr lIns="0" tIns="0" rIns="0" bIns="0" anchor="ctr">
             <a:spAutoFit/>
           </a:bodyPr>
+          <a:lstStyle/>
           <a:p>
             <a:pPr algn="ctr"/>
-            <a:endParaRPr b="0" lang="en-GB" sz="3200" spc="-1" strike="noStrike">
+            <a:endParaRPr lang="en-GB" sz="3200" b="0" strike="noStrike" spc="-1">
               <a:latin typeface="Arial"/>
             </a:endParaRPr>
           </a:p>
@@ -1264,11 +1477,14 @@
       </p:sp>
     </p:spTree>
   </p:cSld>
+  <p:clrMapOvr>
+    <a:masterClrMapping/>
+  </p:clrMapOvr>
 </p:sldLayout>
 </file>
 
 <file path=ppt/slideLayouts/slideLayout3.xml><?xml version="1.0" encoding="utf-8"?>
-<p:sldLayout xmlns:a="http://schemas.openxmlformats.org/drawingml/2006/main" xmlns:p="http://schemas.openxmlformats.org/presentationml/2006/main" xmlns:r="http://schemas.openxmlformats.org/officeDocument/2006/relationships" xmlns:p14="http://schemas.microsoft.com/office/powerpoint/2010/main" xmlns:p15="http://schemas.microsoft.com/office/powerpoint/2012/main" xmlns:mc="http://schemas.openxmlformats.org/markup-compatibility/2006" type="obj" preserve="1">
+<p:sldLayout xmlns:a="http://schemas.openxmlformats.org/drawingml/2006/main" xmlns:r="http://schemas.openxmlformats.org/officeDocument/2006/relationships" xmlns:p="http://schemas.openxmlformats.org/presentationml/2006/main" type="obj" preserve="1">
   <p:cSld name="Title, Content">
     <p:spTree>
       <p:nvGrpSpPr>
@@ -1304,11 +1520,12 @@
           </a:prstGeom>
         </p:spPr>
         <p:txBody>
-          <a:bodyPr lIns="0" rIns="0" tIns="0" bIns="0" anchor="ctr">
+          <a:bodyPr lIns="0" tIns="0" rIns="0" bIns="0" anchor="ctr">
             <a:spAutoFit/>
           </a:bodyPr>
-          <a:p>
-            <a:endParaRPr b="0" lang="en-GB" sz="1400" spc="-1" strike="noStrike">
+          <a:lstStyle/>
+          <a:p>
+            <a:endParaRPr lang="en-GB" sz="1400" b="0" strike="noStrike" spc="-1">
               <a:solidFill>
                 <a:srgbClr val="000000"/>
               </a:solidFill>
@@ -1337,11 +1554,12 @@
           </a:prstGeom>
         </p:spPr>
         <p:txBody>
-          <a:bodyPr lIns="0" rIns="0" tIns="0" bIns="0">
+          <a:bodyPr lIns="0" tIns="0" rIns="0" bIns="0">
             <a:normAutofit/>
           </a:bodyPr>
-          <a:p>
-            <a:endParaRPr b="0" lang="en-GB" sz="1400" spc="-1" strike="noStrike">
+          <a:lstStyle/>
+          <a:p>
+            <a:endParaRPr lang="en-GB" sz="1400" b="0" strike="noStrike" spc="-1">
               <a:solidFill>
                 <a:srgbClr val="000000"/>
               </a:solidFill>
@@ -1352,11 +1570,14 @@
       </p:sp>
     </p:spTree>
   </p:cSld>
+  <p:clrMapOvr>
+    <a:masterClrMapping/>
+  </p:clrMapOvr>
 </p:sldLayout>
 </file>
 
 <file path=ppt/slideLayouts/slideLayout4.xml><?xml version="1.0" encoding="utf-8"?>
-<p:sldLayout xmlns:a="http://schemas.openxmlformats.org/drawingml/2006/main" xmlns:p="http://schemas.openxmlformats.org/presentationml/2006/main" xmlns:r="http://schemas.openxmlformats.org/officeDocument/2006/relationships" xmlns:p14="http://schemas.microsoft.com/office/powerpoint/2010/main" xmlns:p15="http://schemas.microsoft.com/office/powerpoint/2012/main" xmlns:mc="http://schemas.openxmlformats.org/markup-compatibility/2006" type="twoObj" preserve="1">
+<p:sldLayout xmlns:a="http://schemas.openxmlformats.org/drawingml/2006/main" xmlns:r="http://schemas.openxmlformats.org/officeDocument/2006/relationships" xmlns:p="http://schemas.openxmlformats.org/presentationml/2006/main" type="twoObj" preserve="1">
   <p:cSld name="Title, 2 Content">
     <p:spTree>
       <p:nvGrpSpPr>
@@ -1392,11 +1613,12 @@
           </a:prstGeom>
         </p:spPr>
         <p:txBody>
-          <a:bodyPr lIns="0" rIns="0" tIns="0" bIns="0" anchor="ctr">
+          <a:bodyPr lIns="0" tIns="0" rIns="0" bIns="0" anchor="ctr">
             <a:spAutoFit/>
           </a:bodyPr>
-          <a:p>
-            <a:endParaRPr b="0" lang="en-GB" sz="1400" spc="-1" strike="noStrike">
+          <a:lstStyle/>
+          <a:p>
+            <a:endParaRPr lang="en-GB" sz="1400" b="0" strike="noStrike" spc="-1">
               <a:solidFill>
                 <a:srgbClr val="000000"/>
               </a:solidFill>
@@ -1425,11 +1647,12 @@
           </a:prstGeom>
         </p:spPr>
         <p:txBody>
-          <a:bodyPr lIns="0" rIns="0" tIns="0" bIns="0">
+          <a:bodyPr lIns="0" tIns="0" rIns="0" bIns="0">
             <a:normAutofit/>
           </a:bodyPr>
-          <a:p>
-            <a:endParaRPr b="0" lang="en-GB" sz="1400" spc="-1" strike="noStrike">
+          <a:lstStyle/>
+          <a:p>
+            <a:endParaRPr lang="en-GB" sz="1400" b="0" strike="noStrike" spc="-1">
               <a:solidFill>
                 <a:srgbClr val="000000"/>
               </a:solidFill>
@@ -1458,11 +1681,12 @@
           </a:prstGeom>
         </p:spPr>
         <p:txBody>
-          <a:bodyPr lIns="0" rIns="0" tIns="0" bIns="0">
+          <a:bodyPr lIns="0" tIns="0" rIns="0" bIns="0">
             <a:normAutofit/>
           </a:bodyPr>
-          <a:p>
-            <a:endParaRPr b="0" lang="en-GB" sz="1400" spc="-1" strike="noStrike">
+          <a:lstStyle/>
+          <a:p>
+            <a:endParaRPr lang="en-GB" sz="1400" b="0" strike="noStrike" spc="-1">
               <a:solidFill>
                 <a:srgbClr val="000000"/>
               </a:solidFill>
@@ -1473,11 +1697,14 @@
       </p:sp>
     </p:spTree>
   </p:cSld>
+  <p:clrMapOvr>
+    <a:masterClrMapping/>
+  </p:clrMapOvr>
 </p:sldLayout>
 </file>
 
 <file path=ppt/slideLayouts/slideLayout5.xml><?xml version="1.0" encoding="utf-8"?>
-<p:sldLayout xmlns:a="http://schemas.openxmlformats.org/drawingml/2006/main" xmlns:p="http://schemas.openxmlformats.org/presentationml/2006/main" xmlns:r="http://schemas.openxmlformats.org/officeDocument/2006/relationships" xmlns:p14="http://schemas.microsoft.com/office/powerpoint/2010/main" xmlns:p15="http://schemas.microsoft.com/office/powerpoint/2012/main" xmlns:mc="http://schemas.openxmlformats.org/markup-compatibility/2006" type="titleOnly" preserve="1">
+<p:sldLayout xmlns:a="http://schemas.openxmlformats.org/drawingml/2006/main" xmlns:r="http://schemas.openxmlformats.org/officeDocument/2006/relationships" xmlns:p="http://schemas.openxmlformats.org/presentationml/2006/main" type="titleOnly" preserve="1">
   <p:cSld name="Title Only">
     <p:spTree>
       <p:nvGrpSpPr>
@@ -1513,11 +1740,12 @@
           </a:prstGeom>
         </p:spPr>
         <p:txBody>
-          <a:bodyPr lIns="0" rIns="0" tIns="0" bIns="0" anchor="ctr">
+          <a:bodyPr lIns="0" tIns="0" rIns="0" bIns="0" anchor="ctr">
             <a:spAutoFit/>
           </a:bodyPr>
-          <a:p>
-            <a:endParaRPr b="0" lang="en-GB" sz="1400" spc="-1" strike="noStrike">
+          <a:lstStyle/>
+          <a:p>
+            <a:endParaRPr lang="en-GB" sz="1400" b="0" strike="noStrike" spc="-1">
               <a:solidFill>
                 <a:srgbClr val="000000"/>
               </a:solidFill>
@@ -1528,11 +1756,14 @@
       </p:sp>
     </p:spTree>
   </p:cSld>
+  <p:clrMapOvr>
+    <a:masterClrMapping/>
+  </p:clrMapOvr>
 </p:sldLayout>
 </file>
 
 <file path=ppt/slideLayouts/slideLayout6.xml><?xml version="1.0" encoding="utf-8"?>
-<p:sldLayout xmlns:a="http://schemas.openxmlformats.org/drawingml/2006/main" xmlns:p="http://schemas.openxmlformats.org/presentationml/2006/main" xmlns:r="http://schemas.openxmlformats.org/officeDocument/2006/relationships" xmlns:p14="http://schemas.microsoft.com/office/powerpoint/2010/main" xmlns:p15="http://schemas.microsoft.com/office/powerpoint/2012/main" xmlns:mc="http://schemas.openxmlformats.org/markup-compatibility/2006" type="objOnly" preserve="1">
+<p:sldLayout xmlns:a="http://schemas.openxmlformats.org/drawingml/2006/main" xmlns:r="http://schemas.openxmlformats.org/officeDocument/2006/relationships" xmlns:p="http://schemas.openxmlformats.org/presentationml/2006/main" type="objOnly" preserve="1">
   <p:cSld name="Centered Text">
     <p:spTree>
       <p:nvGrpSpPr>
@@ -1568,12 +1799,13 @@
           </a:prstGeom>
         </p:spPr>
         <p:txBody>
-          <a:bodyPr lIns="0" rIns="0" tIns="0" bIns="0" anchor="ctr">
+          <a:bodyPr lIns="0" tIns="0" rIns="0" bIns="0" anchor="ctr">
             <a:spAutoFit/>
           </a:bodyPr>
+          <a:lstStyle/>
           <a:p>
             <a:pPr algn="ctr"/>
-            <a:endParaRPr b="0" lang="en-GB" sz="3200" spc="-1" strike="noStrike">
+            <a:endParaRPr lang="en-GB" sz="3200" b="0" strike="noStrike" spc="-1">
               <a:latin typeface="Arial"/>
             </a:endParaRPr>
           </a:p>
@@ -1581,11 +1813,14 @@
       </p:sp>
     </p:spTree>
   </p:cSld>
+  <p:clrMapOvr>
+    <a:masterClrMapping/>
+  </p:clrMapOvr>
 </p:sldLayout>
 </file>
 
 <file path=ppt/slideLayouts/slideLayout7.xml><?xml version="1.0" encoding="utf-8"?>
-<p:sldLayout xmlns:a="http://schemas.openxmlformats.org/drawingml/2006/main" xmlns:p="http://schemas.openxmlformats.org/presentationml/2006/main" xmlns:r="http://schemas.openxmlformats.org/officeDocument/2006/relationships" xmlns:p14="http://schemas.microsoft.com/office/powerpoint/2010/main" xmlns:p15="http://schemas.microsoft.com/office/powerpoint/2012/main" xmlns:mc="http://schemas.openxmlformats.org/markup-compatibility/2006" type="twoObjAndObj" preserve="1">
+<p:sldLayout xmlns:a="http://schemas.openxmlformats.org/drawingml/2006/main" xmlns:r="http://schemas.openxmlformats.org/officeDocument/2006/relationships" xmlns:p="http://schemas.openxmlformats.org/presentationml/2006/main" type="twoObjAndObj" preserve="1">
   <p:cSld name="Title, 2 Content and Content">
     <p:spTree>
       <p:nvGrpSpPr>
@@ -1621,11 +1856,12 @@
           </a:prstGeom>
         </p:spPr>
         <p:txBody>
-          <a:bodyPr lIns="0" rIns="0" tIns="0" bIns="0" anchor="ctr">
+          <a:bodyPr lIns="0" tIns="0" rIns="0" bIns="0" anchor="ctr">
             <a:spAutoFit/>
           </a:bodyPr>
-          <a:p>
-            <a:endParaRPr b="0" lang="en-GB" sz="1400" spc="-1" strike="noStrike">
+          <a:lstStyle/>
+          <a:p>
+            <a:endParaRPr lang="en-GB" sz="1400" b="0" strike="noStrike" spc="-1">
               <a:solidFill>
                 <a:srgbClr val="000000"/>
               </a:solidFill>
@@ -1654,11 +1890,12 @@
           </a:prstGeom>
         </p:spPr>
         <p:txBody>
-          <a:bodyPr lIns="0" rIns="0" tIns="0" bIns="0">
+          <a:bodyPr lIns="0" tIns="0" rIns="0" bIns="0">
             <a:normAutofit/>
           </a:bodyPr>
-          <a:p>
-            <a:endParaRPr b="0" lang="en-GB" sz="1400" spc="-1" strike="noStrike">
+          <a:lstStyle/>
+          <a:p>
+            <a:endParaRPr lang="en-GB" sz="1400" b="0" strike="noStrike" spc="-1">
               <a:solidFill>
                 <a:srgbClr val="000000"/>
               </a:solidFill>
@@ -1687,11 +1924,12 @@
           </a:prstGeom>
         </p:spPr>
         <p:txBody>
-          <a:bodyPr lIns="0" rIns="0" tIns="0" bIns="0">
+          <a:bodyPr lIns="0" tIns="0" rIns="0" bIns="0">
             <a:normAutofit/>
           </a:bodyPr>
-          <a:p>
-            <a:endParaRPr b="0" lang="en-GB" sz="1400" spc="-1" strike="noStrike">
+          <a:lstStyle/>
+          <a:p>
+            <a:endParaRPr lang="en-GB" sz="1400" b="0" strike="noStrike" spc="-1">
               <a:solidFill>
                 <a:srgbClr val="000000"/>
               </a:solidFill>
@@ -1720,11 +1958,12 @@
           </a:prstGeom>
         </p:spPr>
         <p:txBody>
-          <a:bodyPr lIns="0" rIns="0" tIns="0" bIns="0">
+          <a:bodyPr lIns="0" tIns="0" rIns="0" bIns="0">
             <a:normAutofit/>
           </a:bodyPr>
-          <a:p>
-            <a:endParaRPr b="0" lang="en-GB" sz="1400" spc="-1" strike="noStrike">
+          <a:lstStyle/>
+          <a:p>
+            <a:endParaRPr lang="en-GB" sz="1400" b="0" strike="noStrike" spc="-1">
               <a:solidFill>
                 <a:srgbClr val="000000"/>
               </a:solidFill>
@@ -1735,11 +1974,14 @@
       </p:sp>
     </p:spTree>
   </p:cSld>
+  <p:clrMapOvr>
+    <a:masterClrMapping/>
+  </p:clrMapOvr>
 </p:sldLayout>
 </file>
 
 <file path=ppt/slideLayouts/slideLayout8.xml><?xml version="1.0" encoding="utf-8"?>
-<p:sldLayout xmlns:a="http://schemas.openxmlformats.org/drawingml/2006/main" xmlns:p="http://schemas.openxmlformats.org/presentationml/2006/main" xmlns:r="http://schemas.openxmlformats.org/officeDocument/2006/relationships" xmlns:p14="http://schemas.microsoft.com/office/powerpoint/2010/main" xmlns:p15="http://schemas.microsoft.com/office/powerpoint/2012/main" xmlns:mc="http://schemas.openxmlformats.org/markup-compatibility/2006" type="objAndTwoObj" preserve="1">
+<p:sldLayout xmlns:a="http://schemas.openxmlformats.org/drawingml/2006/main" xmlns:r="http://schemas.openxmlformats.org/officeDocument/2006/relationships" xmlns:p="http://schemas.openxmlformats.org/presentationml/2006/main" type="objAndTwoObj" preserve="1">
   <p:cSld name="Title Content and 2 Content">
     <p:spTree>
       <p:nvGrpSpPr>
@@ -1775,11 +2017,12 @@
           </a:prstGeom>
         </p:spPr>
         <p:txBody>
-          <a:bodyPr lIns="0" rIns="0" tIns="0" bIns="0" anchor="ctr">
+          <a:bodyPr lIns="0" tIns="0" rIns="0" bIns="0" anchor="ctr">
             <a:spAutoFit/>
           </a:bodyPr>
-          <a:p>
-            <a:endParaRPr b="0" lang="en-GB" sz="1400" spc="-1" strike="noStrike">
+          <a:lstStyle/>
+          <a:p>
+            <a:endParaRPr lang="en-GB" sz="1400" b="0" strike="noStrike" spc="-1">
               <a:solidFill>
                 <a:srgbClr val="000000"/>
               </a:solidFill>
@@ -1808,11 +2051,12 @@
           </a:prstGeom>
         </p:spPr>
         <p:txBody>
-          <a:bodyPr lIns="0" rIns="0" tIns="0" bIns="0">
+          <a:bodyPr lIns="0" tIns="0" rIns="0" bIns="0">
             <a:normAutofit/>
           </a:bodyPr>
-          <a:p>
-            <a:endParaRPr b="0" lang="en-GB" sz="1400" spc="-1" strike="noStrike">
+          <a:lstStyle/>
+          <a:p>
+            <a:endParaRPr lang="en-GB" sz="1400" b="0" strike="noStrike" spc="-1">
               <a:solidFill>
                 <a:srgbClr val="000000"/>
               </a:solidFill>
@@ -1841,11 +2085,12 @@
           </a:prstGeom>
         </p:spPr>
         <p:txBody>
-          <a:bodyPr lIns="0" rIns="0" tIns="0" bIns="0">
+          <a:bodyPr lIns="0" tIns="0" rIns="0" bIns="0">
             <a:normAutofit/>
           </a:bodyPr>
-          <a:p>
-            <a:endParaRPr b="0" lang="en-GB" sz="1400" spc="-1" strike="noStrike">
+          <a:lstStyle/>
+          <a:p>
+            <a:endParaRPr lang="en-GB" sz="1400" b="0" strike="noStrike" spc="-1">
               <a:solidFill>
                 <a:srgbClr val="000000"/>
               </a:solidFill>
@@ -1874,11 +2119,12 @@
           </a:prstGeom>
         </p:spPr>
         <p:txBody>
-          <a:bodyPr lIns="0" rIns="0" tIns="0" bIns="0">
+          <a:bodyPr lIns="0" tIns="0" rIns="0" bIns="0">
             <a:normAutofit/>
           </a:bodyPr>
-          <a:p>
-            <a:endParaRPr b="0" lang="en-GB" sz="1400" spc="-1" strike="noStrike">
+          <a:lstStyle/>
+          <a:p>
+            <a:endParaRPr lang="en-GB" sz="1400" b="0" strike="noStrike" spc="-1">
               <a:solidFill>
                 <a:srgbClr val="000000"/>
               </a:solidFill>
@@ -1889,11 +2135,14 @@
       </p:sp>
     </p:spTree>
   </p:cSld>
+  <p:clrMapOvr>
+    <a:masterClrMapping/>
+  </p:clrMapOvr>
 </p:sldLayout>
 </file>
 
 <file path=ppt/slideLayouts/slideLayout9.xml><?xml version="1.0" encoding="utf-8"?>
-<p:sldLayout xmlns:a="http://schemas.openxmlformats.org/drawingml/2006/main" xmlns:p="http://schemas.openxmlformats.org/presentationml/2006/main" xmlns:r="http://schemas.openxmlformats.org/officeDocument/2006/relationships" xmlns:p14="http://schemas.microsoft.com/office/powerpoint/2010/main" xmlns:p15="http://schemas.microsoft.com/office/powerpoint/2012/main" xmlns:mc="http://schemas.openxmlformats.org/markup-compatibility/2006" type="twoObjOverTx" preserve="1">
+<p:sldLayout xmlns:a="http://schemas.openxmlformats.org/drawingml/2006/main" xmlns:r="http://schemas.openxmlformats.org/officeDocument/2006/relationships" xmlns:p="http://schemas.openxmlformats.org/presentationml/2006/main" type="twoObjOverTx" preserve="1">
   <p:cSld name="Title, 2 Content over Content">
     <p:spTree>
       <p:nvGrpSpPr>
@@ -1929,11 +2178,12 @@
           </a:prstGeom>
         </p:spPr>
         <p:txBody>
-          <a:bodyPr lIns="0" rIns="0" tIns="0" bIns="0" anchor="ctr">
+          <a:bodyPr lIns="0" tIns="0" rIns="0" bIns="0" anchor="ctr">
             <a:spAutoFit/>
           </a:bodyPr>
-          <a:p>
-            <a:endParaRPr b="0" lang="en-GB" sz="1400" spc="-1" strike="noStrike">
+          <a:lstStyle/>
+          <a:p>
+            <a:endParaRPr lang="en-GB" sz="1400" b="0" strike="noStrike" spc="-1">
               <a:solidFill>
                 <a:srgbClr val="000000"/>
               </a:solidFill>
@@ -1962,11 +2212,12 @@
           </a:prstGeom>
         </p:spPr>
         <p:txBody>
-          <a:bodyPr lIns="0" rIns="0" tIns="0" bIns="0">
+          <a:bodyPr lIns="0" tIns="0" rIns="0" bIns="0">
             <a:normAutofit/>
           </a:bodyPr>
-          <a:p>
-            <a:endParaRPr b="0" lang="en-GB" sz="1400" spc="-1" strike="noStrike">
+          <a:lstStyle/>
+          <a:p>
+            <a:endParaRPr lang="en-GB" sz="1400" b="0" strike="noStrike" spc="-1">
               <a:solidFill>
                 <a:srgbClr val="000000"/>
               </a:solidFill>
@@ -1995,11 +2246,12 @@
           </a:prstGeom>
         </p:spPr>
         <p:txBody>
-          <a:bodyPr lIns="0" rIns="0" tIns="0" bIns="0">
+          <a:bodyPr lIns="0" tIns="0" rIns="0" bIns="0">
             <a:normAutofit/>
           </a:bodyPr>
-          <a:p>
-            <a:endParaRPr b="0" lang="en-GB" sz="1400" spc="-1" strike="noStrike">
+          <a:lstStyle/>
+          <a:p>
+            <a:endParaRPr lang="en-GB" sz="1400" b="0" strike="noStrike" spc="-1">
               <a:solidFill>
                 <a:srgbClr val="000000"/>
               </a:solidFill>
@@ -2028,11 +2280,12 @@
           </a:prstGeom>
         </p:spPr>
         <p:txBody>
-          <a:bodyPr lIns="0" rIns="0" tIns="0" bIns="0">
+          <a:bodyPr lIns="0" tIns="0" rIns="0" bIns="0">
             <a:normAutofit/>
           </a:bodyPr>
-          <a:p>
-            <a:endParaRPr b="0" lang="en-GB" sz="1400" spc="-1" strike="noStrike">
+          <a:lstStyle/>
+          <a:p>
+            <a:endParaRPr lang="en-GB" sz="1400" b="0" strike="noStrike" spc="-1">
               <a:solidFill>
                 <a:srgbClr val="000000"/>
               </a:solidFill>
@@ -2043,17 +2296,21 @@
       </p:sp>
     </p:spTree>
   </p:cSld>
+  <p:clrMapOvr>
+    <a:masterClrMapping/>
+  </p:clrMapOvr>
 </p:sldLayout>
 </file>
 
 <file path=ppt/slideMasters/slideMaster1.xml><?xml version="1.0" encoding="utf-8"?>
-<p:sldMaster xmlns:a="http://schemas.openxmlformats.org/drawingml/2006/main" xmlns:p="http://schemas.openxmlformats.org/presentationml/2006/main" xmlns:r="http://schemas.openxmlformats.org/officeDocument/2006/relationships" xmlns:p14="http://schemas.microsoft.com/office/powerpoint/2010/main" xmlns:p15="http://schemas.microsoft.com/office/powerpoint/2012/main" xmlns:mc="http://schemas.openxmlformats.org/markup-compatibility/2006">
+<p:sldMaster xmlns:a="http://schemas.openxmlformats.org/drawingml/2006/main" xmlns:r="http://schemas.openxmlformats.org/officeDocument/2006/relationships" xmlns:p="http://schemas.openxmlformats.org/presentationml/2006/main">
   <p:cSld>
     <p:bg>
       <p:bgPr>
         <a:solidFill>
-          <a:srgbClr val="00517c"/>
+          <a:srgbClr val="00517C"/>
         </a:solidFill>
+        <a:effectLst/>
       </p:bgPr>
     </p:bg>
     <p:spTree>
@@ -2072,7 +2329,7 @@
       </p:grpSpPr>
       <p:sp>
         <p:nvSpPr>
-          <p:cNvPr id="0" name="PlaceHolder 1"/>
+          <p:cNvPr id="3" name="PlaceHolder 1"/>
           <p:cNvSpPr>
             <a:spLocks noGrp="1"/>
           </p:cNvSpPr>
@@ -2093,6 +2350,7 @@
           <a:bodyPr tIns="91440" bIns="91440" anchor="ctr">
             <a:normAutofit/>
           </a:bodyPr>
+          <a:lstStyle/>
           <a:p>
             <a:pPr algn="r">
               <a:lnSpc>
@@ -2100,16 +2358,16 @@
               </a:lnSpc>
             </a:pPr>
             <a:fld id="{A9B2125A-0BBB-44D3-890B-3C178E185904}" type="slidenum">
-              <a:rPr b="0" lang="en-GB" sz="1000" spc="-1" strike="noStrike">
-                <a:solidFill>
-                  <a:srgbClr val="ffffff"/>
+              <a:rPr lang="en-GB" sz="1000" b="0" strike="noStrike" spc="-1">
+                <a:solidFill>
+                  <a:srgbClr val="FFFFFF"/>
                 </a:solidFill>
                 <a:latin typeface="Roboto"/>
                 <a:ea typeface="Roboto"/>
               </a:rPr>
-              <a:t>&lt;number&gt;</a:t>
+              <a:t>‹#›</a:t>
             </a:fld>
-            <a:endParaRPr b="0" lang="en-GB" sz="1000" spc="-1" strike="noStrike">
+            <a:endParaRPr lang="en-GB" sz="1000" b="0" strike="noStrike" spc="-1">
               <a:latin typeface="Times New Roman"/>
             </a:endParaRPr>
           </a:p>
@@ -2117,7 +2375,7 @@
       </p:sp>
       <p:sp>
         <p:nvSpPr>
-          <p:cNvPr id="1" name="PlaceHolder 2"/>
+          <p:cNvPr id="4" name="PlaceHolder 2"/>
           <p:cNvSpPr>
             <a:spLocks noGrp="1"/>
           </p:cNvSpPr>
@@ -2135,12 +2393,13 @@
           </a:prstGeom>
         </p:spPr>
         <p:txBody>
-          <a:bodyPr lIns="0" rIns="0" tIns="0" bIns="0" anchor="ctr">
+          <a:bodyPr lIns="0" tIns="0" rIns="0" bIns="0" anchor="ctr">
             <a:noAutofit/>
           </a:bodyPr>
-          <a:p>
-            <a:r>
-              <a:rPr b="0" lang="en-GB" sz="1400" spc="-1" strike="noStrike">
+          <a:lstStyle/>
+          <a:p>
+            <a:r>
+              <a:rPr lang="en-GB" sz="1400" b="0" strike="noStrike" spc="-1">
                 <a:solidFill>
                   <a:srgbClr val="000000"/>
                 </a:solidFill>
@@ -2148,12 +2407,6 @@
               </a:rPr>
               <a:t>Click to edit the title text format</a:t>
             </a:r>
-            <a:endParaRPr b="0" lang="en-GB" sz="1400" spc="-1" strike="noStrike">
-              <a:solidFill>
-                <a:srgbClr val="000000"/>
-              </a:solidFill>
-              <a:latin typeface="Arial"/>
-            </a:endParaRPr>
           </a:p>
         </p:txBody>
       </p:sp>
@@ -2177,9 +2430,10 @@
           </a:prstGeom>
         </p:spPr>
         <p:txBody>
-          <a:bodyPr lIns="0" rIns="0" tIns="0" bIns="0">
+          <a:bodyPr lIns="0" tIns="0" rIns="0" bIns="0">
             <a:normAutofit/>
           </a:bodyPr>
+          <a:lstStyle/>
           <a:p>
             <a:pPr marL="432000" indent="-324000">
               <a:spcBef>
@@ -2193,7 +2447,7 @@
               <a:buChar char=""/>
             </a:pPr>
             <a:r>
-              <a:rPr b="0" lang="en-GB" sz="1400" spc="-1" strike="noStrike">
+              <a:rPr lang="en-GB" sz="1400" b="0" strike="noStrike" spc="-1">
                 <a:solidFill>
                   <a:srgbClr val="000000"/>
                 </a:solidFill>
@@ -2201,15 +2455,9 @@
               </a:rPr>
               <a:t>Click to edit the outline text format</a:t>
             </a:r>
-            <a:endParaRPr b="0" lang="en-GB" sz="1400" spc="-1" strike="noStrike">
-              <a:solidFill>
-                <a:srgbClr val="000000"/>
-              </a:solidFill>
-              <a:latin typeface="Arial"/>
-            </a:endParaRPr>
-          </a:p>
-          <a:p>
-            <a:pPr lvl="1" marL="864000" indent="-324000">
+          </a:p>
+          <a:p>
+            <a:pPr marL="864000" lvl="1" indent="-324000">
               <a:spcBef>
                 <a:spcPts val="1134"/>
               </a:spcBef>
@@ -2221,7 +2469,7 @@
               <a:buChar char=""/>
             </a:pPr>
             <a:r>
-              <a:rPr b="0" lang="en-GB" sz="1400" spc="-1" strike="noStrike">
+              <a:rPr lang="en-GB" sz="1400" b="0" strike="noStrike" spc="-1">
                 <a:solidFill>
                   <a:srgbClr val="000000"/>
                 </a:solidFill>
@@ -2229,15 +2477,9 @@
               </a:rPr>
               <a:t>Second Outline Level</a:t>
             </a:r>
-            <a:endParaRPr b="0" lang="en-GB" sz="1400" spc="-1" strike="noStrike">
-              <a:solidFill>
-                <a:srgbClr val="000000"/>
-              </a:solidFill>
-              <a:latin typeface="Arial"/>
-            </a:endParaRPr>
-          </a:p>
-          <a:p>
-            <a:pPr lvl="2" marL="1296000" indent="-288000">
+          </a:p>
+          <a:p>
+            <a:pPr marL="1296000" lvl="2" indent="-288000">
               <a:spcBef>
                 <a:spcPts val="850"/>
               </a:spcBef>
@@ -2249,7 +2491,7 @@
               <a:buChar char=""/>
             </a:pPr>
             <a:r>
-              <a:rPr b="0" lang="en-GB" sz="1400" spc="-1" strike="noStrike">
+              <a:rPr lang="en-GB" sz="1400" b="0" strike="noStrike" spc="-1">
                 <a:solidFill>
                   <a:srgbClr val="000000"/>
                 </a:solidFill>
@@ -2257,15 +2499,9 @@
               </a:rPr>
               <a:t>Third Outline Level</a:t>
             </a:r>
-            <a:endParaRPr b="0" lang="en-GB" sz="1400" spc="-1" strike="noStrike">
-              <a:solidFill>
-                <a:srgbClr val="000000"/>
-              </a:solidFill>
-              <a:latin typeface="Arial"/>
-            </a:endParaRPr>
-          </a:p>
-          <a:p>
-            <a:pPr lvl="3" marL="1728000" indent="-216000">
+          </a:p>
+          <a:p>
+            <a:pPr marL="1728000" lvl="3" indent="-216000">
               <a:spcBef>
                 <a:spcPts val="567"/>
               </a:spcBef>
@@ -2277,7 +2513,7 @@
               <a:buChar char=""/>
             </a:pPr>
             <a:r>
-              <a:rPr b="0" lang="en-GB" sz="1400" spc="-1" strike="noStrike">
+              <a:rPr lang="en-GB" sz="1400" b="0" strike="noStrike" spc="-1">
                 <a:solidFill>
                   <a:srgbClr val="000000"/>
                 </a:solidFill>
@@ -2285,15 +2521,9 @@
               </a:rPr>
               <a:t>Fourth Outline Level</a:t>
             </a:r>
-            <a:endParaRPr b="0" lang="en-GB" sz="1400" spc="-1" strike="noStrike">
-              <a:solidFill>
-                <a:srgbClr val="000000"/>
-              </a:solidFill>
-              <a:latin typeface="Arial"/>
-            </a:endParaRPr>
-          </a:p>
-          <a:p>
-            <a:pPr lvl="4" marL="2160000" indent="-216000">
+          </a:p>
+          <a:p>
+            <a:pPr marL="2160000" lvl="4" indent="-216000">
               <a:spcBef>
                 <a:spcPts val="283"/>
               </a:spcBef>
@@ -2305,7 +2535,7 @@
               <a:buChar char=""/>
             </a:pPr>
             <a:r>
-              <a:rPr b="0" lang="en-GB" sz="2000" spc="-1" strike="noStrike">
+              <a:rPr lang="en-GB" sz="2000" b="0" strike="noStrike" spc="-1">
                 <a:solidFill>
                   <a:srgbClr val="000000"/>
                 </a:solidFill>
@@ -2313,15 +2543,9 @@
               </a:rPr>
               <a:t>Fifth Outline Level</a:t>
             </a:r>
-            <a:endParaRPr b="0" lang="en-GB" sz="2000" spc="-1" strike="noStrike">
-              <a:solidFill>
-                <a:srgbClr val="000000"/>
-              </a:solidFill>
-              <a:latin typeface="Arial"/>
-            </a:endParaRPr>
-          </a:p>
-          <a:p>
-            <a:pPr lvl="5" marL="2592000" indent="-216000">
+          </a:p>
+          <a:p>
+            <a:pPr marL="2592000" lvl="5" indent="-216000">
               <a:spcBef>
                 <a:spcPts val="283"/>
               </a:spcBef>
@@ -2333,7 +2557,7 @@
               <a:buChar char=""/>
             </a:pPr>
             <a:r>
-              <a:rPr b="0" lang="en-GB" sz="2000" spc="-1" strike="noStrike">
+              <a:rPr lang="en-GB" sz="2000" b="0" strike="noStrike" spc="-1">
                 <a:solidFill>
                   <a:srgbClr val="000000"/>
                 </a:solidFill>
@@ -2341,15 +2565,9 @@
               </a:rPr>
               <a:t>Sixth Outline Level</a:t>
             </a:r>
-            <a:endParaRPr b="0" lang="en-GB" sz="2000" spc="-1" strike="noStrike">
-              <a:solidFill>
-                <a:srgbClr val="000000"/>
-              </a:solidFill>
-              <a:latin typeface="Arial"/>
-            </a:endParaRPr>
-          </a:p>
-          <a:p>
-            <a:pPr lvl="6" marL="3024000" indent="-216000">
+          </a:p>
+          <a:p>
+            <a:pPr marL="3024000" lvl="6" indent="-216000">
               <a:spcBef>
                 <a:spcPts val="283"/>
               </a:spcBef>
@@ -2361,7 +2579,7 @@
               <a:buChar char=""/>
             </a:pPr>
             <a:r>
-              <a:rPr b="0" lang="en-GB" sz="2000" spc="-1" strike="noStrike">
+              <a:rPr lang="en-GB" sz="2000" b="0" strike="noStrike" spc="-1">
                 <a:solidFill>
                   <a:srgbClr val="000000"/>
                 </a:solidFill>
@@ -2369,37 +2587,311 @@
               </a:rPr>
               <a:t>Seventh Outline Level</a:t>
             </a:r>
-            <a:endParaRPr b="0" lang="en-GB" sz="2000" spc="-1" strike="noStrike">
-              <a:solidFill>
-                <a:srgbClr val="000000"/>
-              </a:solidFill>
-              <a:latin typeface="Arial"/>
-            </a:endParaRPr>
           </a:p>
         </p:txBody>
       </p:sp>
     </p:spTree>
   </p:cSld>
-  <p:clrMap bg1="lt1" bg2="lt2" tx1="dk1" tx2="dk2" accent1="accent1" accent2="accent2" accent3="accent3" accent4="accent4" accent5="accent5" accent6="accent6" hlink="hlink" folHlink="folHlink"/>
+  <p:clrMap bg1="lt1" tx1="dk1" bg2="lt2" tx2="dk2" accent1="accent1" accent2="accent2" accent3="accent3" accent4="accent4" accent5="accent5" accent6="accent6" hlink="hlink" folHlink="folHlink"/>
   <p:sldLayoutIdLst>
-    <p:sldLayoutId id="2147483649" r:id="rId2"/>
-    <p:sldLayoutId id="2147483650" r:id="rId3"/>
-    <p:sldLayoutId id="2147483651" r:id="rId4"/>
-    <p:sldLayoutId id="2147483652" r:id="rId5"/>
-    <p:sldLayoutId id="2147483653" r:id="rId6"/>
-    <p:sldLayoutId id="2147483654" r:id="rId7"/>
-    <p:sldLayoutId id="2147483655" r:id="rId8"/>
-    <p:sldLayoutId id="2147483656" r:id="rId9"/>
-    <p:sldLayoutId id="2147483657" r:id="rId10"/>
-    <p:sldLayoutId id="2147483658" r:id="rId11"/>
-    <p:sldLayoutId id="2147483659" r:id="rId12"/>
-    <p:sldLayoutId id="2147483660" r:id="rId13"/>
+    <p:sldLayoutId id="2147483649" r:id="rId1"/>
+    <p:sldLayoutId id="2147483650" r:id="rId2"/>
+    <p:sldLayoutId id="2147483651" r:id="rId3"/>
+    <p:sldLayoutId id="2147483652" r:id="rId4"/>
+    <p:sldLayoutId id="2147483653" r:id="rId5"/>
+    <p:sldLayoutId id="2147483654" r:id="rId6"/>
+    <p:sldLayoutId id="2147483655" r:id="rId7"/>
+    <p:sldLayoutId id="2147483656" r:id="rId8"/>
+    <p:sldLayoutId id="2147483657" r:id="rId9"/>
+    <p:sldLayoutId id="2147483658" r:id="rId10"/>
+    <p:sldLayoutId id="2147483659" r:id="rId11"/>
+    <p:sldLayoutId id="2147483660" r:id="rId12"/>
   </p:sldLayoutIdLst>
+  <p:txStyles>
+    <p:titleStyle>
+      <a:lvl1pPr algn="l" defTabSz="914400" rtl="0" eaLnBrk="1" latinLnBrk="0" hangingPunct="1">
+        <a:lnSpc>
+          <a:spcPct val="90000"/>
+        </a:lnSpc>
+        <a:spcBef>
+          <a:spcPct val="0"/>
+        </a:spcBef>
+        <a:buNone/>
+        <a:defRPr sz="4400" kern="1200">
+          <a:solidFill>
+            <a:schemeClr val="tx1"/>
+          </a:solidFill>
+          <a:latin typeface="+mj-lt"/>
+          <a:ea typeface="+mj-ea"/>
+          <a:cs typeface="+mj-cs"/>
+        </a:defRPr>
+      </a:lvl1pPr>
+    </p:titleStyle>
+    <p:bodyStyle>
+      <a:lvl1pPr marL="228600" indent="-228600" algn="l" defTabSz="914400" rtl="0" eaLnBrk="1" latinLnBrk="0" hangingPunct="1">
+        <a:lnSpc>
+          <a:spcPct val="90000"/>
+        </a:lnSpc>
+        <a:spcBef>
+          <a:spcPts val="1000"/>
+        </a:spcBef>
+        <a:buFont typeface="Arial" panose="020B0604020202020204" pitchFamily="34" charset="0"/>
+        <a:buChar char="•"/>
+        <a:defRPr sz="2800" kern="1200">
+          <a:solidFill>
+            <a:schemeClr val="tx1"/>
+          </a:solidFill>
+          <a:latin typeface="+mn-lt"/>
+          <a:ea typeface="+mn-ea"/>
+          <a:cs typeface="+mn-cs"/>
+        </a:defRPr>
+      </a:lvl1pPr>
+      <a:lvl2pPr marL="685800" indent="-228600" algn="l" defTabSz="914400" rtl="0" eaLnBrk="1" latinLnBrk="0" hangingPunct="1">
+        <a:lnSpc>
+          <a:spcPct val="90000"/>
+        </a:lnSpc>
+        <a:spcBef>
+          <a:spcPts val="500"/>
+        </a:spcBef>
+        <a:buFont typeface="Arial" panose="020B0604020202020204" pitchFamily="34" charset="0"/>
+        <a:buChar char="•"/>
+        <a:defRPr sz="2400" kern="1200">
+          <a:solidFill>
+            <a:schemeClr val="tx1"/>
+          </a:solidFill>
+          <a:latin typeface="+mn-lt"/>
+          <a:ea typeface="+mn-ea"/>
+          <a:cs typeface="+mn-cs"/>
+        </a:defRPr>
+      </a:lvl2pPr>
+      <a:lvl3pPr marL="1143000" indent="-228600" algn="l" defTabSz="914400" rtl="0" eaLnBrk="1" latinLnBrk="0" hangingPunct="1">
+        <a:lnSpc>
+          <a:spcPct val="90000"/>
+        </a:lnSpc>
+        <a:spcBef>
+          <a:spcPts val="500"/>
+        </a:spcBef>
+        <a:buFont typeface="Arial" panose="020B0604020202020204" pitchFamily="34" charset="0"/>
+        <a:buChar char="•"/>
+        <a:defRPr sz="2000" kern="1200">
+          <a:solidFill>
+            <a:schemeClr val="tx1"/>
+          </a:solidFill>
+          <a:latin typeface="+mn-lt"/>
+          <a:ea typeface="+mn-ea"/>
+          <a:cs typeface="+mn-cs"/>
+        </a:defRPr>
+      </a:lvl3pPr>
+      <a:lvl4pPr marL="1600200" indent="-228600" algn="l" defTabSz="914400" rtl="0" eaLnBrk="1" latinLnBrk="0" hangingPunct="1">
+        <a:lnSpc>
+          <a:spcPct val="90000"/>
+        </a:lnSpc>
+        <a:spcBef>
+          <a:spcPts val="500"/>
+        </a:spcBef>
+        <a:buFont typeface="Arial" panose="020B0604020202020204" pitchFamily="34" charset="0"/>
+        <a:buChar char="•"/>
+        <a:defRPr sz="1800" kern="1200">
+          <a:solidFill>
+            <a:schemeClr val="tx1"/>
+          </a:solidFill>
+          <a:latin typeface="+mn-lt"/>
+          <a:ea typeface="+mn-ea"/>
+          <a:cs typeface="+mn-cs"/>
+        </a:defRPr>
+      </a:lvl4pPr>
+      <a:lvl5pPr marL="2057400" indent="-228600" algn="l" defTabSz="914400" rtl="0" eaLnBrk="1" latinLnBrk="0" hangingPunct="1">
+        <a:lnSpc>
+          <a:spcPct val="90000"/>
+        </a:lnSpc>
+        <a:spcBef>
+          <a:spcPts val="500"/>
+        </a:spcBef>
+        <a:buFont typeface="Arial" panose="020B0604020202020204" pitchFamily="34" charset="0"/>
+        <a:buChar char="•"/>
+        <a:defRPr sz="1800" kern="1200">
+          <a:solidFill>
+            <a:schemeClr val="tx1"/>
+          </a:solidFill>
+          <a:latin typeface="+mn-lt"/>
+          <a:ea typeface="+mn-ea"/>
+          <a:cs typeface="+mn-cs"/>
+        </a:defRPr>
+      </a:lvl5pPr>
+      <a:lvl6pPr marL="2514600" indent="-228600" algn="l" defTabSz="914400" rtl="0" eaLnBrk="1" latinLnBrk="0" hangingPunct="1">
+        <a:lnSpc>
+          <a:spcPct val="90000"/>
+        </a:lnSpc>
+        <a:spcBef>
+          <a:spcPts val="500"/>
+        </a:spcBef>
+        <a:buFont typeface="Arial" panose="020B0604020202020204" pitchFamily="34" charset="0"/>
+        <a:buChar char="•"/>
+        <a:defRPr sz="1800" kern="1200">
+          <a:solidFill>
+            <a:schemeClr val="tx1"/>
+          </a:solidFill>
+          <a:latin typeface="+mn-lt"/>
+          <a:ea typeface="+mn-ea"/>
+          <a:cs typeface="+mn-cs"/>
+        </a:defRPr>
+      </a:lvl6pPr>
+      <a:lvl7pPr marL="2971800" indent="-228600" algn="l" defTabSz="914400" rtl="0" eaLnBrk="1" latinLnBrk="0" hangingPunct="1">
+        <a:lnSpc>
+          <a:spcPct val="90000"/>
+        </a:lnSpc>
+        <a:spcBef>
+          <a:spcPts val="500"/>
+        </a:spcBef>
+        <a:buFont typeface="Arial" panose="020B0604020202020204" pitchFamily="34" charset="0"/>
+        <a:buChar char="•"/>
+        <a:defRPr sz="1800" kern="1200">
+          <a:solidFill>
+            <a:schemeClr val="tx1"/>
+          </a:solidFill>
+          <a:latin typeface="+mn-lt"/>
+          <a:ea typeface="+mn-ea"/>
+          <a:cs typeface="+mn-cs"/>
+        </a:defRPr>
+      </a:lvl7pPr>
+      <a:lvl8pPr marL="3429000" indent="-228600" algn="l" defTabSz="914400" rtl="0" eaLnBrk="1" latinLnBrk="0" hangingPunct="1">
+        <a:lnSpc>
+          <a:spcPct val="90000"/>
+        </a:lnSpc>
+        <a:spcBef>
+          <a:spcPts val="500"/>
+        </a:spcBef>
+        <a:buFont typeface="Arial" panose="020B0604020202020204" pitchFamily="34" charset="0"/>
+        <a:buChar char="•"/>
+        <a:defRPr sz="1800" kern="1200">
+          <a:solidFill>
+            <a:schemeClr val="tx1"/>
+          </a:solidFill>
+          <a:latin typeface="+mn-lt"/>
+          <a:ea typeface="+mn-ea"/>
+          <a:cs typeface="+mn-cs"/>
+        </a:defRPr>
+      </a:lvl8pPr>
+      <a:lvl9pPr marL="3886200" indent="-228600" algn="l" defTabSz="914400" rtl="0" eaLnBrk="1" latinLnBrk="0" hangingPunct="1">
+        <a:lnSpc>
+          <a:spcPct val="90000"/>
+        </a:lnSpc>
+        <a:spcBef>
+          <a:spcPts val="500"/>
+        </a:spcBef>
+        <a:buFont typeface="Arial" panose="020B0604020202020204" pitchFamily="34" charset="0"/>
+        <a:buChar char="•"/>
+        <a:defRPr sz="1800" kern="1200">
+          <a:solidFill>
+            <a:schemeClr val="tx1"/>
+          </a:solidFill>
+          <a:latin typeface="+mn-lt"/>
+          <a:ea typeface="+mn-ea"/>
+          <a:cs typeface="+mn-cs"/>
+        </a:defRPr>
+      </a:lvl9pPr>
+    </p:bodyStyle>
+    <p:otherStyle>
+      <a:defPPr>
+        <a:defRPr lang="en-US"/>
+      </a:defPPr>
+      <a:lvl1pPr marL="0" algn="l" defTabSz="914400" rtl="0" eaLnBrk="1" latinLnBrk="0" hangingPunct="1">
+        <a:defRPr sz="1800" kern="1200">
+          <a:solidFill>
+            <a:schemeClr val="tx1"/>
+          </a:solidFill>
+          <a:latin typeface="+mn-lt"/>
+          <a:ea typeface="+mn-ea"/>
+          <a:cs typeface="+mn-cs"/>
+        </a:defRPr>
+      </a:lvl1pPr>
+      <a:lvl2pPr marL="457200" algn="l" defTabSz="914400" rtl="0" eaLnBrk="1" latinLnBrk="0" hangingPunct="1">
+        <a:defRPr sz="1800" kern="1200">
+          <a:solidFill>
+            <a:schemeClr val="tx1"/>
+          </a:solidFill>
+          <a:latin typeface="+mn-lt"/>
+          <a:ea typeface="+mn-ea"/>
+          <a:cs typeface="+mn-cs"/>
+        </a:defRPr>
+      </a:lvl2pPr>
+      <a:lvl3pPr marL="914400" algn="l" defTabSz="914400" rtl="0" eaLnBrk="1" latinLnBrk="0" hangingPunct="1">
+        <a:defRPr sz="1800" kern="1200">
+          <a:solidFill>
+            <a:schemeClr val="tx1"/>
+          </a:solidFill>
+          <a:latin typeface="+mn-lt"/>
+          <a:ea typeface="+mn-ea"/>
+          <a:cs typeface="+mn-cs"/>
+        </a:defRPr>
+      </a:lvl3pPr>
+      <a:lvl4pPr marL="1371600" algn="l" defTabSz="914400" rtl="0" eaLnBrk="1" latinLnBrk="0" hangingPunct="1">
+        <a:defRPr sz="1800" kern="1200">
+          <a:solidFill>
+            <a:schemeClr val="tx1"/>
+          </a:solidFill>
+          <a:latin typeface="+mn-lt"/>
+          <a:ea typeface="+mn-ea"/>
+          <a:cs typeface="+mn-cs"/>
+        </a:defRPr>
+      </a:lvl4pPr>
+      <a:lvl5pPr marL="1828800" algn="l" defTabSz="914400" rtl="0" eaLnBrk="1" latinLnBrk="0" hangingPunct="1">
+        <a:defRPr sz="1800" kern="1200">
+          <a:solidFill>
+            <a:schemeClr val="tx1"/>
+          </a:solidFill>
+          <a:latin typeface="+mn-lt"/>
+          <a:ea typeface="+mn-ea"/>
+          <a:cs typeface="+mn-cs"/>
+        </a:defRPr>
+      </a:lvl5pPr>
+      <a:lvl6pPr marL="2286000" algn="l" defTabSz="914400" rtl="0" eaLnBrk="1" latinLnBrk="0" hangingPunct="1">
+        <a:defRPr sz="1800" kern="1200">
+          <a:solidFill>
+            <a:schemeClr val="tx1"/>
+          </a:solidFill>
+          <a:latin typeface="+mn-lt"/>
+          <a:ea typeface="+mn-ea"/>
+          <a:cs typeface="+mn-cs"/>
+        </a:defRPr>
+      </a:lvl6pPr>
+      <a:lvl7pPr marL="2743200" algn="l" defTabSz="914400" rtl="0" eaLnBrk="1" latinLnBrk="0" hangingPunct="1">
+        <a:defRPr sz="1800" kern="1200">
+          <a:solidFill>
+            <a:schemeClr val="tx1"/>
+          </a:solidFill>
+          <a:latin typeface="+mn-lt"/>
+          <a:ea typeface="+mn-ea"/>
+          <a:cs typeface="+mn-cs"/>
+        </a:defRPr>
+      </a:lvl7pPr>
+      <a:lvl8pPr marL="3200400" algn="l" defTabSz="914400" rtl="0" eaLnBrk="1" latinLnBrk="0" hangingPunct="1">
+        <a:defRPr sz="1800" kern="1200">
+          <a:solidFill>
+            <a:schemeClr val="tx1"/>
+          </a:solidFill>
+          <a:latin typeface="+mn-lt"/>
+          <a:ea typeface="+mn-ea"/>
+          <a:cs typeface="+mn-cs"/>
+        </a:defRPr>
+      </a:lvl8pPr>
+      <a:lvl9pPr marL="3657600" algn="l" defTabSz="914400" rtl="0" eaLnBrk="1" latinLnBrk="0" hangingPunct="1">
+        <a:defRPr sz="1800" kern="1200">
+          <a:solidFill>
+            <a:schemeClr val="tx1"/>
+          </a:solidFill>
+          <a:latin typeface="+mn-lt"/>
+          <a:ea typeface="+mn-ea"/>
+          <a:cs typeface="+mn-cs"/>
+        </a:defRPr>
+      </a:lvl9pPr>
+    </p:otherStyle>
+  </p:txStyles>
 </p:sldMaster>
 </file>
 
 <file path=ppt/slides/slide1.xml><?xml version="1.0" encoding="utf-8"?>
-<p:sld xmlns:a="http://schemas.openxmlformats.org/drawingml/2006/main" xmlns:p="http://schemas.openxmlformats.org/presentationml/2006/main" xmlns:r="http://schemas.openxmlformats.org/officeDocument/2006/relationships" xmlns:p14="http://schemas.microsoft.com/office/powerpoint/2010/main" xmlns:p15="http://schemas.microsoft.com/office/powerpoint/2012/main" xmlns:mc="http://schemas.openxmlformats.org/markup-compatibility/2006">
+<p:sld xmlns:a="http://schemas.openxmlformats.org/drawingml/2006/main" xmlns:r="http://schemas.openxmlformats.org/officeDocument/2006/relationships" xmlns:p="http://schemas.openxmlformats.org/presentationml/2006/main">
   <p:cSld>
     <p:spTree>
       <p:nvGrpSpPr>
@@ -2435,15 +2927,22 @@
           </a:ln>
         </p:spPr>
         <p:style>
-          <a:lnRef idx="0"/>
-          <a:fillRef idx="0"/>
-          <a:effectRef idx="0"/>
+          <a:lnRef idx="0">
+            <a:scrgbClr r="0" g="0" b="0"/>
+          </a:lnRef>
+          <a:fillRef idx="0">
+            <a:scrgbClr r="0" g="0" b="0"/>
+          </a:fillRef>
+          <a:effectRef idx="0">
+            <a:scrgbClr r="0" g="0" b="0"/>
+          </a:effectRef>
           <a:fontRef idx="minor"/>
         </p:style>
         <p:txBody>
           <a:bodyPr tIns="91440" bIns="91440">
             <a:spAutoFit/>
           </a:bodyPr>
+          <a:lstStyle/>
           <a:p>
             <a:pPr>
               <a:lnSpc>
@@ -2451,16 +2950,16 @@
               </a:lnSpc>
             </a:pPr>
             <a:r>
-              <a:rPr b="1" lang="en-GB" sz="2100" spc="-1" strike="noStrike">
-                <a:solidFill>
-                  <a:srgbClr val="ffffff"/>
+              <a:rPr lang="en-GB" sz="2100" b="1" strike="noStrike" spc="-1">
+                <a:solidFill>
+                  <a:srgbClr val="FFFFFF"/>
                 </a:solidFill>
                 <a:latin typeface="Roboto"/>
                 <a:ea typeface="Roboto"/>
               </a:rPr>
               <a:t>Thanks for your assistance with the translation of our flyer!</a:t>
             </a:r>
-            <a:endParaRPr b="0" lang="en-GB" sz="2100" spc="-1" strike="noStrike">
+            <a:endParaRPr lang="en-GB" sz="2100" b="0" strike="noStrike" spc="-1">
               <a:latin typeface="Arial"/>
             </a:endParaRPr>
           </a:p>
@@ -2470,7 +2969,7 @@
                 <a:spcPct val="100000"/>
               </a:lnSpc>
             </a:pPr>
-            <a:endParaRPr b="0" lang="en-GB" sz="2100" spc="-1" strike="noStrike">
+            <a:endParaRPr lang="en-GB" sz="2100" b="0" strike="noStrike" spc="-1">
               <a:latin typeface="Arial"/>
             </a:endParaRPr>
           </a:p>
@@ -2480,22 +2979,22 @@
                 <a:spcPct val="100000"/>
               </a:lnSpc>
               <a:buClr>
-                <a:srgbClr val="ffffff"/>
+                <a:srgbClr val="FFFFFF"/>
               </a:buClr>
               <a:buFont typeface="Roboto"/>
               <a:buAutoNum type="arabicPeriod"/>
             </a:pPr>
             <a:r>
-              <a:rPr b="1" lang="en-GB" sz="1800" spc="-1" strike="noStrike">
-                <a:solidFill>
-                  <a:srgbClr val="ffffff"/>
+              <a:rPr lang="en-GB" sz="1800" b="1" strike="noStrike" spc="-1">
+                <a:solidFill>
+                  <a:srgbClr val="FFFFFF"/>
                 </a:solidFill>
                 <a:latin typeface="Roboto"/>
                 <a:ea typeface="Roboto"/>
               </a:rPr>
               <a:t>Copy the slide in the source language you want to translate from.English is on slide #2. Please don’t delete slides</a:t>
             </a:r>
-            <a:endParaRPr b="0" lang="en-GB" sz="1800" spc="-1" strike="noStrike">
+            <a:endParaRPr lang="en-GB" sz="1800" b="0" strike="noStrike" spc="-1">
               <a:latin typeface="Arial"/>
             </a:endParaRPr>
           </a:p>
@@ -2505,22 +3004,22 @@
                 <a:spcPct val="100000"/>
               </a:lnSpc>
               <a:buClr>
-                <a:srgbClr val="ffffff"/>
+                <a:srgbClr val="FFFFFF"/>
               </a:buClr>
               <a:buFont typeface="Roboto"/>
               <a:buAutoNum type="arabicPeriod"/>
             </a:pPr>
             <a:r>
-              <a:rPr b="1" lang="en-GB" sz="1800" spc="-1" strike="noStrike">
-                <a:solidFill>
-                  <a:srgbClr val="ffffff"/>
+              <a:rPr lang="en-GB" sz="1800" b="1" strike="noStrike" spc="-1">
+                <a:solidFill>
+                  <a:srgbClr val="FFFFFF"/>
                 </a:solidFill>
                 <a:latin typeface="Roboto"/>
                 <a:ea typeface="Roboto"/>
               </a:rPr>
               <a:t>Translate into the target language you are familiar with. Please keep the same layout as much as possible. Use a spell-checker!</a:t>
             </a:r>
-            <a:endParaRPr b="0" lang="en-GB" sz="1800" spc="-1" strike="noStrike">
+            <a:endParaRPr lang="en-GB" sz="1800" b="0" strike="noStrike" spc="-1">
               <a:latin typeface="Arial"/>
             </a:endParaRPr>
           </a:p>
@@ -2530,15 +3029,15 @@
                 <a:spcPct val="100000"/>
               </a:lnSpc>
               <a:buClr>
-                <a:srgbClr val="ffffff"/>
+                <a:srgbClr val="FFFFFF"/>
               </a:buClr>
               <a:buFont typeface="Roboto"/>
               <a:buAutoNum type="arabicPeriod"/>
             </a:pPr>
             <a:r>
-              <a:rPr b="1" lang="en-GB" sz="1800" spc="-1" strike="noStrike">
-                <a:solidFill>
-                  <a:srgbClr val="ffffff"/>
+              <a:rPr lang="en-GB" sz="1800" b="1" strike="noStrike" spc="-1">
+                <a:solidFill>
+                  <a:srgbClr val="FFFFFF"/>
                 </a:solidFill>
                 <a:latin typeface="Roboto"/>
                 <a:ea typeface="Roboto"/>
@@ -2546,28 +3045,28 @@
               <a:t>Change the language code in the speaker notes so others can know what language the slide is in (see codes at </a:t>
             </a:r>
             <a:r>
-              <a:rPr b="1" lang="en-GB" sz="1800" spc="-1" strike="noStrike" u="sng">
-                <a:solidFill>
-                  <a:srgbClr val="8bc34a"/>
+              <a:rPr lang="en-GB" sz="1800" b="1" u="sng" strike="noStrike" spc="-1">
+                <a:solidFill>
+                  <a:srgbClr val="8BC34A"/>
                 </a:solidFill>
                 <a:uFillTx/>
                 <a:latin typeface="Roboto"/>
                 <a:ea typeface="Roboto"/>
-                <a:hlinkClick r:id="rId1"/>
+                <a:hlinkClick r:id="rId2"/>
               </a:rPr>
               <a:t>https://en.wikipedia.org/wiki/List_of_ISO_639-1_codes</a:t>
             </a:r>
             <a:r>
-              <a:rPr b="1" lang="en-GB" sz="1800" spc="-1" strike="noStrike">
-                <a:solidFill>
-                  <a:srgbClr val="ffffff"/>
+              <a:rPr lang="en-GB" sz="1800" b="1" strike="noStrike" spc="-1">
+                <a:solidFill>
+                  <a:srgbClr val="FFFFFF"/>
                 </a:solidFill>
                 <a:latin typeface="Roboto"/>
                 <a:ea typeface="Roboto"/>
               </a:rPr>
               <a:t>)</a:t>
             </a:r>
-            <a:endParaRPr b="0" lang="en-GB" sz="1800" spc="-1" strike="noStrike">
+            <a:endParaRPr lang="en-GB" sz="1800" b="0" strike="noStrike" spc="-1">
               <a:latin typeface="Arial"/>
             </a:endParaRPr>
           </a:p>
@@ -2577,22 +3076,22 @@
                 <a:spcPct val="100000"/>
               </a:lnSpc>
               <a:buClr>
-                <a:srgbClr val="ffffff"/>
+                <a:srgbClr val="FFFFFF"/>
               </a:buClr>
               <a:buFont typeface="Roboto"/>
               <a:buAutoNum type="arabicPeriod"/>
             </a:pPr>
             <a:r>
-              <a:rPr b="1" lang="en-GB" sz="1800" spc="-1" strike="noStrike">
-                <a:solidFill>
-                  <a:srgbClr val="ffffff"/>
+              <a:rPr lang="en-GB" sz="1800" b="1" strike="noStrike" spc="-1">
+                <a:solidFill>
+                  <a:srgbClr val="FFFFFF"/>
                 </a:solidFill>
                 <a:latin typeface="Roboto"/>
                 <a:ea typeface="Roboto"/>
               </a:rPr>
               <a:t>To export the translated slide, select it and click on</a:t>
             </a:r>
-            <a:endParaRPr b="0" lang="en-GB" sz="1800" spc="-1" strike="noStrike">
+            <a:endParaRPr lang="en-GB" sz="1800" b="0" strike="noStrike" spc="-1">
               <a:latin typeface="Arial"/>
             </a:endParaRPr>
           </a:p>
@@ -2603,16 +3102,16 @@
               </a:lnSpc>
             </a:pPr>
             <a:r>
-              <a:rPr b="1" lang="en-GB" sz="1800" spc="-1" strike="noStrike">
-                <a:solidFill>
-                  <a:srgbClr val="ffffff"/>
+              <a:rPr lang="en-GB" sz="1800" b="1" strike="noStrike" spc="-1">
+                <a:solidFill>
+                  <a:srgbClr val="FFFFFF"/>
                 </a:solidFill>
                 <a:latin typeface="Roboto"/>
                 <a:ea typeface="Roboto"/>
               </a:rPr>
               <a:t>File &gt; Download &gt; PNG image</a:t>
             </a:r>
-            <a:endParaRPr b="0" lang="en-GB" sz="1800" spc="-1" strike="noStrike">
+            <a:endParaRPr lang="en-GB" sz="1800" b="0" strike="noStrike" spc="-1">
               <a:latin typeface="Arial"/>
             </a:endParaRPr>
           </a:p>
@@ -2622,15 +3121,15 @@
                 <a:spcPct val="100000"/>
               </a:lnSpc>
               <a:buClr>
-                <a:srgbClr val="ffffff"/>
+                <a:srgbClr val="FFFFFF"/>
               </a:buClr>
               <a:buFont typeface="Roboto"/>
               <a:buAutoNum type="arabicPeriod"/>
             </a:pPr>
             <a:r>
-              <a:rPr b="1" lang="en-GB" sz="1800" spc="-1" strike="noStrike">
-                <a:solidFill>
-                  <a:srgbClr val="ffffff"/>
+              <a:rPr lang="en-GB" sz="1800" b="1" strike="noStrike" spc="-1">
+                <a:solidFill>
+                  <a:srgbClr val="FFFFFF"/>
                 </a:solidFill>
                 <a:latin typeface="Roboto"/>
                 <a:ea typeface="Roboto"/>
@@ -2638,16 +3137,16 @@
               <a:t>Name the file OpenNeuroscienceFlyer_</a:t>
             </a:r>
             <a:r>
-              <a:rPr b="1" i="1" lang="en-GB" sz="1800" spc="-1" strike="noStrike">
-                <a:solidFill>
-                  <a:srgbClr val="ffffff"/>
+              <a:rPr lang="en-GB" sz="1800" b="1" i="1" strike="noStrike" spc="-1">
+                <a:solidFill>
+                  <a:srgbClr val="FFFFFF"/>
                 </a:solidFill>
                 <a:latin typeface="Roboto"/>
                 <a:ea typeface="Roboto"/>
               </a:rPr>
               <a:t>languagecode</a:t>
             </a:r>
-            <a:endParaRPr b="0" lang="en-GB" sz="1800" spc="-1" strike="noStrike">
+            <a:endParaRPr lang="en-GB" sz="1800" b="0" strike="noStrike" spc="-1">
               <a:latin typeface="Arial"/>
             </a:endParaRPr>
           </a:p>
@@ -2657,15 +3156,15 @@
                 <a:spcPct val="100000"/>
               </a:lnSpc>
               <a:buClr>
-                <a:srgbClr val="ffffff"/>
+                <a:srgbClr val="FFFFFF"/>
               </a:buClr>
               <a:buFont typeface="Roboto"/>
               <a:buAutoNum type="arabicPeriod"/>
             </a:pPr>
             <a:r>
-              <a:rPr b="1" lang="en-GB" sz="1800" spc="-1" strike="noStrike">
-                <a:solidFill>
-                  <a:srgbClr val="ffffff"/>
+              <a:rPr lang="en-GB" sz="1800" b="1" strike="noStrike" spc="-1">
+                <a:solidFill>
+                  <a:srgbClr val="FFFFFF"/>
                 </a:solidFill>
                 <a:latin typeface="Roboto"/>
                 <a:ea typeface="Roboto"/>
@@ -2673,18 +3172,18 @@
               <a:t>Upload the flyer to </a:t>
             </a:r>
             <a:r>
-              <a:rPr b="1" lang="en-GB" sz="1800" spc="-1" strike="noStrike" u="sng">
-                <a:solidFill>
-                  <a:srgbClr val="8bc34a"/>
+              <a:rPr lang="en-GB" sz="1800" b="1" u="sng" strike="noStrike" spc="-1">
+                <a:solidFill>
+                  <a:srgbClr val="8BC34A"/>
                 </a:solidFill>
                 <a:uFillTx/>
                 <a:latin typeface="Roboto"/>
                 <a:ea typeface="Roboto"/>
-                <a:hlinkClick r:id="rId2"/>
+                <a:hlinkClick r:id="rId3"/>
               </a:rPr>
               <a:t>https://github.com/open-neuroscience/promotion</a:t>
             </a:r>
-            <a:endParaRPr b="0" lang="en-GB" sz="1800" spc="-1" strike="noStrike">
+            <a:endParaRPr lang="en-GB" sz="1800" b="0" strike="noStrike" spc="-1">
               <a:latin typeface="Arial"/>
             </a:endParaRPr>
           </a:p>
@@ -2694,22 +3193,22 @@
                 <a:spcPct val="100000"/>
               </a:lnSpc>
               <a:buClr>
-                <a:srgbClr val="ffffff"/>
+                <a:srgbClr val="FFFFFF"/>
               </a:buClr>
               <a:buFont typeface="Roboto"/>
               <a:buAutoNum type="arabicPeriod"/>
             </a:pPr>
             <a:r>
-              <a:rPr b="1" lang="en-GB" sz="1800" spc="-1" strike="noStrike">
-                <a:solidFill>
-                  <a:srgbClr val="ffffff"/>
+              <a:rPr lang="en-GB" sz="1800" b="1" strike="noStrike" spc="-1">
+                <a:solidFill>
+                  <a:srgbClr val="FFFFFF"/>
                 </a:solidFill>
                 <a:latin typeface="Roboto"/>
                 <a:ea typeface="Roboto"/>
               </a:rPr>
               <a:t>Upload this document with your edits as well</a:t>
             </a:r>
-            <a:endParaRPr b="0" lang="en-GB" sz="1800" spc="-1" strike="noStrike">
+            <a:endParaRPr lang="en-GB" sz="1800" b="0" strike="noStrike" spc="-1">
               <a:latin typeface="Arial"/>
             </a:endParaRPr>
           </a:p>
@@ -2719,22 +3218,22 @@
                 <a:spcPct val="100000"/>
               </a:lnSpc>
               <a:buClr>
-                <a:srgbClr val="ffffff"/>
+                <a:srgbClr val="FFFFFF"/>
               </a:buClr>
               <a:buFont typeface="Roboto"/>
               <a:buAutoNum type="arabicPeriod"/>
             </a:pPr>
             <a:r>
-              <a:rPr b="1" lang="en-GB" sz="1800" spc="-1" strike="noStrike">
-                <a:solidFill>
-                  <a:srgbClr val="ffffff"/>
+              <a:rPr lang="en-GB" sz="1800" b="1" strike="noStrike" spc="-1">
+                <a:solidFill>
+                  <a:srgbClr val="FFFFFF"/>
                 </a:solidFill>
                 <a:latin typeface="Roboto"/>
                 <a:ea typeface="Roboto"/>
               </a:rPr>
               <a:t>Don’t forget to also translate the email template with the contact text</a:t>
             </a:r>
-            <a:endParaRPr b="0" lang="en-GB" sz="1800" spc="-1" strike="noStrike">
+            <a:endParaRPr lang="en-GB" sz="1800" b="0" strike="noStrike" spc="-1">
               <a:latin typeface="Arial"/>
             </a:endParaRPr>
           </a:p>
@@ -2744,22 +3243,22 @@
                 <a:spcPct val="100000"/>
               </a:lnSpc>
               <a:buClr>
-                <a:srgbClr val="ffffff"/>
+                <a:srgbClr val="FFFFFF"/>
               </a:buClr>
               <a:buFont typeface="Roboto"/>
               <a:buAutoNum type="arabicPeriod"/>
             </a:pPr>
             <a:r>
-              <a:rPr b="1" lang="en-GB" sz="1800" spc="-1" strike="noStrike">
-                <a:solidFill>
-                  <a:srgbClr val="ffffff"/>
+              <a:rPr lang="en-GB" sz="1800" b="1" strike="noStrike" spc="-1">
+                <a:solidFill>
+                  <a:srgbClr val="FFFFFF"/>
                 </a:solidFill>
                 <a:latin typeface="Roboto"/>
                 <a:ea typeface="Roboto"/>
               </a:rPr>
               <a:t>Share far and wide!</a:t>
             </a:r>
-            <a:endParaRPr b="0" lang="en-GB" sz="1800" spc="-1" strike="noStrike">
+            <a:endParaRPr lang="en-GB" sz="1800" b="0" strike="noStrike" spc="-1">
               <a:latin typeface="Arial"/>
             </a:endParaRPr>
           </a:p>
@@ -2767,12 +3266,12 @@
       </p:sp>
       <p:pic>
         <p:nvPicPr>
-          <p:cNvPr id="46" name="Google Shape;74;p15" descr=""/>
+          <p:cNvPr id="46" name="Google Shape;74;p15"/>
           <p:cNvPicPr/>
           <p:nvPr/>
         </p:nvPicPr>
         <p:blipFill>
-          <a:blip r:embed="rId3"/>
+          <a:blip r:embed="rId4"/>
           <a:stretch/>
         </p:blipFill>
         <p:spPr>
@@ -2790,25 +3289,21 @@
       </p:pic>
     </p:spTree>
   </p:cSld>
-  <mc:AlternateContent>
-    <mc:Choice Requires="p14">
-      <p:transition spd="slow" p14:dur="2000"/>
-    </mc:Choice>
-    <mc:Fallback>
-      <p:transition spd="slow"/>
-    </mc:Fallback>
-  </mc:AlternateContent>
+  <p:clrMapOvr>
+    <a:masterClrMapping/>
+  </p:clrMapOvr>
 </p:sld>
 </file>
 
 <file path=ppt/slides/slide2.xml><?xml version="1.0" encoding="utf-8"?>
-<p:sld xmlns:a="http://schemas.openxmlformats.org/drawingml/2006/main" xmlns:p="http://schemas.openxmlformats.org/presentationml/2006/main" xmlns:r="http://schemas.openxmlformats.org/officeDocument/2006/relationships" xmlns:p14="http://schemas.microsoft.com/office/powerpoint/2010/main" xmlns:p15="http://schemas.microsoft.com/office/powerpoint/2012/main" xmlns:mc="http://schemas.openxmlformats.org/markup-compatibility/2006">
+<p:sld xmlns:a="http://schemas.openxmlformats.org/drawingml/2006/main" xmlns:r="http://schemas.openxmlformats.org/officeDocument/2006/relationships" xmlns:p="http://schemas.openxmlformats.org/presentationml/2006/main">
   <p:cSld>
     <p:bg>
       <p:bgPr>
         <a:solidFill>
-          <a:srgbClr val="cfe2f3"/>
+          <a:srgbClr val="CFE2F3"/>
         </a:solidFill>
+        <a:effectLst/>
       </p:bgPr>
     </p:bg>
     <p:spTree>
@@ -2827,53 +3322,7 @@
       </p:grpSpPr>
       <p:pic>
         <p:nvPicPr>
-          <p:cNvPr id="47" name="Google Shape;79;p16" descr=""/>
-          <p:cNvPicPr/>
-          <p:nvPr/>
-        </p:nvPicPr>
-        <p:blipFill>
-          <a:blip r:embed="rId1"/>
-          <a:stretch/>
-        </p:blipFill>
-        <p:spPr>
-          <a:xfrm>
-            <a:off x="5956200" y="180720"/>
-            <a:ext cx="1904760" cy="1676160"/>
-          </a:xfrm>
-          <a:prstGeom prst="rect">
-            <a:avLst/>
-          </a:prstGeom>
-          <a:ln>
-            <a:noFill/>
-          </a:ln>
-        </p:spPr>
-      </p:pic>
-      <p:pic>
-        <p:nvPicPr>
-          <p:cNvPr id="48" name="Google Shape;80;p16" descr=""/>
-          <p:cNvPicPr/>
-          <p:nvPr/>
-        </p:nvPicPr>
-        <p:blipFill>
-          <a:blip r:embed="rId2"/>
-          <a:stretch/>
-        </p:blipFill>
-        <p:spPr>
-          <a:xfrm>
-            <a:off x="7164720" y="1860480"/>
-            <a:ext cx="1904760" cy="1676160"/>
-          </a:xfrm>
-          <a:prstGeom prst="rect">
-            <a:avLst/>
-          </a:prstGeom>
-          <a:ln>
-            <a:noFill/>
-          </a:ln>
-        </p:spPr>
-      </p:pic>
-      <p:pic>
-        <p:nvPicPr>
-          <p:cNvPr id="49" name="Google Shape;81;p16" descr=""/>
+          <p:cNvPr id="47" name="Google Shape;79;p16"/>
           <p:cNvPicPr/>
           <p:nvPr/>
         </p:nvPicPr>
@@ -2883,6 +3332,52 @@
         </p:blipFill>
         <p:spPr>
           <a:xfrm>
+            <a:off x="5956200" y="180720"/>
+            <a:ext cx="1904760" cy="1676160"/>
+          </a:xfrm>
+          <a:prstGeom prst="rect">
+            <a:avLst/>
+          </a:prstGeom>
+          <a:ln>
+            <a:noFill/>
+          </a:ln>
+        </p:spPr>
+      </p:pic>
+      <p:pic>
+        <p:nvPicPr>
+          <p:cNvPr id="48" name="Google Shape;80;p16"/>
+          <p:cNvPicPr/>
+          <p:nvPr/>
+        </p:nvPicPr>
+        <p:blipFill>
+          <a:blip r:embed="rId4"/>
+          <a:stretch/>
+        </p:blipFill>
+        <p:spPr>
+          <a:xfrm>
+            <a:off x="7164720" y="1860480"/>
+            <a:ext cx="1904760" cy="1676160"/>
+          </a:xfrm>
+          <a:prstGeom prst="rect">
+            <a:avLst/>
+          </a:prstGeom>
+          <a:ln>
+            <a:noFill/>
+          </a:ln>
+        </p:spPr>
+      </p:pic>
+      <p:pic>
+        <p:nvPicPr>
+          <p:cNvPr id="49" name="Google Shape;81;p16"/>
+          <p:cNvPicPr/>
+          <p:nvPr/>
+        </p:nvPicPr>
+        <p:blipFill>
+          <a:blip r:embed="rId5"/>
+          <a:stretch/>
+        </p:blipFill>
+        <p:spPr>
+          <a:xfrm>
             <a:off x="5673240" y="3155760"/>
             <a:ext cx="1904760" cy="1676160"/>
           </a:xfrm>
@@ -2914,15 +3409,22 @@
           </a:ln>
         </p:spPr>
         <p:style>
-          <a:lnRef idx="0"/>
-          <a:fillRef idx="0"/>
-          <a:effectRef idx="0"/>
+          <a:lnRef idx="0">
+            <a:scrgbClr r="0" g="0" b="0"/>
+          </a:lnRef>
+          <a:fillRef idx="0">
+            <a:scrgbClr r="0" g="0" b="0"/>
+          </a:fillRef>
+          <a:effectRef idx="0">
+            <a:scrgbClr r="0" g="0" b="0"/>
+          </a:effectRef>
           <a:fontRef idx="minor"/>
         </p:style>
         <p:txBody>
           <a:bodyPr tIns="91440" bIns="91440">
             <a:spAutoFit/>
           </a:bodyPr>
+          <a:lstStyle/>
           <a:p>
             <a:pPr algn="ctr">
               <a:lnSpc>
@@ -2933,9 +3435,9 @@
               </a:spcBef>
             </a:pPr>
             <a:r>
-              <a:rPr b="1" lang="en-GB" sz="3000" spc="-1" strike="noStrike">
-                <a:solidFill>
-                  <a:srgbClr val="00517c"/>
+              <a:rPr lang="en-GB" sz="3000" b="1" strike="noStrike" spc="-1">
+                <a:solidFill>
+                  <a:srgbClr val="00517C"/>
                 </a:solidFill>
                 <a:latin typeface="Nunito"/>
                 <a:ea typeface="Nunito"/>
@@ -2943,28 +3445,28 @@
               <a:t>Meet </a:t>
             </a:r>
             <a:r>
-              <a:rPr b="1" lang="en-GB" sz="3000" spc="-1" strike="noStrike" u="sng">
-                <a:solidFill>
-                  <a:srgbClr val="8bc34a"/>
+              <a:rPr lang="en-GB" sz="3000" b="1" u="sng" strike="noStrike" spc="-1">
+                <a:solidFill>
+                  <a:srgbClr val="8BC34A"/>
                 </a:solidFill>
                 <a:uFillTx/>
                 <a:latin typeface="Nunito"/>
                 <a:ea typeface="Nunito"/>
-                <a:hlinkClick r:id="rId4"/>
+                <a:hlinkClick r:id="rId6"/>
               </a:rPr>
               <a:t>open-neuroscience.com</a:t>
             </a:r>
             <a:r>
-              <a:rPr b="1" lang="en-GB" sz="3000" spc="-1" strike="noStrike">
-                <a:solidFill>
-                  <a:srgbClr val="00517c"/>
+              <a:rPr lang="en-GB" sz="3000" b="1" strike="noStrike" spc="-1">
+                <a:solidFill>
+                  <a:srgbClr val="00517C"/>
                 </a:solidFill>
                 <a:latin typeface="Nunito"/>
                 <a:ea typeface="Nunito"/>
               </a:rPr>
               <a:t>, the user-driven database of open neuroscience projects.</a:t>
             </a:r>
-            <a:endParaRPr b="0" lang="en-GB" sz="3000" spc="-1" strike="noStrike">
+            <a:endParaRPr lang="en-GB" sz="3000" b="0" strike="noStrike" spc="-1">
               <a:latin typeface="Arial"/>
             </a:endParaRPr>
           </a:p>
@@ -2990,15 +3492,22 @@
           </a:ln>
         </p:spPr>
         <p:style>
-          <a:lnRef idx="0"/>
-          <a:fillRef idx="0"/>
-          <a:effectRef idx="0"/>
+          <a:lnRef idx="0">
+            <a:scrgbClr r="0" g="0" b="0"/>
+          </a:lnRef>
+          <a:fillRef idx="0">
+            <a:scrgbClr r="0" g="0" b="0"/>
+          </a:fillRef>
+          <a:effectRef idx="0">
+            <a:scrgbClr r="0" g="0" b="0"/>
+          </a:effectRef>
           <a:fontRef idx="minor"/>
         </p:style>
         <p:txBody>
           <a:bodyPr tIns="91440" bIns="91440">
             <a:spAutoFit/>
           </a:bodyPr>
+          <a:lstStyle/>
           <a:p>
             <a:pPr algn="ctr">
               <a:lnSpc>
@@ -3009,16 +3518,16 @@
               </a:spcBef>
             </a:pPr>
             <a:r>
-              <a:rPr b="1" i="1" lang="en-GB" sz="2000" spc="-1" strike="noStrike">
-                <a:solidFill>
-                  <a:srgbClr val="0277bd"/>
+              <a:rPr lang="en-GB" sz="2000" b="1" i="1" strike="noStrike" spc="-1">
+                <a:solidFill>
+                  <a:srgbClr val="0277BD"/>
                 </a:solidFill>
                 <a:latin typeface="Nunito"/>
                 <a:ea typeface="Nunito"/>
               </a:rPr>
               <a:t>Contribute</a:t>
             </a:r>
-            <a:endParaRPr b="0" lang="en-GB" sz="2000" spc="-1" strike="noStrike">
+            <a:endParaRPr lang="en-GB" sz="2000" b="0" strike="noStrike" spc="-1">
               <a:latin typeface="Arial"/>
             </a:endParaRPr>
           </a:p>
@@ -3044,15 +3553,22 @@
           </a:ln>
         </p:spPr>
         <p:style>
-          <a:lnRef idx="0"/>
-          <a:fillRef idx="0"/>
-          <a:effectRef idx="0"/>
+          <a:lnRef idx="0">
+            <a:scrgbClr r="0" g="0" b="0"/>
+          </a:lnRef>
+          <a:fillRef idx="0">
+            <a:scrgbClr r="0" g="0" b="0"/>
+          </a:fillRef>
+          <a:effectRef idx="0">
+            <a:scrgbClr r="0" g="0" b="0"/>
+          </a:effectRef>
           <a:fontRef idx="minor"/>
         </p:style>
         <p:txBody>
           <a:bodyPr tIns="91440" bIns="91440">
             <a:spAutoFit/>
           </a:bodyPr>
+          <a:lstStyle/>
           <a:p>
             <a:pPr algn="ctr">
               <a:lnSpc>
@@ -3063,16 +3579,16 @@
               </a:spcBef>
             </a:pPr>
             <a:r>
-              <a:rPr b="1" i="1" lang="en-GB" sz="2000" spc="-1" strike="noStrike">
-                <a:solidFill>
-                  <a:srgbClr val="0277bd"/>
+              <a:rPr lang="en-GB" sz="2000" b="1" i="1" strike="noStrike" spc="-1">
+                <a:solidFill>
+                  <a:srgbClr val="0277BD"/>
                 </a:solidFill>
                 <a:latin typeface="Nunito"/>
                 <a:ea typeface="Nunito"/>
               </a:rPr>
               <a:t>Explore</a:t>
             </a:r>
-            <a:endParaRPr b="0" lang="en-GB" sz="2000" spc="-1" strike="noStrike">
+            <a:endParaRPr lang="en-GB" sz="2000" b="0" strike="noStrike" spc="-1">
               <a:latin typeface="Arial"/>
             </a:endParaRPr>
           </a:p>
@@ -3098,15 +3614,22 @@
           </a:ln>
         </p:spPr>
         <p:style>
-          <a:lnRef idx="0"/>
-          <a:fillRef idx="0"/>
-          <a:effectRef idx="0"/>
+          <a:lnRef idx="0">
+            <a:scrgbClr r="0" g="0" b="0"/>
+          </a:lnRef>
+          <a:fillRef idx="0">
+            <a:scrgbClr r="0" g="0" b="0"/>
+          </a:fillRef>
+          <a:effectRef idx="0">
+            <a:scrgbClr r="0" g="0" b="0"/>
+          </a:effectRef>
           <a:fontRef idx="minor"/>
         </p:style>
         <p:txBody>
           <a:bodyPr tIns="91440" bIns="91440">
             <a:spAutoFit/>
           </a:bodyPr>
+          <a:lstStyle/>
           <a:p>
             <a:pPr algn="ctr">
               <a:lnSpc>
@@ -3117,16 +3640,16 @@
               </a:spcBef>
             </a:pPr>
             <a:r>
-              <a:rPr b="1" i="1" lang="en-GB" sz="2000" spc="-1" strike="noStrike">
-                <a:solidFill>
-                  <a:srgbClr val="0277bd"/>
+              <a:rPr lang="en-GB" sz="2000" b="1" i="1" strike="noStrike" spc="-1">
+                <a:solidFill>
+                  <a:srgbClr val="0277BD"/>
                 </a:solidFill>
                 <a:latin typeface="Nunito"/>
                 <a:ea typeface="Nunito"/>
               </a:rPr>
               <a:t>Promote</a:t>
             </a:r>
-            <a:endParaRPr b="0" lang="en-GB" sz="2000" spc="-1" strike="noStrike">
+            <a:endParaRPr lang="en-GB" sz="2000" b="0" strike="noStrike" spc="-1">
               <a:latin typeface="Arial"/>
             </a:endParaRPr>
           </a:p>
@@ -3152,15 +3675,22 @@
           </a:ln>
         </p:spPr>
         <p:style>
-          <a:lnRef idx="0"/>
-          <a:fillRef idx="0"/>
-          <a:effectRef idx="0"/>
+          <a:lnRef idx="0">
+            <a:scrgbClr r="0" g="0" b="0"/>
+          </a:lnRef>
+          <a:fillRef idx="0">
+            <a:scrgbClr r="0" g="0" b="0"/>
+          </a:fillRef>
+          <a:effectRef idx="0">
+            <a:scrgbClr r="0" g="0" b="0"/>
+          </a:effectRef>
           <a:fontRef idx="minor"/>
         </p:style>
         <p:txBody>
           <a:bodyPr tIns="91440" bIns="91440">
             <a:noAutofit/>
           </a:bodyPr>
+          <a:lstStyle/>
           <a:p>
             <a:pPr>
               <a:lnSpc>
@@ -3168,16 +3698,16 @@
               </a:lnSpc>
             </a:pPr>
             <a:r>
-              <a:rPr b="1" lang="en-GB" sz="2000" spc="-1" strike="noStrike">
-                <a:solidFill>
-                  <a:srgbClr val="0277bd"/>
+              <a:rPr lang="en-GB" sz="2000" b="1" strike="noStrike" spc="-1">
+                <a:solidFill>
+                  <a:srgbClr val="0277BD"/>
                 </a:solidFill>
                 <a:latin typeface="Montserrat"/>
                 <a:ea typeface="Montserrat"/>
               </a:rPr>
               <a:t>Upload a project:</a:t>
             </a:r>
-            <a:endParaRPr b="0" lang="en-GB" sz="2000" spc="-1" strike="noStrike">
+            <a:endParaRPr lang="en-GB" sz="2000" b="0" strike="noStrike" spc="-1">
               <a:latin typeface="Arial"/>
             </a:endParaRPr>
           </a:p>
@@ -3191,18 +3721,18 @@
               </a:spcBef>
             </a:pPr>
             <a:r>
-              <a:rPr b="1" lang="en-GB" sz="2000" spc="-1" strike="noStrike" u="sng">
-                <a:solidFill>
-                  <a:srgbClr val="8bc34a"/>
+              <a:rPr lang="en-GB" sz="2000" b="1" u="sng" strike="noStrike" spc="-1">
+                <a:solidFill>
+                  <a:srgbClr val="8BC34A"/>
                 </a:solidFill>
                 <a:uFillTx/>
                 <a:latin typeface="Montserrat"/>
                 <a:ea typeface="Montserrat"/>
-                <a:hlinkClick r:id="rId5"/>
+                <a:hlinkClick r:id="rId7"/>
               </a:rPr>
               <a:t>bit.ly/uploadON</a:t>
             </a:r>
-            <a:endParaRPr b="0" lang="en-GB" sz="2000" spc="-1" strike="noStrike">
+            <a:endParaRPr lang="en-GB" sz="2000" b="0" strike="noStrike" spc="-1">
               <a:latin typeface="Arial"/>
             </a:endParaRPr>
           </a:p>
@@ -3216,16 +3746,16 @@
               </a:spcBef>
             </a:pPr>
             <a:r>
-              <a:rPr b="1" lang="en-GB" sz="2000" spc="-1" strike="noStrike">
-                <a:solidFill>
-                  <a:srgbClr val="0277bd"/>
+              <a:rPr lang="en-GB" sz="2000" b="1" strike="noStrike" spc="-1">
+                <a:solidFill>
+                  <a:srgbClr val="0277BD"/>
                 </a:solidFill>
                 <a:latin typeface="Montserrat"/>
                 <a:ea typeface="Montserrat"/>
               </a:rPr>
               <a:t>Collaborate:</a:t>
             </a:r>
-            <a:endParaRPr b="0" lang="en-GB" sz="2000" spc="-1" strike="noStrike">
+            <a:endParaRPr lang="en-GB" sz="2000" b="0" strike="noStrike" spc="-1">
               <a:latin typeface="Arial"/>
             </a:endParaRPr>
           </a:p>
@@ -3239,18 +3769,18 @@
               </a:spcBef>
             </a:pPr>
             <a:r>
-              <a:rPr b="1" lang="en-GB" sz="2000" spc="-1" strike="noStrike" u="sng">
-                <a:solidFill>
-                  <a:srgbClr val="8bc34a"/>
+              <a:rPr lang="en-GB" sz="2000" b="1" u="sng" strike="noStrike" spc="-1">
+                <a:solidFill>
+                  <a:srgbClr val="8BC34A"/>
                 </a:solidFill>
                 <a:uFillTx/>
                 <a:latin typeface="Montserrat"/>
                 <a:ea typeface="Montserrat"/>
-                <a:hlinkClick r:id="rId6"/>
+                <a:hlinkClick r:id="rId8"/>
               </a:rPr>
               <a:t>github.com/open-neuroscience</a:t>
             </a:r>
-            <a:endParaRPr b="0" lang="en-GB" sz="2000" spc="-1" strike="noStrike">
+            <a:endParaRPr lang="en-GB" sz="2000" b="0" strike="noStrike" spc="-1">
               <a:latin typeface="Arial"/>
             </a:endParaRPr>
           </a:p>
@@ -3264,16 +3794,16 @@
               </a:spcBef>
             </a:pPr>
             <a:r>
-              <a:rPr b="1" lang="en-GB" sz="2000" spc="-1" strike="noStrike">
-                <a:solidFill>
-                  <a:srgbClr val="0277bd"/>
+              <a:rPr lang="en-GB" sz="2000" b="1" strike="noStrike" spc="-1">
+                <a:solidFill>
+                  <a:srgbClr val="0277BD"/>
                 </a:solidFill>
                 <a:latin typeface="Montserrat"/>
                 <a:ea typeface="Montserrat"/>
               </a:rPr>
               <a:t>Spread the word! Follow us!</a:t>
             </a:r>
-            <a:endParaRPr b="0" lang="en-GB" sz="2000" spc="-1" strike="noStrike">
+            <a:endParaRPr lang="en-GB" sz="2000" b="0" strike="noStrike" spc="-1">
               <a:latin typeface="Arial"/>
             </a:endParaRPr>
           </a:p>
@@ -3287,18 +3817,18 @@
               </a:spcBef>
             </a:pPr>
             <a:r>
-              <a:rPr b="1" lang="en-GB" sz="2000" spc="-1" strike="noStrike" u="sng">
-                <a:solidFill>
-                  <a:srgbClr val="8bc34a"/>
+              <a:rPr lang="en-GB" sz="2000" b="1" u="sng" strike="noStrike" spc="-1">
+                <a:solidFill>
+                  <a:srgbClr val="8BC34A"/>
                 </a:solidFill>
                 <a:uFillTx/>
                 <a:latin typeface="Montserrat"/>
                 <a:ea typeface="Montserrat"/>
-                <a:hlinkClick r:id="rId7"/>
+                <a:hlinkClick r:id="rId9"/>
               </a:rPr>
               <a:t>@openneurosci</a:t>
             </a:r>
-            <a:endParaRPr b="0" lang="en-GB" sz="2000" spc="-1" strike="noStrike">
+            <a:endParaRPr lang="en-GB" sz="2000" b="0" strike="noStrike" spc="-1">
               <a:latin typeface="Arial"/>
             </a:endParaRPr>
           </a:p>
@@ -3306,12 +3836,12 @@
       </p:sp>
       <p:pic>
         <p:nvPicPr>
-          <p:cNvPr id="55" name="Google Shape;87;p16" descr=""/>
+          <p:cNvPr id="55" name="Google Shape;87;p16"/>
           <p:cNvPicPr/>
           <p:nvPr/>
         </p:nvPicPr>
         <p:blipFill>
-          <a:blip r:embed="rId8">
+          <a:blip r:embed="rId10">
             <a:alphaModFix amt="50000"/>
           </a:blip>
           <a:stretch/>
@@ -3331,25 +3861,21 @@
       </p:pic>
     </p:spTree>
   </p:cSld>
-  <mc:AlternateContent>
-    <mc:Choice Requires="p14">
-      <p:transition spd="slow" p14:dur="2000"/>
-    </mc:Choice>
-    <mc:Fallback>
-      <p:transition spd="slow"/>
-    </mc:Fallback>
-  </mc:AlternateContent>
+  <p:clrMapOvr>
+    <a:masterClrMapping/>
+  </p:clrMapOvr>
 </p:sld>
 </file>
 
 <file path=ppt/slides/slide3.xml><?xml version="1.0" encoding="utf-8"?>
-<p:sld xmlns:a="http://schemas.openxmlformats.org/drawingml/2006/main" xmlns:p="http://schemas.openxmlformats.org/presentationml/2006/main" xmlns:r="http://schemas.openxmlformats.org/officeDocument/2006/relationships" xmlns:p14="http://schemas.microsoft.com/office/powerpoint/2010/main" xmlns:p15="http://schemas.microsoft.com/office/powerpoint/2012/main" xmlns:mc="http://schemas.openxmlformats.org/markup-compatibility/2006">
+<p:sld xmlns:a="http://schemas.openxmlformats.org/drawingml/2006/main" xmlns:r="http://schemas.openxmlformats.org/officeDocument/2006/relationships" xmlns:p="http://schemas.openxmlformats.org/presentationml/2006/main">
   <p:cSld>
     <p:bg>
       <p:bgPr>
         <a:solidFill>
-          <a:srgbClr val="cfe2f3"/>
+          <a:srgbClr val="CFE2F3"/>
         </a:solidFill>
+        <a:effectLst/>
       </p:bgPr>
     </p:bg>
     <p:spTree>
@@ -3368,53 +3894,7 @@
       </p:grpSpPr>
       <p:pic>
         <p:nvPicPr>
-          <p:cNvPr id="56" name="Google Shape;92;p17" descr=""/>
-          <p:cNvPicPr/>
-          <p:nvPr/>
-        </p:nvPicPr>
-        <p:blipFill>
-          <a:blip r:embed="rId1"/>
-          <a:stretch/>
-        </p:blipFill>
-        <p:spPr>
-          <a:xfrm>
-            <a:off x="5956200" y="180720"/>
-            <a:ext cx="1904760" cy="1676160"/>
-          </a:xfrm>
-          <a:prstGeom prst="rect">
-            <a:avLst/>
-          </a:prstGeom>
-          <a:ln>
-            <a:noFill/>
-          </a:ln>
-        </p:spPr>
-      </p:pic>
-      <p:pic>
-        <p:nvPicPr>
-          <p:cNvPr id="57" name="Google Shape;93;p17" descr=""/>
-          <p:cNvPicPr/>
-          <p:nvPr/>
-        </p:nvPicPr>
-        <p:blipFill>
-          <a:blip r:embed="rId2"/>
-          <a:stretch/>
-        </p:blipFill>
-        <p:spPr>
-          <a:xfrm>
-            <a:off x="7164720" y="1860480"/>
-            <a:ext cx="1904760" cy="1676160"/>
-          </a:xfrm>
-          <a:prstGeom prst="rect">
-            <a:avLst/>
-          </a:prstGeom>
-          <a:ln>
-            <a:noFill/>
-          </a:ln>
-        </p:spPr>
-      </p:pic>
-      <p:pic>
-        <p:nvPicPr>
-          <p:cNvPr id="58" name="Google Shape;94;p17" descr=""/>
+          <p:cNvPr id="56" name="Google Shape;92;p17"/>
           <p:cNvPicPr/>
           <p:nvPr/>
         </p:nvPicPr>
@@ -3424,6 +3904,52 @@
         </p:blipFill>
         <p:spPr>
           <a:xfrm>
+            <a:off x="5956200" y="180720"/>
+            <a:ext cx="1904760" cy="1676160"/>
+          </a:xfrm>
+          <a:prstGeom prst="rect">
+            <a:avLst/>
+          </a:prstGeom>
+          <a:ln>
+            <a:noFill/>
+          </a:ln>
+        </p:spPr>
+      </p:pic>
+      <p:pic>
+        <p:nvPicPr>
+          <p:cNvPr id="57" name="Google Shape;93;p17"/>
+          <p:cNvPicPr/>
+          <p:nvPr/>
+        </p:nvPicPr>
+        <p:blipFill>
+          <a:blip r:embed="rId4"/>
+          <a:stretch/>
+        </p:blipFill>
+        <p:spPr>
+          <a:xfrm>
+            <a:off x="7164720" y="1860480"/>
+            <a:ext cx="1904760" cy="1676160"/>
+          </a:xfrm>
+          <a:prstGeom prst="rect">
+            <a:avLst/>
+          </a:prstGeom>
+          <a:ln>
+            <a:noFill/>
+          </a:ln>
+        </p:spPr>
+      </p:pic>
+      <p:pic>
+        <p:nvPicPr>
+          <p:cNvPr id="58" name="Google Shape;94;p17"/>
+          <p:cNvPicPr/>
+          <p:nvPr/>
+        </p:nvPicPr>
+        <p:blipFill>
+          <a:blip r:embed="rId5"/>
+          <a:stretch/>
+        </p:blipFill>
+        <p:spPr>
+          <a:xfrm>
             <a:off x="5673240" y="3155760"/>
             <a:ext cx="1904760" cy="1676160"/>
           </a:xfrm>
@@ -3455,15 +3981,22 @@
           </a:ln>
         </p:spPr>
         <p:style>
-          <a:lnRef idx="0"/>
-          <a:fillRef idx="0"/>
-          <a:effectRef idx="0"/>
+          <a:lnRef idx="0">
+            <a:scrgbClr r="0" g="0" b="0"/>
+          </a:lnRef>
+          <a:fillRef idx="0">
+            <a:scrgbClr r="0" g="0" b="0"/>
+          </a:fillRef>
+          <a:effectRef idx="0">
+            <a:scrgbClr r="0" g="0" b="0"/>
+          </a:effectRef>
           <a:fontRef idx="minor"/>
         </p:style>
         <p:txBody>
           <a:bodyPr tIns="91440" bIns="91440">
             <a:noAutofit/>
           </a:bodyPr>
+          <a:lstStyle/>
           <a:p>
             <a:pPr algn="ctr">
               <a:lnSpc>
@@ -3474,9 +4007,9 @@
               </a:spcBef>
             </a:pPr>
             <a:r>
-              <a:rPr b="1" lang="en-GB" sz="2800" spc="-1" strike="noStrike">
-                <a:solidFill>
-                  <a:srgbClr val="00517c"/>
+              <a:rPr lang="en-GB" sz="2800" b="1" strike="noStrike" spc="-1">
+                <a:solidFill>
+                  <a:srgbClr val="00517C"/>
                 </a:solidFill>
                 <a:latin typeface="Nunito"/>
                 <a:ea typeface="Nunito"/>
@@ -3484,28 +4017,28 @@
               <a:t>Conoce </a:t>
             </a:r>
             <a:r>
-              <a:rPr b="1" lang="en-GB" sz="2800" spc="-1" strike="noStrike" u="sng">
-                <a:solidFill>
-                  <a:srgbClr val="8bc34a"/>
+              <a:rPr lang="en-GB" sz="2800" b="1" u="sng" strike="noStrike" spc="-1">
+                <a:solidFill>
+                  <a:srgbClr val="8BC34A"/>
                 </a:solidFill>
                 <a:uFillTx/>
                 <a:latin typeface="Nunito"/>
                 <a:ea typeface="Nunito"/>
-                <a:hlinkClick r:id="rId4"/>
+                <a:hlinkClick r:id="rId6"/>
               </a:rPr>
               <a:t>open-neuroscience.com</a:t>
             </a:r>
             <a:r>
-              <a:rPr b="1" lang="en-GB" sz="2800" spc="-1" strike="noStrike">
-                <a:solidFill>
-                  <a:srgbClr val="00517c"/>
+              <a:rPr lang="en-GB" sz="2800" b="1" strike="noStrike" spc="-1">
+                <a:solidFill>
+                  <a:srgbClr val="00517C"/>
                 </a:solidFill>
                 <a:latin typeface="Nunito"/>
                 <a:ea typeface="Nunito"/>
               </a:rPr>
               <a:t>, la base de datos de proyectos abiertos de neurociencias impulsada por usuarios.</a:t>
             </a:r>
-            <a:endParaRPr b="0" lang="en-GB" sz="2800" spc="-1" strike="noStrike">
+            <a:endParaRPr lang="en-GB" sz="2800" b="0" strike="noStrike" spc="-1">
               <a:latin typeface="Arial"/>
             </a:endParaRPr>
           </a:p>
@@ -3531,15 +4064,22 @@
           </a:ln>
         </p:spPr>
         <p:style>
-          <a:lnRef idx="0"/>
-          <a:fillRef idx="0"/>
-          <a:effectRef idx="0"/>
+          <a:lnRef idx="0">
+            <a:scrgbClr r="0" g="0" b="0"/>
+          </a:lnRef>
+          <a:fillRef idx="0">
+            <a:scrgbClr r="0" g="0" b="0"/>
+          </a:fillRef>
+          <a:effectRef idx="0">
+            <a:scrgbClr r="0" g="0" b="0"/>
+          </a:effectRef>
           <a:fontRef idx="minor"/>
         </p:style>
         <p:txBody>
           <a:bodyPr tIns="91440" bIns="91440">
             <a:spAutoFit/>
           </a:bodyPr>
+          <a:lstStyle/>
           <a:p>
             <a:pPr algn="ctr">
               <a:lnSpc>
@@ -3550,16 +4090,16 @@
               </a:spcBef>
             </a:pPr>
             <a:r>
-              <a:rPr b="1" i="1" lang="en-GB" sz="2000" spc="-1" strike="noStrike">
-                <a:solidFill>
-                  <a:srgbClr val="0277bd"/>
+              <a:rPr lang="en-GB" sz="2000" b="1" i="1" strike="noStrike" spc="-1">
+                <a:solidFill>
+                  <a:srgbClr val="0277BD"/>
                 </a:solidFill>
                 <a:latin typeface="Nunito"/>
                 <a:ea typeface="Nunito"/>
               </a:rPr>
               <a:t>Contribuye</a:t>
             </a:r>
-            <a:endParaRPr b="0" lang="en-GB" sz="2000" spc="-1" strike="noStrike">
+            <a:endParaRPr lang="en-GB" sz="2000" b="0" strike="noStrike" spc="-1">
               <a:latin typeface="Arial"/>
             </a:endParaRPr>
           </a:p>
@@ -3585,15 +4125,22 @@
           </a:ln>
         </p:spPr>
         <p:style>
-          <a:lnRef idx="0"/>
-          <a:fillRef idx="0"/>
-          <a:effectRef idx="0"/>
+          <a:lnRef idx="0">
+            <a:scrgbClr r="0" g="0" b="0"/>
+          </a:lnRef>
+          <a:fillRef idx="0">
+            <a:scrgbClr r="0" g="0" b="0"/>
+          </a:fillRef>
+          <a:effectRef idx="0">
+            <a:scrgbClr r="0" g="0" b="0"/>
+          </a:effectRef>
           <a:fontRef idx="minor"/>
         </p:style>
         <p:txBody>
           <a:bodyPr tIns="91440" bIns="91440">
             <a:spAutoFit/>
           </a:bodyPr>
+          <a:lstStyle/>
           <a:p>
             <a:pPr algn="r">
               <a:lnSpc>
@@ -3604,16 +4151,16 @@
               </a:spcBef>
             </a:pPr>
             <a:r>
-              <a:rPr b="1" i="1" lang="en-GB" sz="2000" spc="-1" strike="noStrike">
-                <a:solidFill>
-                  <a:srgbClr val="0277bd"/>
+              <a:rPr lang="en-GB" sz="2000" b="1" i="1" strike="noStrike" spc="-1">
+                <a:solidFill>
+                  <a:srgbClr val="0277BD"/>
                 </a:solidFill>
                 <a:latin typeface="Nunito"/>
                 <a:ea typeface="Nunito"/>
               </a:rPr>
               <a:t>Explora</a:t>
             </a:r>
-            <a:endParaRPr b="0" lang="en-GB" sz="2000" spc="-1" strike="noStrike">
+            <a:endParaRPr lang="en-GB" sz="2000" b="0" strike="noStrike" spc="-1">
               <a:latin typeface="Arial"/>
             </a:endParaRPr>
           </a:p>
@@ -3639,15 +4186,22 @@
           </a:ln>
         </p:spPr>
         <p:style>
-          <a:lnRef idx="0"/>
-          <a:fillRef idx="0"/>
-          <a:effectRef idx="0"/>
+          <a:lnRef idx="0">
+            <a:scrgbClr r="0" g="0" b="0"/>
+          </a:lnRef>
+          <a:fillRef idx="0">
+            <a:scrgbClr r="0" g="0" b="0"/>
+          </a:fillRef>
+          <a:effectRef idx="0">
+            <a:scrgbClr r="0" g="0" b="0"/>
+          </a:effectRef>
           <a:fontRef idx="minor"/>
         </p:style>
         <p:txBody>
           <a:bodyPr tIns="91440" bIns="91440">
             <a:spAutoFit/>
           </a:bodyPr>
+          <a:lstStyle/>
           <a:p>
             <a:pPr algn="ctr">
               <a:lnSpc>
@@ -3658,16 +4212,16 @@
               </a:spcBef>
             </a:pPr>
             <a:r>
-              <a:rPr b="1" i="1" lang="en-GB" sz="2000" spc="-1" strike="noStrike">
-                <a:solidFill>
-                  <a:srgbClr val="0277bd"/>
+              <a:rPr lang="en-GB" sz="2000" b="1" i="1" strike="noStrike" spc="-1">
+                <a:solidFill>
+                  <a:srgbClr val="0277BD"/>
                 </a:solidFill>
                 <a:latin typeface="Nunito"/>
                 <a:ea typeface="Nunito"/>
               </a:rPr>
               <a:t>Promueve</a:t>
             </a:r>
-            <a:endParaRPr b="0" lang="en-GB" sz="2000" spc="-1" strike="noStrike">
+            <a:endParaRPr lang="en-GB" sz="2000" b="0" strike="noStrike" spc="-1">
               <a:latin typeface="Arial"/>
             </a:endParaRPr>
           </a:p>
@@ -3693,15 +4247,22 @@
           </a:ln>
         </p:spPr>
         <p:style>
-          <a:lnRef idx="0"/>
-          <a:fillRef idx="0"/>
-          <a:effectRef idx="0"/>
+          <a:lnRef idx="0">
+            <a:scrgbClr r="0" g="0" b="0"/>
+          </a:lnRef>
+          <a:fillRef idx="0">
+            <a:scrgbClr r="0" g="0" b="0"/>
+          </a:fillRef>
+          <a:effectRef idx="0">
+            <a:scrgbClr r="0" g="0" b="0"/>
+          </a:effectRef>
           <a:fontRef idx="minor"/>
         </p:style>
         <p:txBody>
           <a:bodyPr tIns="91440" bIns="91440">
             <a:noAutofit/>
           </a:bodyPr>
+          <a:lstStyle/>
           <a:p>
             <a:pPr>
               <a:lnSpc>
@@ -3709,16 +4270,16 @@
               </a:lnSpc>
             </a:pPr>
             <a:r>
-              <a:rPr b="1" lang="en-GB" sz="2000" spc="-1" strike="noStrike">
-                <a:solidFill>
-                  <a:srgbClr val="0277bd"/>
+              <a:rPr lang="en-GB" sz="2000" b="1" strike="noStrike" spc="-1">
+                <a:solidFill>
+                  <a:srgbClr val="0277BD"/>
                 </a:solidFill>
                 <a:latin typeface="Montserrat"/>
                 <a:ea typeface="Montserrat"/>
               </a:rPr>
               <a:t>Sube un proyecto:</a:t>
             </a:r>
-            <a:endParaRPr b="0" lang="en-GB" sz="2000" spc="-1" strike="noStrike">
+            <a:endParaRPr lang="en-GB" sz="2000" b="0" strike="noStrike" spc="-1">
               <a:latin typeface="Arial"/>
             </a:endParaRPr>
           </a:p>
@@ -3732,18 +4293,18 @@
               </a:spcBef>
             </a:pPr>
             <a:r>
-              <a:rPr b="1" lang="en-GB" sz="2000" spc="-1" strike="noStrike" u="sng">
-                <a:solidFill>
-                  <a:srgbClr val="8bc34a"/>
+              <a:rPr lang="en-GB" sz="2000" b="1" u="sng" strike="noStrike" spc="-1">
+                <a:solidFill>
+                  <a:srgbClr val="8BC34A"/>
                 </a:solidFill>
                 <a:uFillTx/>
                 <a:latin typeface="Montserrat"/>
                 <a:ea typeface="Montserrat"/>
-                <a:hlinkClick r:id="rId5"/>
+                <a:hlinkClick r:id="rId7"/>
               </a:rPr>
               <a:t>bit.ly/uploadON</a:t>
             </a:r>
-            <a:endParaRPr b="0" lang="en-GB" sz="2000" spc="-1" strike="noStrike">
+            <a:endParaRPr lang="en-GB" sz="2000" b="0" strike="noStrike" spc="-1">
               <a:latin typeface="Arial"/>
             </a:endParaRPr>
           </a:p>
@@ -3757,16 +4318,16 @@
               </a:spcBef>
             </a:pPr>
             <a:r>
-              <a:rPr b="1" lang="en-GB" sz="2000" spc="-1" strike="noStrike">
-                <a:solidFill>
-                  <a:srgbClr val="0277bd"/>
+              <a:rPr lang="en-GB" sz="2000" b="1" strike="noStrike" spc="-1">
+                <a:solidFill>
+                  <a:srgbClr val="0277BD"/>
                 </a:solidFill>
                 <a:latin typeface="Montserrat"/>
                 <a:ea typeface="Montserrat"/>
               </a:rPr>
               <a:t>Colabora:</a:t>
             </a:r>
-            <a:endParaRPr b="0" lang="en-GB" sz="2000" spc="-1" strike="noStrike">
+            <a:endParaRPr lang="en-GB" sz="2000" b="0" strike="noStrike" spc="-1">
               <a:latin typeface="Arial"/>
             </a:endParaRPr>
           </a:p>
@@ -3780,18 +4341,18 @@
               </a:spcBef>
             </a:pPr>
             <a:r>
-              <a:rPr b="1" lang="en-GB" sz="2000" spc="-1" strike="noStrike" u="sng">
-                <a:solidFill>
-                  <a:srgbClr val="8bc34a"/>
+              <a:rPr lang="en-GB" sz="2000" b="1" u="sng" strike="noStrike" spc="-1">
+                <a:solidFill>
+                  <a:srgbClr val="8BC34A"/>
                 </a:solidFill>
                 <a:uFillTx/>
                 <a:latin typeface="Montserrat"/>
                 <a:ea typeface="Montserrat"/>
-                <a:hlinkClick r:id="rId6"/>
+                <a:hlinkClick r:id="rId8"/>
               </a:rPr>
               <a:t>github.com/open-neuroscience</a:t>
             </a:r>
-            <a:endParaRPr b="0" lang="en-GB" sz="2000" spc="-1" strike="noStrike">
+            <a:endParaRPr lang="en-GB" sz="2000" b="0" strike="noStrike" spc="-1">
               <a:latin typeface="Arial"/>
             </a:endParaRPr>
           </a:p>
@@ -3805,16 +4366,16 @@
               </a:spcBef>
             </a:pPr>
             <a:r>
-              <a:rPr b="1" lang="en-GB" sz="2000" spc="-1" strike="noStrike">
-                <a:solidFill>
-                  <a:srgbClr val="0277bd"/>
+              <a:rPr lang="en-GB" sz="2000" b="1" strike="noStrike" spc="-1">
+                <a:solidFill>
+                  <a:srgbClr val="0277BD"/>
                 </a:solidFill>
                 <a:latin typeface="Montserrat"/>
                 <a:ea typeface="Montserrat"/>
               </a:rPr>
               <a:t>¡Corre la voz! ¡Síguenos!</a:t>
             </a:r>
-            <a:endParaRPr b="0" lang="en-GB" sz="2000" spc="-1" strike="noStrike">
+            <a:endParaRPr lang="en-GB" sz="2000" b="0" strike="noStrike" spc="-1">
               <a:latin typeface="Arial"/>
             </a:endParaRPr>
           </a:p>
@@ -3828,18 +4389,18 @@
               </a:spcBef>
             </a:pPr>
             <a:r>
-              <a:rPr b="1" lang="en-GB" sz="2000" spc="-1" strike="noStrike" u="sng">
-                <a:solidFill>
-                  <a:srgbClr val="8bc34a"/>
+              <a:rPr lang="en-GB" sz="2000" b="1" u="sng" strike="noStrike" spc="-1">
+                <a:solidFill>
+                  <a:srgbClr val="8BC34A"/>
                 </a:solidFill>
                 <a:uFillTx/>
                 <a:latin typeface="Montserrat"/>
                 <a:ea typeface="Montserrat"/>
-                <a:hlinkClick r:id="rId7"/>
+                <a:hlinkClick r:id="rId9"/>
               </a:rPr>
               <a:t>@openneurosci</a:t>
             </a:r>
-            <a:endParaRPr b="0" lang="en-GB" sz="2000" spc="-1" strike="noStrike">
+            <a:endParaRPr lang="en-GB" sz="2000" b="0" strike="noStrike" spc="-1">
               <a:latin typeface="Arial"/>
             </a:endParaRPr>
           </a:p>
@@ -3847,12 +4408,12 @@
       </p:sp>
       <p:pic>
         <p:nvPicPr>
-          <p:cNvPr id="64" name="Google Shape;100;p17" descr=""/>
+          <p:cNvPr id="64" name="Google Shape;100;p17"/>
           <p:cNvPicPr/>
           <p:nvPr/>
         </p:nvPicPr>
         <p:blipFill>
-          <a:blip r:embed="rId8">
+          <a:blip r:embed="rId10">
             <a:alphaModFix amt="50000"/>
           </a:blip>
           <a:stretch/>
@@ -3872,25 +4433,21 @@
       </p:pic>
     </p:spTree>
   </p:cSld>
-  <mc:AlternateContent>
-    <mc:Choice Requires="p14">
-      <p:transition spd="slow" p14:dur="2000"/>
-    </mc:Choice>
-    <mc:Fallback>
-      <p:transition spd="slow"/>
-    </mc:Fallback>
-  </mc:AlternateContent>
+  <p:clrMapOvr>
+    <a:masterClrMapping/>
+  </p:clrMapOvr>
 </p:sld>
 </file>
 
 <file path=ppt/slides/slide4.xml><?xml version="1.0" encoding="utf-8"?>
-<p:sld xmlns:a="http://schemas.openxmlformats.org/drawingml/2006/main" xmlns:p="http://schemas.openxmlformats.org/presentationml/2006/main" xmlns:r="http://schemas.openxmlformats.org/officeDocument/2006/relationships" xmlns:p14="http://schemas.microsoft.com/office/powerpoint/2010/main" xmlns:p15="http://schemas.microsoft.com/office/powerpoint/2012/main" xmlns:mc="http://schemas.openxmlformats.org/markup-compatibility/2006">
+<p:sld xmlns:a="http://schemas.openxmlformats.org/drawingml/2006/main" xmlns:r="http://schemas.openxmlformats.org/officeDocument/2006/relationships" xmlns:p="http://schemas.openxmlformats.org/presentationml/2006/main">
   <p:cSld>
     <p:bg>
       <p:bgPr>
         <a:solidFill>
-          <a:srgbClr val="cfe2f3"/>
+          <a:srgbClr val="CFE2F3"/>
         </a:solidFill>
+        <a:effectLst/>
       </p:bgPr>
     </p:bg>
     <p:spTree>
@@ -3927,15 +4484,22 @@
           </a:ln>
         </p:spPr>
         <p:style>
-          <a:lnRef idx="0"/>
-          <a:fillRef idx="0"/>
-          <a:effectRef idx="0"/>
+          <a:lnRef idx="0">
+            <a:scrgbClr r="0" g="0" b="0"/>
+          </a:lnRef>
+          <a:fillRef idx="0">
+            <a:scrgbClr r="0" g="0" b="0"/>
+          </a:fillRef>
+          <a:effectRef idx="0">
+            <a:scrgbClr r="0" g="0" b="0"/>
+          </a:effectRef>
           <a:fontRef idx="minor"/>
         </p:style>
         <p:txBody>
           <a:bodyPr tIns="91440" bIns="91440">
             <a:noAutofit/>
           </a:bodyPr>
+          <a:lstStyle/>
           <a:p>
             <a:pPr>
               <a:lnSpc>
@@ -3943,16 +4507,16 @@
               </a:lnSpc>
             </a:pPr>
             <a:r>
-              <a:rPr b="1" lang="en-GB" sz="2000" spc="-1" strike="noStrike">
-                <a:solidFill>
-                  <a:srgbClr val="0277bd"/>
+              <a:rPr lang="en-GB" sz="2000" b="1" strike="noStrike" spc="-1">
+                <a:solidFill>
+                  <a:srgbClr val="0277BD"/>
                 </a:solidFill>
                 <a:latin typeface="Montserrat"/>
                 <a:ea typeface="Montserrat"/>
               </a:rPr>
               <a:t>Subí un proyecto:</a:t>
             </a:r>
-            <a:endParaRPr b="0" lang="en-GB" sz="2000" spc="-1" strike="noStrike">
+            <a:endParaRPr lang="en-GB" sz="2000" b="0" strike="noStrike" spc="-1">
               <a:latin typeface="Arial"/>
             </a:endParaRPr>
           </a:p>
@@ -3966,18 +4530,18 @@
               </a:spcBef>
             </a:pPr>
             <a:r>
-              <a:rPr b="1" lang="en-GB" sz="2000" spc="-1" strike="noStrike" u="sng">
-                <a:solidFill>
-                  <a:srgbClr val="8bc34a"/>
+              <a:rPr lang="en-GB" sz="2000" b="1" u="sng" strike="noStrike" spc="-1">
+                <a:solidFill>
+                  <a:srgbClr val="8BC34A"/>
                 </a:solidFill>
                 <a:uFillTx/>
                 <a:latin typeface="Montserrat"/>
                 <a:ea typeface="Montserrat"/>
-                <a:hlinkClick r:id="rId1"/>
+                <a:hlinkClick r:id="rId3"/>
               </a:rPr>
               <a:t>bit.ly/uploadON</a:t>
             </a:r>
-            <a:endParaRPr b="0" lang="en-GB" sz="2000" spc="-1" strike="noStrike">
+            <a:endParaRPr lang="en-GB" sz="2000" b="0" strike="noStrike" spc="-1">
               <a:latin typeface="Arial"/>
             </a:endParaRPr>
           </a:p>
@@ -3991,16 +4555,16 @@
               </a:spcBef>
             </a:pPr>
             <a:r>
-              <a:rPr b="1" lang="en-GB" sz="2000" spc="-1" strike="noStrike">
-                <a:solidFill>
-                  <a:srgbClr val="0277bd"/>
+              <a:rPr lang="en-GB" sz="2000" b="1" strike="noStrike" spc="-1">
+                <a:solidFill>
+                  <a:srgbClr val="0277BD"/>
                 </a:solidFill>
                 <a:latin typeface="Montserrat"/>
                 <a:ea typeface="Montserrat"/>
               </a:rPr>
               <a:t>Colaborá:</a:t>
             </a:r>
-            <a:endParaRPr b="0" lang="en-GB" sz="2000" spc="-1" strike="noStrike">
+            <a:endParaRPr lang="en-GB" sz="2000" b="0" strike="noStrike" spc="-1">
               <a:latin typeface="Arial"/>
             </a:endParaRPr>
           </a:p>
@@ -4014,18 +4578,18 @@
               </a:spcBef>
             </a:pPr>
             <a:r>
-              <a:rPr b="1" lang="en-GB" sz="2000" spc="-1" strike="noStrike" u="sng">
-                <a:solidFill>
-                  <a:srgbClr val="8bc34a"/>
+              <a:rPr lang="en-GB" sz="2000" b="1" u="sng" strike="noStrike" spc="-1">
+                <a:solidFill>
+                  <a:srgbClr val="8BC34A"/>
                 </a:solidFill>
                 <a:uFillTx/>
                 <a:latin typeface="Montserrat"/>
                 <a:ea typeface="Montserrat"/>
-                <a:hlinkClick r:id="rId2"/>
+                <a:hlinkClick r:id="rId4"/>
               </a:rPr>
               <a:t>github.com/open-neuroscience</a:t>
             </a:r>
-            <a:endParaRPr b="0" lang="en-GB" sz="2000" spc="-1" strike="noStrike">
+            <a:endParaRPr lang="en-GB" sz="2000" b="0" strike="noStrike" spc="-1">
               <a:latin typeface="Arial"/>
             </a:endParaRPr>
           </a:p>
@@ -4039,16 +4603,16 @@
               </a:spcBef>
             </a:pPr>
             <a:r>
-              <a:rPr b="1" lang="en-GB" sz="2000" spc="-1" strike="noStrike">
-                <a:solidFill>
-                  <a:srgbClr val="0277bd"/>
+              <a:rPr lang="en-GB" sz="2000" b="1" strike="noStrike" spc="-1">
+                <a:solidFill>
+                  <a:srgbClr val="0277BD"/>
                 </a:solidFill>
                 <a:latin typeface="Montserrat"/>
                 <a:ea typeface="Montserrat"/>
               </a:rPr>
               <a:t>¡Corré la voz! ¡Seguinos!</a:t>
             </a:r>
-            <a:endParaRPr b="0" lang="en-GB" sz="2000" spc="-1" strike="noStrike">
+            <a:endParaRPr lang="en-GB" sz="2000" b="0" strike="noStrike" spc="-1">
               <a:latin typeface="Arial"/>
             </a:endParaRPr>
           </a:p>
@@ -4062,18 +4626,18 @@
               </a:spcBef>
             </a:pPr>
             <a:r>
-              <a:rPr b="1" lang="en-GB" sz="2000" spc="-1" strike="noStrike" u="sng">
-                <a:solidFill>
-                  <a:srgbClr val="8bc34a"/>
+              <a:rPr lang="en-GB" sz="2000" b="1" u="sng" strike="noStrike" spc="-1">
+                <a:solidFill>
+                  <a:srgbClr val="8BC34A"/>
                 </a:solidFill>
                 <a:uFillTx/>
                 <a:latin typeface="Montserrat"/>
                 <a:ea typeface="Montserrat"/>
-                <a:hlinkClick r:id="rId3"/>
+                <a:hlinkClick r:id="rId5"/>
               </a:rPr>
               <a:t>@openneurosci</a:t>
             </a:r>
-            <a:endParaRPr b="0" lang="en-GB" sz="2000" spc="-1" strike="noStrike">
+            <a:endParaRPr lang="en-GB" sz="2000" b="0" strike="noStrike" spc="-1">
               <a:latin typeface="Arial"/>
             </a:endParaRPr>
           </a:p>
@@ -4081,53 +4645,7 @@
       </p:sp>
       <p:pic>
         <p:nvPicPr>
-          <p:cNvPr id="66" name="Google Shape;106;p18" descr=""/>
-          <p:cNvPicPr/>
-          <p:nvPr/>
-        </p:nvPicPr>
-        <p:blipFill>
-          <a:blip r:embed="rId4"/>
-          <a:stretch/>
-        </p:blipFill>
-        <p:spPr>
-          <a:xfrm>
-            <a:off x="5956200" y="180720"/>
-            <a:ext cx="1904760" cy="1676160"/>
-          </a:xfrm>
-          <a:prstGeom prst="rect">
-            <a:avLst/>
-          </a:prstGeom>
-          <a:ln>
-            <a:noFill/>
-          </a:ln>
-        </p:spPr>
-      </p:pic>
-      <p:pic>
-        <p:nvPicPr>
-          <p:cNvPr id="67" name="Google Shape;107;p18" descr=""/>
-          <p:cNvPicPr/>
-          <p:nvPr/>
-        </p:nvPicPr>
-        <p:blipFill>
-          <a:blip r:embed="rId5"/>
-          <a:stretch/>
-        </p:blipFill>
-        <p:spPr>
-          <a:xfrm>
-            <a:off x="7164720" y="1860480"/>
-            <a:ext cx="1904760" cy="1676160"/>
-          </a:xfrm>
-          <a:prstGeom prst="rect">
-            <a:avLst/>
-          </a:prstGeom>
-          <a:ln>
-            <a:noFill/>
-          </a:ln>
-        </p:spPr>
-      </p:pic>
-      <p:pic>
-        <p:nvPicPr>
-          <p:cNvPr id="68" name="Google Shape;108;p18" descr=""/>
+          <p:cNvPr id="66" name="Google Shape;106;p18"/>
           <p:cNvPicPr/>
           <p:nvPr/>
         </p:nvPicPr>
@@ -4137,6 +4655,52 @@
         </p:blipFill>
         <p:spPr>
           <a:xfrm>
+            <a:off x="5956200" y="180720"/>
+            <a:ext cx="1904760" cy="1676160"/>
+          </a:xfrm>
+          <a:prstGeom prst="rect">
+            <a:avLst/>
+          </a:prstGeom>
+          <a:ln>
+            <a:noFill/>
+          </a:ln>
+        </p:spPr>
+      </p:pic>
+      <p:pic>
+        <p:nvPicPr>
+          <p:cNvPr id="67" name="Google Shape;107;p18"/>
+          <p:cNvPicPr/>
+          <p:nvPr/>
+        </p:nvPicPr>
+        <p:blipFill>
+          <a:blip r:embed="rId7"/>
+          <a:stretch/>
+        </p:blipFill>
+        <p:spPr>
+          <a:xfrm>
+            <a:off x="7164720" y="1860480"/>
+            <a:ext cx="1904760" cy="1676160"/>
+          </a:xfrm>
+          <a:prstGeom prst="rect">
+            <a:avLst/>
+          </a:prstGeom>
+          <a:ln>
+            <a:noFill/>
+          </a:ln>
+        </p:spPr>
+      </p:pic>
+      <p:pic>
+        <p:nvPicPr>
+          <p:cNvPr id="68" name="Google Shape;108;p18"/>
+          <p:cNvPicPr/>
+          <p:nvPr/>
+        </p:nvPicPr>
+        <p:blipFill>
+          <a:blip r:embed="rId8"/>
+          <a:stretch/>
+        </p:blipFill>
+        <p:spPr>
+          <a:xfrm>
             <a:off x="5673240" y="3155760"/>
             <a:ext cx="1904760" cy="1676160"/>
           </a:xfrm>
@@ -4168,15 +4732,22 @@
           </a:ln>
         </p:spPr>
         <p:style>
-          <a:lnRef idx="0"/>
-          <a:fillRef idx="0"/>
-          <a:effectRef idx="0"/>
+          <a:lnRef idx="0">
+            <a:scrgbClr r="0" g="0" b="0"/>
+          </a:lnRef>
+          <a:fillRef idx="0">
+            <a:scrgbClr r="0" g="0" b="0"/>
+          </a:fillRef>
+          <a:effectRef idx="0">
+            <a:scrgbClr r="0" g="0" b="0"/>
+          </a:effectRef>
           <a:fontRef idx="minor"/>
         </p:style>
         <p:txBody>
           <a:bodyPr tIns="91440" bIns="91440">
             <a:noAutofit/>
           </a:bodyPr>
+          <a:lstStyle/>
           <a:p>
             <a:pPr algn="ctr">
               <a:lnSpc>
@@ -4187,38 +4758,168 @@
               </a:spcBef>
             </a:pPr>
             <a:r>
-              <a:rPr b="1" lang="en-GB" sz="2800" spc="-1" strike="noStrike">
-                <a:solidFill>
-                  <a:srgbClr val="00517c"/>
+              <a:rPr lang="en-GB" sz="2800" b="1" strike="noStrike" spc="-1" dirty="0" err="1">
+                <a:solidFill>
+                  <a:srgbClr val="00517C"/>
                 </a:solidFill>
                 <a:latin typeface="Nunito"/>
                 <a:ea typeface="Nunito"/>
               </a:rPr>
-              <a:t>Conocé </a:t>
-            </a:r>
-            <a:r>
-              <a:rPr b="1" lang="en-GB" sz="2800" spc="-1" strike="noStrike" u="sng">
-                <a:solidFill>
-                  <a:srgbClr val="8bc34a"/>
+              <a:t>Conocé</a:t>
+            </a:r>
+            <a:r>
+              <a:rPr lang="en-GB" sz="2800" b="1" strike="noStrike" spc="-1" dirty="0">
+                <a:solidFill>
+                  <a:srgbClr val="00517C"/>
+                </a:solidFill>
+                <a:latin typeface="Nunito"/>
+                <a:ea typeface="Nunito"/>
+              </a:rPr>
+              <a:t> </a:t>
+            </a:r>
+            <a:r>
+              <a:rPr lang="en-GB" sz="2800" b="1" u="sng" strike="noStrike" spc="-1" dirty="0">
+                <a:solidFill>
+                  <a:srgbClr val="8BC34A"/>
                 </a:solidFill>
                 <a:uFillTx/>
                 <a:latin typeface="Nunito"/>
                 <a:ea typeface="Nunito"/>
-                <a:hlinkClick r:id="rId7"/>
+                <a:hlinkClick r:id="rId9"/>
               </a:rPr>
               <a:t>open-neuroscience.com</a:t>
             </a:r>
             <a:r>
-              <a:rPr b="1" lang="en-GB" sz="2800" spc="-1" strike="noStrike">
-                <a:solidFill>
-                  <a:srgbClr val="00517c"/>
+              <a:rPr lang="en-GB" sz="2800" b="1" strike="noStrike" spc="-1" dirty="0">
+                <a:solidFill>
+                  <a:srgbClr val="00517C"/>
                 </a:solidFill>
                 <a:latin typeface="Nunito"/>
                 <a:ea typeface="Nunito"/>
               </a:rPr>
-              <a:t>, la base de datos de proyectos abiertos de neurociencias impulsada por usuarios.</a:t>
-            </a:r>
-            <a:endParaRPr b="0" lang="en-GB" sz="2800" spc="-1" strike="noStrike">
+              <a:t>, la base de </a:t>
+            </a:r>
+            <a:r>
+              <a:rPr lang="en-GB" sz="2800" b="1" strike="noStrike" spc="-1" dirty="0" err="1">
+                <a:solidFill>
+                  <a:srgbClr val="00517C"/>
+                </a:solidFill>
+                <a:latin typeface="Nunito"/>
+                <a:ea typeface="Nunito"/>
+              </a:rPr>
+              <a:t>datos</a:t>
+            </a:r>
+            <a:r>
+              <a:rPr lang="en-GB" sz="2800" b="1" strike="noStrike" spc="-1" dirty="0">
+                <a:solidFill>
+                  <a:srgbClr val="00517C"/>
+                </a:solidFill>
+                <a:latin typeface="Nunito"/>
+                <a:ea typeface="Nunito"/>
+              </a:rPr>
+              <a:t> de </a:t>
+            </a:r>
+            <a:r>
+              <a:rPr lang="en-GB" sz="2800" b="1" strike="noStrike" spc="-1" dirty="0" err="1">
+                <a:solidFill>
+                  <a:srgbClr val="00517C"/>
+                </a:solidFill>
+                <a:latin typeface="Nunito"/>
+                <a:ea typeface="Nunito"/>
+              </a:rPr>
+              <a:t>proyectos</a:t>
+            </a:r>
+            <a:r>
+              <a:rPr lang="en-GB" sz="2800" b="1" strike="noStrike" spc="-1" dirty="0">
+                <a:solidFill>
+                  <a:srgbClr val="00517C"/>
+                </a:solidFill>
+                <a:latin typeface="Nunito"/>
+                <a:ea typeface="Nunito"/>
+              </a:rPr>
+              <a:t> </a:t>
+            </a:r>
+            <a:r>
+              <a:rPr lang="en-GB" sz="2800" b="1" strike="noStrike" spc="-1" dirty="0" err="1">
+                <a:solidFill>
+                  <a:srgbClr val="00517C"/>
+                </a:solidFill>
+                <a:latin typeface="Nunito"/>
+                <a:ea typeface="Nunito"/>
+              </a:rPr>
+              <a:t>abiertos</a:t>
+            </a:r>
+            <a:r>
+              <a:rPr lang="en-GB" sz="2800" b="1" strike="noStrike" spc="-1" dirty="0">
+                <a:solidFill>
+                  <a:srgbClr val="00517C"/>
+                </a:solidFill>
+                <a:latin typeface="Nunito"/>
+                <a:ea typeface="Nunito"/>
+              </a:rPr>
+              <a:t> de </a:t>
+            </a:r>
+            <a:r>
+              <a:rPr lang="en-GB" sz="2800" b="1" strike="noStrike" spc="-1" dirty="0" err="1">
+                <a:solidFill>
+                  <a:srgbClr val="00517C"/>
+                </a:solidFill>
+                <a:latin typeface="Nunito"/>
+                <a:ea typeface="Nunito"/>
+              </a:rPr>
+              <a:t>neurociencias</a:t>
+            </a:r>
+            <a:r>
+              <a:rPr lang="en-GB" sz="2800" b="1" strike="noStrike" spc="-1" dirty="0">
+                <a:solidFill>
+                  <a:srgbClr val="00517C"/>
+                </a:solidFill>
+                <a:latin typeface="Nunito"/>
+                <a:ea typeface="Nunito"/>
+              </a:rPr>
+              <a:t> </a:t>
+            </a:r>
+            <a:r>
+              <a:rPr lang="en-GB" sz="2800" b="1" strike="noStrike" spc="-1" dirty="0" err="1">
+                <a:solidFill>
+                  <a:srgbClr val="00517C"/>
+                </a:solidFill>
+                <a:latin typeface="Nunito"/>
+                <a:ea typeface="Nunito"/>
+              </a:rPr>
+              <a:t>impulsada</a:t>
+            </a:r>
+            <a:r>
+              <a:rPr lang="en-GB" sz="2800" b="1" strike="noStrike" spc="-1" dirty="0">
+                <a:solidFill>
+                  <a:srgbClr val="00517C"/>
+                </a:solidFill>
+                <a:latin typeface="Nunito"/>
+                <a:ea typeface="Nunito"/>
+              </a:rPr>
+              <a:t> por </a:t>
+            </a:r>
+            <a:r>
+              <a:rPr lang="en-GB" sz="2800" b="1" strike="noStrike" spc="-1" dirty="0" err="1">
+                <a:solidFill>
+                  <a:srgbClr val="00517C"/>
+                </a:solidFill>
+                <a:latin typeface="Nunito"/>
+                <a:ea typeface="Nunito"/>
+              </a:rPr>
+              <a:t>usuarios</a:t>
+            </a:r>
+            <a:r>
+              <a:rPr lang="en-GB" sz="2800" b="1" strike="noStrike" spc="-1" dirty="0">
+                <a:solidFill>
+                  <a:srgbClr val="00517C"/>
+                </a:solidFill>
+                <a:latin typeface="Nunito"/>
+                <a:ea typeface="Nunito"/>
+              </a:rPr>
+              <a:t>.</a:t>
+            </a:r>
+            <a:endParaRPr lang="en-GB" sz="2800" b="0" strike="noStrike" spc="-1" dirty="0">
               <a:latin typeface="Arial"/>
             </a:endParaRPr>
           </a:p>
@@ -4244,15 +4945,22 @@
           </a:ln>
         </p:spPr>
         <p:style>
-          <a:lnRef idx="0"/>
-          <a:fillRef idx="0"/>
-          <a:effectRef idx="0"/>
+          <a:lnRef idx="0">
+            <a:scrgbClr r="0" g="0" b="0"/>
+          </a:lnRef>
+          <a:fillRef idx="0">
+            <a:scrgbClr r="0" g="0" b="0"/>
+          </a:fillRef>
+          <a:effectRef idx="0">
+            <a:scrgbClr r="0" g="0" b="0"/>
+          </a:effectRef>
           <a:fontRef idx="minor"/>
         </p:style>
         <p:txBody>
           <a:bodyPr tIns="91440" bIns="91440">
             <a:spAutoFit/>
           </a:bodyPr>
+          <a:lstStyle/>
           <a:p>
             <a:pPr algn="ctr">
               <a:lnSpc>
@@ -4263,16 +4971,16 @@
               </a:spcBef>
             </a:pPr>
             <a:r>
-              <a:rPr b="1" i="1" lang="en-GB" sz="2000" spc="-1" strike="noStrike">
-                <a:solidFill>
-                  <a:srgbClr val="0277bd"/>
+              <a:rPr lang="en-GB" sz="2000" b="1" i="1" strike="noStrike" spc="-1">
+                <a:solidFill>
+                  <a:srgbClr val="0277BD"/>
                 </a:solidFill>
                 <a:latin typeface="Nunito"/>
                 <a:ea typeface="Nunito"/>
               </a:rPr>
               <a:t>Contribuí</a:t>
             </a:r>
-            <a:endParaRPr b="0" lang="en-GB" sz="2000" spc="-1" strike="noStrike">
+            <a:endParaRPr lang="en-GB" sz="2000" b="0" strike="noStrike" spc="-1">
               <a:latin typeface="Arial"/>
             </a:endParaRPr>
           </a:p>
@@ -4298,15 +5006,22 @@
           </a:ln>
         </p:spPr>
         <p:style>
-          <a:lnRef idx="0"/>
-          <a:fillRef idx="0"/>
-          <a:effectRef idx="0"/>
+          <a:lnRef idx="0">
+            <a:scrgbClr r="0" g="0" b="0"/>
+          </a:lnRef>
+          <a:fillRef idx="0">
+            <a:scrgbClr r="0" g="0" b="0"/>
+          </a:fillRef>
+          <a:effectRef idx="0">
+            <a:scrgbClr r="0" g="0" b="0"/>
+          </a:effectRef>
           <a:fontRef idx="minor"/>
         </p:style>
         <p:txBody>
           <a:bodyPr tIns="91440" bIns="91440">
             <a:spAutoFit/>
           </a:bodyPr>
+          <a:lstStyle/>
           <a:p>
             <a:pPr algn="r">
               <a:lnSpc>
@@ -4317,16 +5032,16 @@
               </a:spcBef>
             </a:pPr>
             <a:r>
-              <a:rPr b="1" i="1" lang="en-GB" sz="2000" spc="-1" strike="noStrike">
-                <a:solidFill>
-                  <a:srgbClr val="0277bd"/>
+              <a:rPr lang="en-GB" sz="2000" b="1" i="1" strike="noStrike" spc="-1">
+                <a:solidFill>
+                  <a:srgbClr val="0277BD"/>
                 </a:solidFill>
                 <a:latin typeface="Nunito"/>
                 <a:ea typeface="Nunito"/>
               </a:rPr>
               <a:t>Explorá</a:t>
             </a:r>
-            <a:endParaRPr b="0" lang="en-GB" sz="2000" spc="-1" strike="noStrike">
+            <a:endParaRPr lang="en-GB" sz="2000" b="0" strike="noStrike" spc="-1">
               <a:latin typeface="Arial"/>
             </a:endParaRPr>
           </a:p>
@@ -4352,15 +5067,22 @@
           </a:ln>
         </p:spPr>
         <p:style>
-          <a:lnRef idx="0"/>
-          <a:fillRef idx="0"/>
-          <a:effectRef idx="0"/>
+          <a:lnRef idx="0">
+            <a:scrgbClr r="0" g="0" b="0"/>
+          </a:lnRef>
+          <a:fillRef idx="0">
+            <a:scrgbClr r="0" g="0" b="0"/>
+          </a:fillRef>
+          <a:effectRef idx="0">
+            <a:scrgbClr r="0" g="0" b="0"/>
+          </a:effectRef>
           <a:fontRef idx="minor"/>
         </p:style>
         <p:txBody>
           <a:bodyPr tIns="91440" bIns="91440">
             <a:spAutoFit/>
           </a:bodyPr>
+          <a:lstStyle/>
           <a:p>
             <a:pPr algn="ctr">
               <a:lnSpc>
@@ -4371,16 +5093,16 @@
               </a:spcBef>
             </a:pPr>
             <a:r>
-              <a:rPr b="1" i="1" lang="en-GB" sz="2000" spc="-1" strike="noStrike">
-                <a:solidFill>
-                  <a:srgbClr val="0277bd"/>
+              <a:rPr lang="en-GB" sz="2000" b="1" i="1" strike="noStrike" spc="-1">
+                <a:solidFill>
+                  <a:srgbClr val="0277BD"/>
                 </a:solidFill>
                 <a:latin typeface="Nunito"/>
                 <a:ea typeface="Nunito"/>
               </a:rPr>
               <a:t>Promové</a:t>
             </a:r>
-            <a:endParaRPr b="0" lang="en-GB" sz="2000" spc="-1" strike="noStrike">
+            <a:endParaRPr lang="en-GB" sz="2000" b="0" strike="noStrike" spc="-1">
               <a:latin typeface="Arial"/>
             </a:endParaRPr>
           </a:p>
@@ -4388,12 +5110,12 @@
       </p:sp>
       <p:pic>
         <p:nvPicPr>
-          <p:cNvPr id="73" name="Google Shape;113;p18" descr=""/>
+          <p:cNvPr id="73" name="Google Shape;113;p18"/>
           <p:cNvPicPr/>
           <p:nvPr/>
         </p:nvPicPr>
         <p:blipFill>
-          <a:blip r:embed="rId8">
+          <a:blip r:embed="rId10">
             <a:alphaModFix amt="50000"/>
           </a:blip>
           <a:stretch/>
@@ -4413,25 +5135,21 @@
       </p:pic>
     </p:spTree>
   </p:cSld>
-  <mc:AlternateContent>
-    <mc:Choice Requires="p14">
-      <p:transition spd="slow" p14:dur="2000"/>
-    </mc:Choice>
-    <mc:Fallback>
-      <p:transition spd="slow"/>
-    </mc:Fallback>
-  </mc:AlternateContent>
+  <p:clrMapOvr>
+    <a:masterClrMapping/>
+  </p:clrMapOvr>
 </p:sld>
 </file>
 
 <file path=ppt/slides/slide5.xml><?xml version="1.0" encoding="utf-8"?>
-<p:sld xmlns:a="http://schemas.openxmlformats.org/drawingml/2006/main" xmlns:p="http://schemas.openxmlformats.org/presentationml/2006/main" xmlns:r="http://schemas.openxmlformats.org/officeDocument/2006/relationships" xmlns:p14="http://schemas.microsoft.com/office/powerpoint/2010/main" xmlns:p15="http://schemas.microsoft.com/office/powerpoint/2012/main" xmlns:mc="http://schemas.openxmlformats.org/markup-compatibility/2006">
+<p:sld xmlns:a="http://schemas.openxmlformats.org/drawingml/2006/main" xmlns:r="http://schemas.openxmlformats.org/officeDocument/2006/relationships" xmlns:p="http://schemas.openxmlformats.org/presentationml/2006/main">
   <p:cSld>
     <p:bg>
       <p:bgPr>
         <a:solidFill>
-          <a:srgbClr val="cfe2f3"/>
+          <a:srgbClr val="CFE2F3"/>
         </a:solidFill>
+        <a:effectLst/>
       </p:bgPr>
     </p:bg>
     <p:spTree>
@@ -4450,53 +5168,7 @@
       </p:grpSpPr>
       <p:pic>
         <p:nvPicPr>
-          <p:cNvPr id="74" name="Google Shape;79;p16" descr=""/>
-          <p:cNvPicPr/>
-          <p:nvPr/>
-        </p:nvPicPr>
-        <p:blipFill>
-          <a:blip r:embed="rId1"/>
-          <a:stretch/>
-        </p:blipFill>
-        <p:spPr>
-          <a:xfrm>
-            <a:off x="5956200" y="180720"/>
-            <a:ext cx="1904760" cy="1676160"/>
-          </a:xfrm>
-          <a:prstGeom prst="rect">
-            <a:avLst/>
-          </a:prstGeom>
-          <a:ln>
-            <a:noFill/>
-          </a:ln>
-        </p:spPr>
-      </p:pic>
-      <p:pic>
-        <p:nvPicPr>
-          <p:cNvPr id="75" name="Google Shape;80;p16" descr=""/>
-          <p:cNvPicPr/>
-          <p:nvPr/>
-        </p:nvPicPr>
-        <p:blipFill>
-          <a:blip r:embed="rId2"/>
-          <a:stretch/>
-        </p:blipFill>
-        <p:spPr>
-          <a:xfrm>
-            <a:off x="7164720" y="1860480"/>
-            <a:ext cx="1904760" cy="1676160"/>
-          </a:xfrm>
-          <a:prstGeom prst="rect">
-            <a:avLst/>
-          </a:prstGeom>
-          <a:ln>
-            <a:noFill/>
-          </a:ln>
-        </p:spPr>
-      </p:pic>
-      <p:pic>
-        <p:nvPicPr>
-          <p:cNvPr id="76" name="Google Shape;81;p16" descr=""/>
+          <p:cNvPr id="74" name="Google Shape;79;p16"/>
           <p:cNvPicPr/>
           <p:nvPr/>
         </p:nvPicPr>
@@ -4506,7 +5178,7 @@
         </p:blipFill>
         <p:spPr>
           <a:xfrm>
-            <a:off x="5673240" y="3155760"/>
+            <a:off x="5956200" y="180720"/>
             <a:ext cx="1904760" cy="1676160"/>
           </a:xfrm>
           <a:prstGeom prst="rect">
@@ -4517,6 +5189,52 @@
           </a:ln>
         </p:spPr>
       </p:pic>
+      <p:pic>
+        <p:nvPicPr>
+          <p:cNvPr id="75" name="Google Shape;80;p16"/>
+          <p:cNvPicPr/>
+          <p:nvPr/>
+        </p:nvPicPr>
+        <p:blipFill>
+          <a:blip r:embed="rId4"/>
+          <a:stretch/>
+        </p:blipFill>
+        <p:spPr>
+          <a:xfrm>
+            <a:off x="7164720" y="1860480"/>
+            <a:ext cx="1904760" cy="1676160"/>
+          </a:xfrm>
+          <a:prstGeom prst="rect">
+            <a:avLst/>
+          </a:prstGeom>
+          <a:ln>
+            <a:noFill/>
+          </a:ln>
+        </p:spPr>
+      </p:pic>
+      <p:pic>
+        <p:nvPicPr>
+          <p:cNvPr id="76" name="Google Shape;81;p16"/>
+          <p:cNvPicPr/>
+          <p:nvPr/>
+        </p:nvPicPr>
+        <p:blipFill>
+          <a:blip r:embed="rId5"/>
+          <a:stretch/>
+        </p:blipFill>
+        <p:spPr>
+          <a:xfrm>
+            <a:off x="5673240" y="3155760"/>
+            <a:ext cx="1904760" cy="1676160"/>
+          </a:xfrm>
+          <a:prstGeom prst="rect">
+            <a:avLst/>
+          </a:prstGeom>
+          <a:ln>
+            <a:noFill/>
+          </a:ln>
+        </p:spPr>
+      </p:pic>
       <p:sp>
         <p:nvSpPr>
           <p:cNvPr id="77" name="CustomShape 1"/>
@@ -4525,8 +5243,8 @@
         </p:nvSpPr>
         <p:spPr>
           <a:xfrm>
-            <a:off x="63000" y="290880"/>
-            <a:ext cx="5690160" cy="3387960"/>
+            <a:off x="126000" y="0"/>
+            <a:ext cx="5320180" cy="2167132"/>
           </a:xfrm>
           <a:prstGeom prst="rect">
             <a:avLst/>
@@ -4537,15 +5255,22 @@
           </a:ln>
         </p:spPr>
         <p:style>
-          <a:lnRef idx="0"/>
-          <a:fillRef idx="0"/>
-          <a:effectRef idx="0"/>
+          <a:lnRef idx="0">
+            <a:scrgbClr r="0" g="0" b="0"/>
+          </a:lnRef>
+          <a:fillRef idx="0">
+            <a:scrgbClr r="0" g="0" b="0"/>
+          </a:fillRef>
+          <a:effectRef idx="0">
+            <a:scrgbClr r="0" g="0" b="0"/>
+          </a:effectRef>
           <a:fontRef idx="minor"/>
         </p:style>
         <p:txBody>
-          <a:bodyPr tIns="91440" bIns="91440">
+          <a:bodyPr wrap="square" tIns="91440" bIns="91440">
             <a:spAutoFit/>
           </a:bodyPr>
+          <a:lstStyle/>
           <a:p>
             <a:pPr algn="ctr">
               <a:lnSpc>
@@ -4556,38 +5281,138 @@
               </a:spcBef>
             </a:pPr>
             <a:r>
-              <a:rPr b="1" lang="en-GB" sz="3000" spc="-1" strike="noStrike">
-                <a:solidFill>
-                  <a:srgbClr val="00517c"/>
+              <a:rPr lang="en-GB" sz="2800" b="1" spc="-1" dirty="0" err="1">
+                <a:solidFill>
+                  <a:srgbClr val="00517C"/>
                 </a:solidFill>
                 <a:latin typeface="Nunito"/>
                 <a:ea typeface="Nunito"/>
               </a:rPr>
-              <a:t>conheça </a:t>
-            </a:r>
-            <a:r>
-              <a:rPr b="1" lang="en-GB" sz="3000" spc="-1" strike="noStrike" u="sng">
-                <a:solidFill>
-                  <a:srgbClr val="8bc34a"/>
+              <a:t>C</a:t>
+            </a:r>
+            <a:r>
+              <a:rPr lang="en-GB" sz="2800" b="1" strike="noStrike" spc="-1" dirty="0" err="1">
+                <a:solidFill>
+                  <a:srgbClr val="00517C"/>
+                </a:solidFill>
+                <a:latin typeface="Nunito"/>
+                <a:ea typeface="Nunito"/>
+              </a:rPr>
+              <a:t>onheça</a:t>
+            </a:r>
+            <a:r>
+              <a:rPr lang="en-GB" sz="2800" b="1" strike="noStrike" spc="-1" dirty="0">
+                <a:solidFill>
+                  <a:srgbClr val="00517C"/>
+                </a:solidFill>
+                <a:latin typeface="Nunito"/>
+                <a:ea typeface="Nunito"/>
+              </a:rPr>
+              <a:t> </a:t>
+            </a:r>
+            <a:r>
+              <a:rPr lang="en-GB" sz="2800" b="1" u="sng" strike="noStrike" spc="-1" dirty="0">
+                <a:solidFill>
+                  <a:srgbClr val="8BC34A"/>
                 </a:solidFill>
                 <a:uFillTx/>
                 <a:latin typeface="Nunito"/>
                 <a:ea typeface="Nunito"/>
-                <a:hlinkClick r:id="rId4"/>
+                <a:hlinkClick r:id="rId6"/>
               </a:rPr>
               <a:t>open-neuroscience.com</a:t>
             </a:r>
             <a:r>
-              <a:rPr b="1" lang="en-GB" sz="3000" spc="-1" strike="noStrike">
-                <a:solidFill>
-                  <a:srgbClr val="00517c"/>
+              <a:rPr lang="en-GB" sz="2800" b="1" strike="noStrike" spc="-1" dirty="0">
+                <a:solidFill>
+                  <a:srgbClr val="00517C"/>
                 </a:solidFill>
                 <a:latin typeface="Nunito"/>
                 <a:ea typeface="Nunito"/>
               </a:rPr>
-              <a:t>, A base de dados de projetos neurocientíficos open source gerida por usuários.</a:t>
-            </a:r>
-            <a:endParaRPr b="0" lang="en-GB" sz="3000" spc="-1" strike="noStrike">
+              <a:t>, a base de dados de </a:t>
+            </a:r>
+            <a:r>
+              <a:rPr lang="en-GB" sz="2800" b="1" strike="noStrike" spc="-1" dirty="0" err="1">
+                <a:solidFill>
+                  <a:srgbClr val="00517C"/>
+                </a:solidFill>
+                <a:latin typeface="Nunito"/>
+                <a:ea typeface="Nunito"/>
+              </a:rPr>
+              <a:t>projetos</a:t>
+            </a:r>
+            <a:r>
+              <a:rPr lang="en-GB" sz="2800" b="1" strike="noStrike" spc="-1" dirty="0">
+                <a:solidFill>
+                  <a:srgbClr val="00517C"/>
+                </a:solidFill>
+                <a:latin typeface="Nunito"/>
+                <a:ea typeface="Nunito"/>
+              </a:rPr>
+              <a:t> </a:t>
+            </a:r>
+            <a:r>
+              <a:rPr lang="en-GB" sz="2800" b="1" strike="noStrike" spc="-1" dirty="0" err="1">
+                <a:solidFill>
+                  <a:srgbClr val="00517C"/>
+                </a:solidFill>
+                <a:latin typeface="Nunito"/>
+                <a:ea typeface="Nunito"/>
+              </a:rPr>
+              <a:t>neurocientíficos</a:t>
+            </a:r>
+            <a:r>
+              <a:rPr lang="en-GB" sz="2800" b="1" strike="noStrike" spc="-1" dirty="0">
+                <a:solidFill>
+                  <a:srgbClr val="00517C"/>
+                </a:solidFill>
+                <a:latin typeface="Nunito"/>
+                <a:ea typeface="Nunito"/>
+              </a:rPr>
+              <a:t> open source </a:t>
+            </a:r>
+            <a:r>
+              <a:rPr lang="en-GB" sz="2800" b="1" strike="noStrike" spc="-1" dirty="0" err="1">
+                <a:solidFill>
+                  <a:srgbClr val="00517C"/>
+                </a:solidFill>
+                <a:latin typeface="Nunito"/>
+                <a:ea typeface="Nunito"/>
+              </a:rPr>
+              <a:t>gerida</a:t>
+            </a:r>
+            <a:r>
+              <a:rPr lang="en-GB" sz="2800" b="1" strike="noStrike" spc="-1" dirty="0">
+                <a:solidFill>
+                  <a:srgbClr val="00517C"/>
+                </a:solidFill>
+                <a:latin typeface="Nunito"/>
+                <a:ea typeface="Nunito"/>
+              </a:rPr>
+              <a:t> por </a:t>
+            </a:r>
+            <a:r>
+              <a:rPr lang="en-GB" sz="2800" b="1" strike="noStrike" spc="-1" dirty="0" err="1">
+                <a:solidFill>
+                  <a:srgbClr val="00517C"/>
+                </a:solidFill>
+                <a:latin typeface="Nunito"/>
+                <a:ea typeface="Nunito"/>
+              </a:rPr>
+              <a:t>usuários</a:t>
+            </a:r>
+            <a:r>
+              <a:rPr lang="en-GB" sz="2800" b="1" strike="noStrike" spc="-1" dirty="0">
+                <a:solidFill>
+                  <a:srgbClr val="00517C"/>
+                </a:solidFill>
+                <a:latin typeface="Nunito"/>
+                <a:ea typeface="Nunito"/>
+              </a:rPr>
+              <a:t>.</a:t>
+            </a:r>
+            <a:endParaRPr lang="en-GB" sz="2800" b="0" strike="noStrike" spc="-1" dirty="0">
               <a:latin typeface="Arial"/>
             </a:endParaRPr>
           </a:p>
@@ -4613,15 +5438,22 @@
           </a:ln>
         </p:spPr>
         <p:style>
-          <a:lnRef idx="0"/>
-          <a:fillRef idx="0"/>
-          <a:effectRef idx="0"/>
+          <a:lnRef idx="0">
+            <a:scrgbClr r="0" g="0" b="0"/>
+          </a:lnRef>
+          <a:fillRef idx="0">
+            <a:scrgbClr r="0" g="0" b="0"/>
+          </a:fillRef>
+          <a:effectRef idx="0">
+            <a:scrgbClr r="0" g="0" b="0"/>
+          </a:effectRef>
           <a:fontRef idx="minor"/>
         </p:style>
         <p:txBody>
           <a:bodyPr tIns="91440" bIns="91440">
             <a:spAutoFit/>
           </a:bodyPr>
+          <a:lstStyle/>
           <a:p>
             <a:pPr algn="ctr">
               <a:lnSpc>
@@ -4632,16 +5464,16 @@
               </a:spcBef>
             </a:pPr>
             <a:r>
-              <a:rPr b="1" i="1" lang="en-GB" sz="2000" spc="-1" strike="noStrike">
-                <a:solidFill>
-                  <a:srgbClr val="0277bd"/>
+              <a:rPr lang="en-GB" sz="2000" b="1" i="1" strike="noStrike" spc="-1">
+                <a:solidFill>
+                  <a:srgbClr val="0277BD"/>
                 </a:solidFill>
                 <a:latin typeface="Nunito"/>
                 <a:ea typeface="Nunito"/>
               </a:rPr>
               <a:t>Contribua</a:t>
             </a:r>
-            <a:endParaRPr b="0" lang="en-GB" sz="2000" spc="-1" strike="noStrike">
+            <a:endParaRPr lang="en-GB" sz="2000" b="0" strike="noStrike" spc="-1">
               <a:latin typeface="Arial"/>
             </a:endParaRPr>
           </a:p>
@@ -4667,15 +5499,22 @@
           </a:ln>
         </p:spPr>
         <p:style>
-          <a:lnRef idx="0"/>
-          <a:fillRef idx="0"/>
-          <a:effectRef idx="0"/>
+          <a:lnRef idx="0">
+            <a:scrgbClr r="0" g="0" b="0"/>
+          </a:lnRef>
+          <a:fillRef idx="0">
+            <a:scrgbClr r="0" g="0" b="0"/>
+          </a:fillRef>
+          <a:effectRef idx="0">
+            <a:scrgbClr r="0" g="0" b="0"/>
+          </a:effectRef>
           <a:fontRef idx="minor"/>
         </p:style>
         <p:txBody>
           <a:bodyPr tIns="91440" bIns="91440">
             <a:spAutoFit/>
           </a:bodyPr>
+          <a:lstStyle/>
           <a:p>
             <a:pPr algn="ctr">
               <a:lnSpc>
@@ -4686,16 +5525,16 @@
               </a:spcBef>
             </a:pPr>
             <a:r>
-              <a:rPr b="1" i="1" lang="en-GB" sz="2000" spc="-1" strike="noStrike">
-                <a:solidFill>
-                  <a:srgbClr val="0277bd"/>
+              <a:rPr lang="en-GB" sz="2000" b="1" i="1" strike="noStrike" spc="-1">
+                <a:solidFill>
+                  <a:srgbClr val="0277BD"/>
                 </a:solidFill>
                 <a:latin typeface="Nunito"/>
                 <a:ea typeface="Nunito"/>
               </a:rPr>
               <a:t>Explore</a:t>
             </a:r>
-            <a:endParaRPr b="0" lang="en-GB" sz="2000" spc="-1" strike="noStrike">
+            <a:endParaRPr lang="en-GB" sz="2000" b="0" strike="noStrike" spc="-1">
               <a:latin typeface="Arial"/>
             </a:endParaRPr>
           </a:p>
@@ -4721,15 +5560,22 @@
           </a:ln>
         </p:spPr>
         <p:style>
-          <a:lnRef idx="0"/>
-          <a:fillRef idx="0"/>
-          <a:effectRef idx="0"/>
+          <a:lnRef idx="0">
+            <a:scrgbClr r="0" g="0" b="0"/>
+          </a:lnRef>
+          <a:fillRef idx="0">
+            <a:scrgbClr r="0" g="0" b="0"/>
+          </a:fillRef>
+          <a:effectRef idx="0">
+            <a:scrgbClr r="0" g="0" b="0"/>
+          </a:effectRef>
           <a:fontRef idx="minor"/>
         </p:style>
         <p:txBody>
           <a:bodyPr tIns="91440" bIns="91440">
             <a:spAutoFit/>
           </a:bodyPr>
+          <a:lstStyle/>
           <a:p>
             <a:pPr algn="ctr">
               <a:lnSpc>
@@ -4740,16 +5586,16 @@
               </a:spcBef>
             </a:pPr>
             <a:r>
-              <a:rPr b="1" i="1" lang="en-GB" sz="2000" spc="-1" strike="noStrike">
-                <a:solidFill>
-                  <a:srgbClr val="0277bd"/>
+              <a:rPr lang="en-GB" sz="2000" b="1" i="1" strike="noStrike" spc="-1">
+                <a:solidFill>
+                  <a:srgbClr val="0277BD"/>
                 </a:solidFill>
                 <a:latin typeface="Nunito"/>
                 <a:ea typeface="Nunito"/>
               </a:rPr>
               <a:t>Promova</a:t>
             </a:r>
-            <a:endParaRPr b="0" lang="en-GB" sz="2000" spc="-1" strike="noStrike">
+            <a:endParaRPr lang="en-GB" sz="2000" b="0" strike="noStrike" spc="-1">
               <a:latin typeface="Arial"/>
             </a:endParaRPr>
           </a:p>
@@ -4775,15 +5621,22 @@
           </a:ln>
         </p:spPr>
         <p:style>
-          <a:lnRef idx="0"/>
-          <a:fillRef idx="0"/>
-          <a:effectRef idx="0"/>
+          <a:lnRef idx="0">
+            <a:scrgbClr r="0" g="0" b="0"/>
+          </a:lnRef>
+          <a:fillRef idx="0">
+            <a:scrgbClr r="0" g="0" b="0"/>
+          </a:fillRef>
+          <a:effectRef idx="0">
+            <a:scrgbClr r="0" g="0" b="0"/>
+          </a:effectRef>
           <a:fontRef idx="minor"/>
         </p:style>
         <p:txBody>
           <a:bodyPr tIns="91440" bIns="91440">
             <a:noAutofit/>
           </a:bodyPr>
+          <a:lstStyle/>
           <a:p>
             <a:pPr>
               <a:lnSpc>
@@ -4791,16 +5644,16 @@
               </a:lnSpc>
             </a:pPr>
             <a:r>
-              <a:rPr b="1" lang="en-GB" sz="2000" spc="-1" strike="noStrike">
-                <a:solidFill>
-                  <a:srgbClr val="0277bd"/>
+              <a:rPr lang="en-GB" sz="2000" b="1" strike="noStrike" spc="-1">
+                <a:solidFill>
+                  <a:srgbClr val="0277BD"/>
                 </a:solidFill>
                 <a:latin typeface="Montserrat"/>
                 <a:ea typeface="Montserrat"/>
               </a:rPr>
               <a:t>Adicione um projeto:</a:t>
             </a:r>
-            <a:endParaRPr b="0" lang="en-GB" sz="2000" spc="-1" strike="noStrike">
+            <a:endParaRPr lang="en-GB" sz="2000" b="0" strike="noStrike" spc="-1">
               <a:latin typeface="Arial"/>
             </a:endParaRPr>
           </a:p>
@@ -4814,18 +5667,18 @@
               </a:spcBef>
             </a:pPr>
             <a:r>
-              <a:rPr b="1" lang="en-GB" sz="2000" spc="-1" strike="noStrike" u="sng">
-                <a:solidFill>
-                  <a:srgbClr val="8bc34a"/>
+              <a:rPr lang="en-GB" sz="2000" b="1" u="sng" strike="noStrike" spc="-1">
+                <a:solidFill>
+                  <a:srgbClr val="8BC34A"/>
                 </a:solidFill>
                 <a:uFillTx/>
                 <a:latin typeface="Montserrat"/>
                 <a:ea typeface="Montserrat"/>
-                <a:hlinkClick r:id="rId5"/>
+                <a:hlinkClick r:id="rId7"/>
               </a:rPr>
               <a:t>bit.ly/uploadON</a:t>
             </a:r>
-            <a:endParaRPr b="0" lang="en-GB" sz="2000" spc="-1" strike="noStrike">
+            <a:endParaRPr lang="en-GB" sz="2000" b="0" strike="noStrike" spc="-1">
               <a:latin typeface="Arial"/>
             </a:endParaRPr>
           </a:p>
@@ -4839,16 +5692,16 @@
               </a:spcBef>
             </a:pPr>
             <a:r>
-              <a:rPr b="1" lang="en-GB" sz="2000" spc="-1" strike="noStrike">
-                <a:solidFill>
-                  <a:srgbClr val="0277bd"/>
+              <a:rPr lang="en-GB" sz="2000" b="1" strike="noStrike" spc="-1">
+                <a:solidFill>
+                  <a:srgbClr val="0277BD"/>
                 </a:solidFill>
                 <a:latin typeface="Montserrat"/>
                 <a:ea typeface="Montserrat"/>
               </a:rPr>
               <a:t>Colabore:</a:t>
             </a:r>
-            <a:endParaRPr b="0" lang="en-GB" sz="2000" spc="-1" strike="noStrike">
+            <a:endParaRPr lang="en-GB" sz="2000" b="0" strike="noStrike" spc="-1">
               <a:latin typeface="Arial"/>
             </a:endParaRPr>
           </a:p>
@@ -4862,18 +5715,18 @@
               </a:spcBef>
             </a:pPr>
             <a:r>
-              <a:rPr b="1" lang="en-GB" sz="2000" spc="-1" strike="noStrike" u="sng">
-                <a:solidFill>
-                  <a:srgbClr val="8bc34a"/>
+              <a:rPr lang="en-GB" sz="2000" b="1" u="sng" strike="noStrike" spc="-1">
+                <a:solidFill>
+                  <a:srgbClr val="8BC34A"/>
                 </a:solidFill>
                 <a:uFillTx/>
                 <a:latin typeface="Montserrat"/>
                 <a:ea typeface="Montserrat"/>
-                <a:hlinkClick r:id="rId6"/>
+                <a:hlinkClick r:id="rId8"/>
               </a:rPr>
               <a:t>github.com/open-neuroscience</a:t>
             </a:r>
-            <a:endParaRPr b="0" lang="en-GB" sz="2000" spc="-1" strike="noStrike">
+            <a:endParaRPr lang="en-GB" sz="2000" b="0" strike="noStrike" spc="-1">
               <a:latin typeface="Arial"/>
             </a:endParaRPr>
           </a:p>
@@ -4887,16 +5740,16 @@
               </a:spcBef>
             </a:pPr>
             <a:r>
-              <a:rPr b="1" lang="en-GB" sz="2000" spc="-1" strike="noStrike">
-                <a:solidFill>
-                  <a:srgbClr val="0277bd"/>
+              <a:rPr lang="en-GB" sz="2000" b="1" strike="noStrike" spc="-1">
+                <a:solidFill>
+                  <a:srgbClr val="0277BD"/>
                 </a:solidFill>
                 <a:latin typeface="Montserrat"/>
                 <a:ea typeface="Montserrat"/>
               </a:rPr>
               <a:t>Promova! Nos Siga!</a:t>
             </a:r>
-            <a:endParaRPr b="0" lang="en-GB" sz="2000" spc="-1" strike="noStrike">
+            <a:endParaRPr lang="en-GB" sz="2000" b="0" strike="noStrike" spc="-1">
               <a:latin typeface="Arial"/>
             </a:endParaRPr>
           </a:p>
@@ -4910,18 +5763,18 @@
               </a:spcBef>
             </a:pPr>
             <a:r>
-              <a:rPr b="1" lang="en-GB" sz="2000" spc="-1" strike="noStrike" u="sng">
-                <a:solidFill>
-                  <a:srgbClr val="8bc34a"/>
+              <a:rPr lang="en-GB" sz="2000" b="1" u="sng" strike="noStrike" spc="-1">
+                <a:solidFill>
+                  <a:srgbClr val="8BC34A"/>
                 </a:solidFill>
                 <a:uFillTx/>
                 <a:latin typeface="Montserrat"/>
                 <a:ea typeface="Montserrat"/>
-                <a:hlinkClick r:id="rId7"/>
+                <a:hlinkClick r:id="rId9"/>
               </a:rPr>
               <a:t>@openneurosci</a:t>
             </a:r>
-            <a:endParaRPr b="0" lang="en-GB" sz="2000" spc="-1" strike="noStrike">
+            <a:endParaRPr lang="en-GB" sz="2000" b="0" strike="noStrike" spc="-1">
               <a:latin typeface="Arial"/>
             </a:endParaRPr>
           </a:p>
@@ -4929,12 +5782,12 @@
       </p:sp>
       <p:pic>
         <p:nvPicPr>
-          <p:cNvPr id="82" name="Google Shape;87;p16" descr=""/>
+          <p:cNvPr id="82" name="Google Shape;87;p16"/>
           <p:cNvPicPr/>
           <p:nvPr/>
         </p:nvPicPr>
         <p:blipFill>
-          <a:blip r:embed="rId8">
+          <a:blip r:embed="rId10">
             <a:alphaModFix amt="50000"/>
           </a:blip>
           <a:stretch/>
@@ -4954,14 +5807,9 @@
       </p:pic>
     </p:spTree>
   </p:cSld>
-  <mc:AlternateContent>
-    <mc:Choice Requires="p14">
-      <p:transition spd="slow" p14:dur="2000"/>
-    </mc:Choice>
-    <mc:Fallback>
-      <p:transition spd="slow"/>
-    </mc:Fallback>
-  </mc:AlternateContent>
+  <p:clrMapOvr>
+    <a:masterClrMapping/>
+  </p:clrMapOvr>
 </p:sld>
 </file>
 
@@ -4979,31 +5827,31 @@
         <a:srgbClr val="004065"/>
       </a:dk2>
       <a:lt2>
-        <a:srgbClr val="cfd8dc"/>
+        <a:srgbClr val="CFD8DC"/>
       </a:lt2>
       <a:accent1>
-        <a:srgbClr val="0277bd"/>
+        <a:srgbClr val="0277BD"/>
       </a:accent1>
       <a:accent2>
-        <a:srgbClr val="558b2f"/>
+        <a:srgbClr val="558B2F"/>
       </a:accent2>
       <a:accent3>
         <a:srgbClr val="009688"/>
       </a:accent3>
       <a:accent4>
-        <a:srgbClr val="039be5"/>
+        <a:srgbClr val="039BE5"/>
       </a:accent4>
       <a:accent5>
-        <a:srgbClr val="8bc34a"/>
+        <a:srgbClr val="8BC34A"/>
       </a:accent5>
       <a:accent6>
-        <a:srgbClr val="ffeb38"/>
+        <a:srgbClr val="FFEB38"/>
       </a:accent6>
       <a:hlink>
-        <a:srgbClr val="8bc34a"/>
+        <a:srgbClr val="8BC34A"/>
       </a:hlink>
       <a:folHlink>
-        <a:srgbClr val="8bc34a"/>
+        <a:srgbClr val="8BC34A"/>
       </a:folHlink>
     </a:clrScheme>
     <a:fontScheme name="Office">
@@ -5188,6 +6036,8 @@
       </a:bgFillStyleLst>
     </a:fmtScheme>
   </a:themeElements>
+  <a:objectDefaults/>
+  <a:extraClrSchemeLst/>
 </a:theme>
 </file>
 
@@ -5205,31 +6055,31 @@
         <a:srgbClr val="004065"/>
       </a:dk2>
       <a:lt2>
-        <a:srgbClr val="cfd8dc"/>
+        <a:srgbClr val="CFD8DC"/>
       </a:lt2>
       <a:accent1>
-        <a:srgbClr val="0277bd"/>
+        <a:srgbClr val="0277BD"/>
       </a:accent1>
       <a:accent2>
-        <a:srgbClr val="558b2f"/>
+        <a:srgbClr val="558B2F"/>
       </a:accent2>
       <a:accent3>
         <a:srgbClr val="009688"/>
       </a:accent3>
       <a:accent4>
-        <a:srgbClr val="039be5"/>
+        <a:srgbClr val="039BE5"/>
       </a:accent4>
       <a:accent5>
-        <a:srgbClr val="8bc34a"/>
+        <a:srgbClr val="8BC34A"/>
       </a:accent5>
       <a:accent6>
-        <a:srgbClr val="ffeb38"/>
+        <a:srgbClr val="FFEB38"/>
       </a:accent6>
       <a:hlink>
-        <a:srgbClr val="8bc34a"/>
+        <a:srgbClr val="8BC34A"/>
       </a:hlink>
       <a:folHlink>
-        <a:srgbClr val="8bc34a"/>
+        <a:srgbClr val="8BC34A"/>
       </a:folHlink>
     </a:clrScheme>
     <a:fontScheme name="Office">
@@ -5414,5 +6264,7 @@
       </a:bgFillStyleLst>
     </a:fmtScheme>
   </a:themeElements>
+  <a:objectDefaults/>
+  <a:extraClrSchemeLst/>
 </a:theme>
 </file>